--- a/python_project.pptx
+++ b/python_project.pptx
@@ -2,25 +2,26 @@
 <file path=ppt/presentation.xml><?xml version="1.0" encoding="utf-8"?>
 <p:presentation xmlns:a="http://schemas.openxmlformats.org/drawingml/2006/main" xmlns:r="http://schemas.openxmlformats.org/officeDocument/2006/relationships" xmlns:p="http://schemas.openxmlformats.org/presentationml/2006/main" saveSubsetFonts="1">
   <p:sldMasterIdLst>
-    <p:sldMasterId id="2147483648" r:id="rId1"/>
+    <p:sldMasterId id="2147483660" r:id="rId1"/>
   </p:sldMasterIdLst>
   <p:sldIdLst>
     <p:sldId id="256" r:id="rId2"/>
     <p:sldId id="257" r:id="rId3"/>
-    <p:sldId id="258" r:id="rId4"/>
-    <p:sldId id="259" r:id="rId5"/>
-    <p:sldId id="260" r:id="rId6"/>
-    <p:sldId id="261" r:id="rId7"/>
-    <p:sldId id="262" r:id="rId8"/>
-    <p:sldId id="263" r:id="rId9"/>
+    <p:sldId id="259" r:id="rId4"/>
+    <p:sldId id="260" r:id="rId5"/>
+    <p:sldId id="261" r:id="rId6"/>
+    <p:sldId id="262" r:id="rId7"/>
+    <p:sldId id="264" r:id="rId8"/>
+    <p:sldId id="265" r:id="rId9"/>
+    <p:sldId id="263" r:id="rId10"/>
   </p:sldIdLst>
   <p:sldSz cx="12192000" cy="6858000"/>
   <p:notesSz cx="6858000" cy="9144000"/>
   <p:defaultTextStyle>
     <a:defPPr>
-      <a:defRPr lang="en-DE"/>
+      <a:defRPr lang="en-US"/>
     </a:defPPr>
-    <a:lvl1pPr marL="0" algn="l" defTabSz="914400" rtl="0" eaLnBrk="1" latinLnBrk="0" hangingPunct="1">
+    <a:lvl1pPr marL="0" algn="l" defTabSz="457200" rtl="0" eaLnBrk="1" latinLnBrk="0" hangingPunct="1">
       <a:defRPr sz="1800" kern="1200">
         <a:solidFill>
           <a:schemeClr val="tx1"/>
@@ -30,7 +31,7 @@
         <a:cs typeface="+mn-cs"/>
       </a:defRPr>
     </a:lvl1pPr>
-    <a:lvl2pPr marL="457200" algn="l" defTabSz="914400" rtl="0" eaLnBrk="1" latinLnBrk="0" hangingPunct="1">
+    <a:lvl2pPr marL="457200" algn="l" defTabSz="457200" rtl="0" eaLnBrk="1" latinLnBrk="0" hangingPunct="1">
       <a:defRPr sz="1800" kern="1200">
         <a:solidFill>
           <a:schemeClr val="tx1"/>
@@ -40,7 +41,7 @@
         <a:cs typeface="+mn-cs"/>
       </a:defRPr>
     </a:lvl2pPr>
-    <a:lvl3pPr marL="914400" algn="l" defTabSz="914400" rtl="0" eaLnBrk="1" latinLnBrk="0" hangingPunct="1">
+    <a:lvl3pPr marL="914400" algn="l" defTabSz="457200" rtl="0" eaLnBrk="1" latinLnBrk="0" hangingPunct="1">
       <a:defRPr sz="1800" kern="1200">
         <a:solidFill>
           <a:schemeClr val="tx1"/>
@@ -50,7 +51,7 @@
         <a:cs typeface="+mn-cs"/>
       </a:defRPr>
     </a:lvl3pPr>
-    <a:lvl4pPr marL="1371600" algn="l" defTabSz="914400" rtl="0" eaLnBrk="1" latinLnBrk="0" hangingPunct="1">
+    <a:lvl4pPr marL="1371600" algn="l" defTabSz="457200" rtl="0" eaLnBrk="1" latinLnBrk="0" hangingPunct="1">
       <a:defRPr sz="1800" kern="1200">
         <a:solidFill>
           <a:schemeClr val="tx1"/>
@@ -60,7 +61,7 @@
         <a:cs typeface="+mn-cs"/>
       </a:defRPr>
     </a:lvl4pPr>
-    <a:lvl5pPr marL="1828800" algn="l" defTabSz="914400" rtl="0" eaLnBrk="1" latinLnBrk="0" hangingPunct="1">
+    <a:lvl5pPr marL="1828800" algn="l" defTabSz="457200" rtl="0" eaLnBrk="1" latinLnBrk="0" hangingPunct="1">
       <a:defRPr sz="1800" kern="1200">
         <a:solidFill>
           <a:schemeClr val="tx1"/>
@@ -70,7 +71,7 @@
         <a:cs typeface="+mn-cs"/>
       </a:defRPr>
     </a:lvl5pPr>
-    <a:lvl6pPr marL="2286000" algn="l" defTabSz="914400" rtl="0" eaLnBrk="1" latinLnBrk="0" hangingPunct="1">
+    <a:lvl6pPr marL="2286000" algn="l" defTabSz="457200" rtl="0" eaLnBrk="1" latinLnBrk="0" hangingPunct="1">
       <a:defRPr sz="1800" kern="1200">
         <a:solidFill>
           <a:schemeClr val="tx1"/>
@@ -80,7 +81,7 @@
         <a:cs typeface="+mn-cs"/>
       </a:defRPr>
     </a:lvl6pPr>
-    <a:lvl7pPr marL="2743200" algn="l" defTabSz="914400" rtl="0" eaLnBrk="1" latinLnBrk="0" hangingPunct="1">
+    <a:lvl7pPr marL="2743200" algn="l" defTabSz="457200" rtl="0" eaLnBrk="1" latinLnBrk="0" hangingPunct="1">
       <a:defRPr sz="1800" kern="1200">
         <a:solidFill>
           <a:schemeClr val="tx1"/>
@@ -90,7 +91,7 @@
         <a:cs typeface="+mn-cs"/>
       </a:defRPr>
     </a:lvl7pPr>
-    <a:lvl8pPr marL="3200400" algn="l" defTabSz="914400" rtl="0" eaLnBrk="1" latinLnBrk="0" hangingPunct="1">
+    <a:lvl8pPr marL="3200400" algn="l" defTabSz="457200" rtl="0" eaLnBrk="1" latinLnBrk="0" hangingPunct="1">
       <a:defRPr sz="1800" kern="1200">
         <a:solidFill>
           <a:schemeClr val="tx1"/>
@@ -100,7 +101,7 @@
         <a:cs typeface="+mn-cs"/>
       </a:defRPr>
     </a:lvl8pPr>
-    <a:lvl9pPr marL="3657600" algn="l" defTabSz="914400" rtl="0" eaLnBrk="1" latinLnBrk="0" hangingPunct="1">
+    <a:lvl9pPr marL="3657600" algn="l" defTabSz="457200" rtl="0" eaLnBrk="1" latinLnBrk="0" hangingPunct="1">
       <a:defRPr sz="1800" kern="1200">
         <a:solidFill>
           <a:schemeClr val="tx1"/>
@@ -111,12 +112,27 @@
       </a:defRPr>
     </a:lvl9pPr>
   </p:defaultTextStyle>
+  <p:extLst>
+    <p:ext uri="{EFAFB233-063F-42B5-8137-9DF3F51BA10A}">
+      <p15:sldGuideLst xmlns:p15="http://schemas.microsoft.com/office/powerpoint/2012/main"/>
+    </p:ext>
+  </p:extLst>
 </p:presentation>
 </file>
 
 <file path=ppt/slideLayouts/slideLayout1.xml><?xml version="1.0" encoding="utf-8"?>
-<p:sldLayout xmlns:a="http://schemas.openxmlformats.org/drawingml/2006/main" xmlns:r="http://schemas.openxmlformats.org/officeDocument/2006/relationships" xmlns:p="http://schemas.openxmlformats.org/presentationml/2006/main" type="title" preserve="1">
+<p:sldLayout xmlns:a="http://schemas.openxmlformats.org/drawingml/2006/main" xmlns:r="http://schemas.openxmlformats.org/officeDocument/2006/relationships" xmlns:p="http://schemas.openxmlformats.org/presentationml/2006/main" showMasterSp="0" type="title" preserve="1">
   <p:cSld name="Титульный слайд">
+    <p:bg>
+      <p:bgPr>
+        <a:solidFill>
+          <a:schemeClr val="bg2">
+            <a:lumMod val="75000"/>
+          </a:schemeClr>
+        </a:solidFill>
+        <a:effectLst/>
+      </p:bgPr>
+    </p:bg>
     <p:spTree>
       <p:nvGrpSpPr>
         <p:cNvPr id="1" name=""/>
@@ -133,13 +149,7 @@
       </p:grpSpPr>
       <p:sp>
         <p:nvSpPr>
-          <p:cNvPr id="2" name="Заголовок 1">
-            <a:extLst>
-              <a:ext uri="{FF2B5EF4-FFF2-40B4-BE49-F238E27FC236}">
-                <a16:creationId xmlns:a16="http://schemas.microsoft.com/office/drawing/2014/main" id="{3FFC593E-E515-45C2-B93F-F363841E09ED}"/>
-              </a:ext>
-            </a:extLst>
-          </p:cNvPr>
+          <p:cNvPr id="2" name="Title 1"/>
           <p:cNvSpPr>
             <a:spLocks noGrp="1"/>
           </p:cNvSpPr>
@@ -149,15 +159,24 @@
         </p:nvSpPr>
         <p:spPr>
           <a:xfrm>
-            <a:off x="1524000" y="1122363"/>
-            <a:ext cx="9144000" cy="2387600"/>
+            <a:off x="1261872" y="758952"/>
+            <a:ext cx="9418320" cy="4041648"/>
           </a:xfrm>
         </p:spPr>
         <p:txBody>
-          <a:bodyPr anchor="b"/>
+          <a:bodyPr anchor="b">
+            <a:normAutofit/>
+          </a:bodyPr>
           <a:lstStyle>
-            <a:lvl1pPr algn="ctr">
-              <a:defRPr sz="6000"/>
+            <a:lvl1pPr algn="l">
+              <a:lnSpc>
+                <a:spcPct val="85000"/>
+              </a:lnSpc>
+              <a:defRPr sz="7200" baseline="0">
+                <a:solidFill>
+                  <a:schemeClr val="tx1"/>
+                </a:solidFill>
+              </a:defRPr>
             </a:lvl1pPr>
           </a:lstStyle>
           <a:p>
@@ -165,19 +184,13 @@
               <a:rPr lang="ru-RU"/>
               <a:t>Образец заголовка</a:t>
             </a:r>
-            <a:endParaRPr lang="en-DE"/>
-          </a:p>
-        </p:txBody>
-      </p:sp>
-      <p:sp>
-        <p:nvSpPr>
-          <p:cNvPr id="3" name="Подзаголовок 2">
-            <a:extLst>
-              <a:ext uri="{FF2B5EF4-FFF2-40B4-BE49-F238E27FC236}">
-                <a16:creationId xmlns:a16="http://schemas.microsoft.com/office/drawing/2014/main" id="{2F3FAFAF-712B-4B64-8C35-95EF2D1AEBC8}"/>
-              </a:ext>
-            </a:extLst>
-          </p:cNvPr>
+            <a:endParaRPr lang="en-US" dirty="0"/>
+          </a:p>
+        </p:txBody>
+      </p:sp>
+      <p:sp>
+        <p:nvSpPr>
+          <p:cNvPr id="3" name="Subtitle 2"/>
           <p:cNvSpPr>
             <a:spLocks noGrp="1"/>
           </p:cNvSpPr>
@@ -187,48 +200,56 @@
         </p:nvSpPr>
         <p:spPr>
           <a:xfrm>
-            <a:off x="1524000" y="3602038"/>
-            <a:ext cx="9144000" cy="1655762"/>
+            <a:off x="1261872" y="4800600"/>
+            <a:ext cx="9418320" cy="1691640"/>
           </a:xfrm>
         </p:spPr>
         <p:txBody>
-          <a:bodyPr/>
+          <a:bodyPr>
+            <a:normAutofit/>
+          </a:bodyPr>
           <a:lstStyle>
-            <a:lvl1pPr marL="0" indent="0" algn="ctr">
-              <a:buNone/>
-              <a:defRPr sz="2400"/>
+            <a:lvl1pPr marL="0" indent="0" algn="l">
+              <a:buNone/>
+              <a:defRPr sz="2200" baseline="0">
+                <a:solidFill>
+                  <a:schemeClr val="tx1">
+                    <a:lumMod val="75000"/>
+                  </a:schemeClr>
+                </a:solidFill>
+              </a:defRPr>
             </a:lvl1pPr>
             <a:lvl2pPr marL="457200" indent="0" algn="ctr">
               <a:buNone/>
-              <a:defRPr sz="2000"/>
+              <a:defRPr sz="2200"/>
             </a:lvl2pPr>
             <a:lvl3pPr marL="914400" indent="0" algn="ctr">
               <a:buNone/>
-              <a:defRPr sz="1800"/>
+              <a:defRPr sz="2200"/>
             </a:lvl3pPr>
             <a:lvl4pPr marL="1371600" indent="0" algn="ctr">
               <a:buNone/>
-              <a:defRPr sz="1600"/>
+              <a:defRPr sz="2000"/>
             </a:lvl4pPr>
             <a:lvl5pPr marL="1828800" indent="0" algn="ctr">
               <a:buNone/>
-              <a:defRPr sz="1600"/>
+              <a:defRPr sz="2000"/>
             </a:lvl5pPr>
             <a:lvl6pPr marL="2286000" indent="0" algn="ctr">
               <a:buNone/>
-              <a:defRPr sz="1600"/>
+              <a:defRPr sz="2000"/>
             </a:lvl6pPr>
             <a:lvl7pPr marL="2743200" indent="0" algn="ctr">
               <a:buNone/>
-              <a:defRPr sz="1600"/>
+              <a:defRPr sz="2000"/>
             </a:lvl7pPr>
             <a:lvl8pPr marL="3200400" indent="0" algn="ctr">
               <a:buNone/>
-              <a:defRPr sz="1600"/>
+              <a:defRPr sz="2000"/>
             </a:lvl8pPr>
             <a:lvl9pPr marL="3657600" indent="0" algn="ctr">
               <a:buNone/>
-              <a:defRPr sz="1600"/>
+              <a:defRPr sz="2000"/>
             </a:lvl9pPr>
           </a:lstStyle>
           <a:p>
@@ -236,19 +257,13 @@
               <a:rPr lang="ru-RU"/>
               <a:t>Образец подзаголовка</a:t>
             </a:r>
-            <a:endParaRPr lang="en-DE"/>
-          </a:p>
-        </p:txBody>
-      </p:sp>
-      <p:sp>
-        <p:nvSpPr>
-          <p:cNvPr id="4" name="Дата 3">
-            <a:extLst>
-              <a:ext uri="{FF2B5EF4-FFF2-40B4-BE49-F238E27FC236}">
-                <a16:creationId xmlns:a16="http://schemas.microsoft.com/office/drawing/2014/main" id="{76DAA0B6-3AF6-4BAC-8EAE-09EFE6789690}"/>
-              </a:ext>
-            </a:extLst>
-          </p:cNvPr>
+            <a:endParaRPr lang="en-US" dirty="0"/>
+          </a:p>
+        </p:txBody>
+      </p:sp>
+      <p:sp>
+        <p:nvSpPr>
+          <p:cNvPr id="4" name="Date Placeholder 3"/>
           <p:cNvSpPr>
             <a:spLocks noGrp="1"/>
           </p:cNvSpPr>
@@ -259,11 +274,21 @@
         <p:spPr/>
         <p:txBody>
           <a:bodyPr/>
-          <a:lstStyle/>
+          <a:lstStyle>
+            <a:lvl1pPr>
+              <a:defRPr>
+                <a:solidFill>
+                  <a:schemeClr val="tx1">
+                    <a:lumMod val="50000"/>
+                  </a:schemeClr>
+                </a:solidFill>
+              </a:defRPr>
+            </a:lvl1pPr>
+          </a:lstStyle>
           <a:p>
             <a:fld id="{23F544BD-CB56-410C-B313-DCC58E7055C0}" type="datetimeFigureOut">
               <a:rPr lang="en-DE" smtClean="0"/>
-              <a:t>15/11/2024</a:t>
+              <a:t>22/11/2024</a:t>
             </a:fld>
             <a:endParaRPr lang="en-DE"/>
           </a:p>
@@ -271,13 +296,7 @@
       </p:sp>
       <p:sp>
         <p:nvSpPr>
-          <p:cNvPr id="5" name="Нижний колонтитул 4">
-            <a:extLst>
-              <a:ext uri="{FF2B5EF4-FFF2-40B4-BE49-F238E27FC236}">
-                <a16:creationId xmlns:a16="http://schemas.microsoft.com/office/drawing/2014/main" id="{3338E2FF-84DA-4D01-B3A1-5EA4161C4F9A}"/>
-              </a:ext>
-            </a:extLst>
-          </p:cNvPr>
+          <p:cNvPr id="5" name="Footer Placeholder 4"/>
           <p:cNvSpPr>
             <a:spLocks noGrp="1"/>
           </p:cNvSpPr>
@@ -288,7 +307,17 @@
         <p:spPr/>
         <p:txBody>
           <a:bodyPr/>
-          <a:lstStyle/>
+          <a:lstStyle>
+            <a:lvl1pPr>
+              <a:defRPr>
+                <a:solidFill>
+                  <a:schemeClr val="tx1">
+                    <a:lumMod val="65000"/>
+                  </a:schemeClr>
+                </a:solidFill>
+              </a:defRPr>
+            </a:lvl1pPr>
+          </a:lstStyle>
           <a:p>
             <a:endParaRPr lang="en-DE"/>
           </a:p>
@@ -296,13 +325,7 @@
       </p:sp>
       <p:sp>
         <p:nvSpPr>
-          <p:cNvPr id="6" name="Номер слайда 5">
-            <a:extLst>
-              <a:ext uri="{FF2B5EF4-FFF2-40B4-BE49-F238E27FC236}">
-                <a16:creationId xmlns:a16="http://schemas.microsoft.com/office/drawing/2014/main" id="{B661175A-FF64-4028-BD8D-6FC1C1E23BAD}"/>
-              </a:ext>
-            </a:extLst>
-          </p:cNvPr>
+          <p:cNvPr id="6" name="Slide Number Placeholder 5"/>
           <p:cNvSpPr>
             <a:spLocks noGrp="1"/>
           </p:cNvSpPr>
@@ -313,7 +336,17 @@
         <p:spPr/>
         <p:txBody>
           <a:bodyPr/>
-          <a:lstStyle/>
+          <a:lstStyle>
+            <a:lvl1pPr>
+              <a:defRPr>
+                <a:solidFill>
+                  <a:schemeClr val="tx1">
+                    <a:lumMod val="65000"/>
+                  </a:schemeClr>
+                </a:solidFill>
+              </a:defRPr>
+            </a:lvl1pPr>
+          </a:lstStyle>
           <a:p>
             <a:fld id="{745ACB59-B131-4252-B5C1-72D6CC2014A4}" type="slidenum">
               <a:rPr lang="en-DE" smtClean="0"/>
@@ -323,15 +356,53 @@
           </a:p>
         </p:txBody>
       </p:sp>
+      <p:sp>
+        <p:nvSpPr>
+          <p:cNvPr id="7" name="Rectangle 6"/>
+          <p:cNvSpPr/>
+          <p:nvPr/>
+        </p:nvSpPr>
+        <p:spPr>
+          <a:xfrm>
+            <a:off x="0" y="0"/>
+            <a:ext cx="457200" cy="6858000"/>
+          </a:xfrm>
+          <a:prstGeom prst="rect">
+            <a:avLst/>
+          </a:prstGeom>
+          <a:solidFill>
+            <a:schemeClr val="accent1"/>
+          </a:solidFill>
+          <a:ln>
+            <a:noFill/>
+          </a:ln>
+        </p:spPr>
+        <p:style>
+          <a:lnRef idx="2">
+            <a:schemeClr val="accent1">
+              <a:shade val="50000"/>
+            </a:schemeClr>
+          </a:lnRef>
+          <a:fillRef idx="1">
+            <a:schemeClr val="accent1"/>
+          </a:fillRef>
+          <a:effectRef idx="0">
+            <a:schemeClr val="accent1"/>
+          </a:effectRef>
+          <a:fontRef idx="minor">
+            <a:schemeClr val="lt1"/>
+          </a:fontRef>
+        </p:style>
+      </p:sp>
     </p:spTree>
     <p:extLst>
       <p:ext uri="{BB962C8B-B14F-4D97-AF65-F5344CB8AC3E}">
-        <p14:creationId xmlns:p14="http://schemas.microsoft.com/office/powerpoint/2010/main" val="1328171178"/>
+        <p14:creationId xmlns:p14="http://schemas.microsoft.com/office/powerpoint/2010/main" val="3637779852"/>
       </p:ext>
     </p:extLst>
   </p:cSld>
   <p:clrMapOvr>
-    <a:masterClrMapping/>
+    <a:overrideClrMapping bg1="dk1" tx1="lt1" bg2="dk2" tx2="lt2" accent1="accent1" accent2="accent2" accent3="accent3" accent4="accent4" accent5="accent5" accent6="accent6" hlink="hlink" folHlink="folHlink"/>
   </p:clrMapOvr>
 </p:sldLayout>
 </file>
@@ -355,13 +426,7 @@
       </p:grpSpPr>
       <p:sp>
         <p:nvSpPr>
-          <p:cNvPr id="2" name="Заголовок 1">
-            <a:extLst>
-              <a:ext uri="{FF2B5EF4-FFF2-40B4-BE49-F238E27FC236}">
-                <a16:creationId xmlns:a16="http://schemas.microsoft.com/office/drawing/2014/main" id="{9FA1BD0F-ABEA-478F-8A5B-42853B140DCA}"/>
-              </a:ext>
-            </a:extLst>
-          </p:cNvPr>
+          <p:cNvPr id="2" name="Title 1"/>
           <p:cNvSpPr>
             <a:spLocks noGrp="1"/>
           </p:cNvSpPr>
@@ -378,19 +443,13 @@
               <a:rPr lang="ru-RU"/>
               <a:t>Образец заголовка</a:t>
             </a:r>
-            <a:endParaRPr lang="en-DE"/>
-          </a:p>
-        </p:txBody>
-      </p:sp>
-      <p:sp>
-        <p:nvSpPr>
-          <p:cNvPr id="3" name="Вертикальный текст 2">
-            <a:extLst>
-              <a:ext uri="{FF2B5EF4-FFF2-40B4-BE49-F238E27FC236}">
-                <a16:creationId xmlns:a16="http://schemas.microsoft.com/office/drawing/2014/main" id="{183484AF-62DF-48F0-9B99-37E9908F1434}"/>
-              </a:ext>
-            </a:extLst>
-          </p:cNvPr>
+            <a:endParaRPr lang="en-US" dirty="0"/>
+          </a:p>
+        </p:txBody>
+      </p:sp>
+      <p:sp>
+        <p:nvSpPr>
+          <p:cNvPr id="3" name="Vertical Text Placeholder 2"/>
           <p:cNvSpPr>
             <a:spLocks noGrp="1"/>
           </p:cNvSpPr>
@@ -436,19 +495,13 @@
               <a:rPr lang="ru-RU"/>
               <a:t>Пятый уровень</a:t>
             </a:r>
-            <a:endParaRPr lang="en-DE"/>
-          </a:p>
-        </p:txBody>
-      </p:sp>
-      <p:sp>
-        <p:nvSpPr>
-          <p:cNvPr id="4" name="Дата 3">
-            <a:extLst>
-              <a:ext uri="{FF2B5EF4-FFF2-40B4-BE49-F238E27FC236}">
-                <a16:creationId xmlns:a16="http://schemas.microsoft.com/office/drawing/2014/main" id="{AFDD48CC-A9DF-48A1-8DA8-4E2205C82D88}"/>
-              </a:ext>
-            </a:extLst>
-          </p:cNvPr>
+            <a:endParaRPr lang="en-US" dirty="0"/>
+          </a:p>
+        </p:txBody>
+      </p:sp>
+      <p:sp>
+        <p:nvSpPr>
+          <p:cNvPr id="4" name="Date Placeholder 3"/>
           <p:cNvSpPr>
             <a:spLocks noGrp="1"/>
           </p:cNvSpPr>
@@ -463,7 +516,7 @@
           <a:p>
             <a:fld id="{23F544BD-CB56-410C-B313-DCC58E7055C0}" type="datetimeFigureOut">
               <a:rPr lang="en-DE" smtClean="0"/>
-              <a:t>15/11/2024</a:t>
+              <a:t>22/11/2024</a:t>
             </a:fld>
             <a:endParaRPr lang="en-DE"/>
           </a:p>
@@ -471,13 +524,7 @@
       </p:sp>
       <p:sp>
         <p:nvSpPr>
-          <p:cNvPr id="5" name="Нижний колонтитул 4">
-            <a:extLst>
-              <a:ext uri="{FF2B5EF4-FFF2-40B4-BE49-F238E27FC236}">
-                <a16:creationId xmlns:a16="http://schemas.microsoft.com/office/drawing/2014/main" id="{CF53981B-FB30-42E6-A951-ED5788F54BC3}"/>
-              </a:ext>
-            </a:extLst>
-          </p:cNvPr>
+          <p:cNvPr id="5" name="Footer Placeholder 4"/>
           <p:cNvSpPr>
             <a:spLocks noGrp="1"/>
           </p:cNvSpPr>
@@ -496,13 +543,7 @@
       </p:sp>
       <p:sp>
         <p:nvSpPr>
-          <p:cNvPr id="6" name="Номер слайда 5">
-            <a:extLst>
-              <a:ext uri="{FF2B5EF4-FFF2-40B4-BE49-F238E27FC236}">
-                <a16:creationId xmlns:a16="http://schemas.microsoft.com/office/drawing/2014/main" id="{37C8162E-20CA-41C9-B780-20ECF5456B61}"/>
-              </a:ext>
-            </a:extLst>
-          </p:cNvPr>
+          <p:cNvPr id="6" name="Slide Number Placeholder 5"/>
           <p:cNvSpPr>
             <a:spLocks noGrp="1"/>
           </p:cNvSpPr>
@@ -526,7 +567,7 @@
     </p:spTree>
     <p:extLst>
       <p:ext uri="{BB962C8B-B14F-4D97-AF65-F5344CB8AC3E}">
-        <p14:creationId xmlns:p14="http://schemas.microsoft.com/office/powerpoint/2010/main" val="3716883108"/>
+        <p14:creationId xmlns:p14="http://schemas.microsoft.com/office/powerpoint/2010/main" val="835761089"/>
       </p:ext>
     </p:extLst>
   </p:cSld>
@@ -555,13 +596,7 @@
       </p:grpSpPr>
       <p:sp>
         <p:nvSpPr>
-          <p:cNvPr id="2" name="Вертикальный заголовок 1">
-            <a:extLst>
-              <a:ext uri="{FF2B5EF4-FFF2-40B4-BE49-F238E27FC236}">
-                <a16:creationId xmlns:a16="http://schemas.microsoft.com/office/drawing/2014/main" id="{88282BDC-358C-409D-BBBB-E9DE3A70B014}"/>
-              </a:ext>
-            </a:extLst>
-          </p:cNvPr>
+          <p:cNvPr id="2" name="Vertical Title 1"/>
           <p:cNvSpPr>
             <a:spLocks noGrp="1"/>
           </p:cNvSpPr>
@@ -571,8 +606,8 @@
         </p:nvSpPr>
         <p:spPr>
           <a:xfrm>
-            <a:off x="8724900" y="365125"/>
-            <a:ext cx="2628900" cy="5811838"/>
+            <a:off x="8648700" y="381000"/>
+            <a:ext cx="2476500" cy="5897562"/>
           </a:xfrm>
         </p:spPr>
         <p:txBody>
@@ -583,19 +618,13 @@
               <a:rPr lang="ru-RU"/>
               <a:t>Образец заголовка</a:t>
             </a:r>
-            <a:endParaRPr lang="en-DE"/>
-          </a:p>
-        </p:txBody>
-      </p:sp>
-      <p:sp>
-        <p:nvSpPr>
-          <p:cNvPr id="3" name="Вертикальный текст 2">
-            <a:extLst>
-              <a:ext uri="{FF2B5EF4-FFF2-40B4-BE49-F238E27FC236}">
-                <a16:creationId xmlns:a16="http://schemas.microsoft.com/office/drawing/2014/main" id="{AAD8163B-BAA9-48E2-809A-951516B0F365}"/>
-              </a:ext>
-            </a:extLst>
-          </p:cNvPr>
+            <a:endParaRPr lang="en-US" dirty="0"/>
+          </a:p>
+        </p:txBody>
+      </p:sp>
+      <p:sp>
+        <p:nvSpPr>
+          <p:cNvPr id="3" name="Vertical Text Placeholder 2"/>
           <p:cNvSpPr>
             <a:spLocks noGrp="1"/>
           </p:cNvSpPr>
@@ -605,8 +634,8 @@
         </p:nvSpPr>
         <p:spPr>
           <a:xfrm>
-            <a:off x="838200" y="365125"/>
-            <a:ext cx="7734300" cy="5811838"/>
+            <a:off x="762000" y="381000"/>
+            <a:ext cx="7734300" cy="5897562"/>
           </a:xfrm>
         </p:spPr>
         <p:txBody>
@@ -646,19 +675,13 @@
               <a:rPr lang="ru-RU"/>
               <a:t>Пятый уровень</a:t>
             </a:r>
-            <a:endParaRPr lang="en-DE"/>
-          </a:p>
-        </p:txBody>
-      </p:sp>
-      <p:sp>
-        <p:nvSpPr>
-          <p:cNvPr id="4" name="Дата 3">
-            <a:extLst>
-              <a:ext uri="{FF2B5EF4-FFF2-40B4-BE49-F238E27FC236}">
-                <a16:creationId xmlns:a16="http://schemas.microsoft.com/office/drawing/2014/main" id="{D351E00E-78FD-40A8-8E7D-EE8815776A14}"/>
-              </a:ext>
-            </a:extLst>
-          </p:cNvPr>
+            <a:endParaRPr lang="en-US" dirty="0"/>
+          </a:p>
+        </p:txBody>
+      </p:sp>
+      <p:sp>
+        <p:nvSpPr>
+          <p:cNvPr id="4" name="Date Placeholder 3"/>
           <p:cNvSpPr>
             <a:spLocks noGrp="1"/>
           </p:cNvSpPr>
@@ -673,7 +696,7 @@
           <a:p>
             <a:fld id="{23F544BD-CB56-410C-B313-DCC58E7055C0}" type="datetimeFigureOut">
               <a:rPr lang="en-DE" smtClean="0"/>
-              <a:t>15/11/2024</a:t>
+              <a:t>22/11/2024</a:t>
             </a:fld>
             <a:endParaRPr lang="en-DE"/>
           </a:p>
@@ -681,13 +704,7 @@
       </p:sp>
       <p:sp>
         <p:nvSpPr>
-          <p:cNvPr id="5" name="Нижний колонтитул 4">
-            <a:extLst>
-              <a:ext uri="{FF2B5EF4-FFF2-40B4-BE49-F238E27FC236}">
-                <a16:creationId xmlns:a16="http://schemas.microsoft.com/office/drawing/2014/main" id="{52F4DCBA-17B5-486B-931E-2FD53A980051}"/>
-              </a:ext>
-            </a:extLst>
-          </p:cNvPr>
+          <p:cNvPr id="5" name="Footer Placeholder 4"/>
           <p:cNvSpPr>
             <a:spLocks noGrp="1"/>
           </p:cNvSpPr>
@@ -706,13 +723,7 @@
       </p:sp>
       <p:sp>
         <p:nvSpPr>
-          <p:cNvPr id="6" name="Номер слайда 5">
-            <a:extLst>
-              <a:ext uri="{FF2B5EF4-FFF2-40B4-BE49-F238E27FC236}">
-                <a16:creationId xmlns:a16="http://schemas.microsoft.com/office/drawing/2014/main" id="{208110A8-D8FD-44ED-B066-AEF42EFBE787}"/>
-              </a:ext>
-            </a:extLst>
-          </p:cNvPr>
+          <p:cNvPr id="6" name="Slide Number Placeholder 5"/>
           <p:cNvSpPr>
             <a:spLocks noGrp="1"/>
           </p:cNvSpPr>
@@ -736,7 +747,7 @@
     </p:spTree>
     <p:extLst>
       <p:ext uri="{BB962C8B-B14F-4D97-AF65-F5344CB8AC3E}">
-        <p14:creationId xmlns:p14="http://schemas.microsoft.com/office/powerpoint/2010/main" val="622582095"/>
+        <p14:creationId xmlns:p14="http://schemas.microsoft.com/office/powerpoint/2010/main" val="1020166029"/>
       </p:ext>
     </p:extLst>
   </p:cSld>
@@ -765,13 +776,7 @@
       </p:grpSpPr>
       <p:sp>
         <p:nvSpPr>
-          <p:cNvPr id="2" name="Заголовок 1">
-            <a:extLst>
-              <a:ext uri="{FF2B5EF4-FFF2-40B4-BE49-F238E27FC236}">
-                <a16:creationId xmlns:a16="http://schemas.microsoft.com/office/drawing/2014/main" id="{59328109-7C1C-4DBB-AD0B-C681BD5BB0AC}"/>
-              </a:ext>
-            </a:extLst>
-          </p:cNvPr>
+          <p:cNvPr id="2" name="Title 1"/>
           <p:cNvSpPr>
             <a:spLocks noGrp="1"/>
           </p:cNvSpPr>
@@ -788,19 +793,13 @@
               <a:rPr lang="ru-RU"/>
               <a:t>Образец заголовка</a:t>
             </a:r>
-            <a:endParaRPr lang="en-DE"/>
-          </a:p>
-        </p:txBody>
-      </p:sp>
-      <p:sp>
-        <p:nvSpPr>
-          <p:cNvPr id="3" name="Объект 2">
-            <a:extLst>
-              <a:ext uri="{FF2B5EF4-FFF2-40B4-BE49-F238E27FC236}">
-                <a16:creationId xmlns:a16="http://schemas.microsoft.com/office/drawing/2014/main" id="{72FC77A3-0129-4EE7-8F03-9903388D1B5F}"/>
-              </a:ext>
-            </a:extLst>
-          </p:cNvPr>
+            <a:endParaRPr lang="en-US" dirty="0"/>
+          </a:p>
+        </p:txBody>
+      </p:sp>
+      <p:sp>
+        <p:nvSpPr>
+          <p:cNvPr id="3" name="Content Placeholder 2"/>
           <p:cNvSpPr>
             <a:spLocks noGrp="1"/>
           </p:cNvSpPr>
@@ -846,19 +845,13 @@
               <a:rPr lang="ru-RU"/>
               <a:t>Пятый уровень</a:t>
             </a:r>
-            <a:endParaRPr lang="en-DE"/>
-          </a:p>
-        </p:txBody>
-      </p:sp>
-      <p:sp>
-        <p:nvSpPr>
-          <p:cNvPr id="4" name="Дата 3">
-            <a:extLst>
-              <a:ext uri="{FF2B5EF4-FFF2-40B4-BE49-F238E27FC236}">
-                <a16:creationId xmlns:a16="http://schemas.microsoft.com/office/drawing/2014/main" id="{EE5FDE05-7F14-4B2D-AEA9-381336374B75}"/>
-              </a:ext>
-            </a:extLst>
-          </p:cNvPr>
+            <a:endParaRPr lang="en-US" dirty="0"/>
+          </a:p>
+        </p:txBody>
+      </p:sp>
+      <p:sp>
+        <p:nvSpPr>
+          <p:cNvPr id="4" name="Date Placeholder 3"/>
           <p:cNvSpPr>
             <a:spLocks noGrp="1"/>
           </p:cNvSpPr>
@@ -873,7 +866,7 @@
           <a:p>
             <a:fld id="{23F544BD-CB56-410C-B313-DCC58E7055C0}" type="datetimeFigureOut">
               <a:rPr lang="en-DE" smtClean="0"/>
-              <a:t>15/11/2024</a:t>
+              <a:t>22/11/2024</a:t>
             </a:fld>
             <a:endParaRPr lang="en-DE"/>
           </a:p>
@@ -881,13 +874,7 @@
       </p:sp>
       <p:sp>
         <p:nvSpPr>
-          <p:cNvPr id="5" name="Нижний колонтитул 4">
-            <a:extLst>
-              <a:ext uri="{FF2B5EF4-FFF2-40B4-BE49-F238E27FC236}">
-                <a16:creationId xmlns:a16="http://schemas.microsoft.com/office/drawing/2014/main" id="{87A63EE7-0F76-447B-844A-02AA7E94A25A}"/>
-              </a:ext>
-            </a:extLst>
-          </p:cNvPr>
+          <p:cNvPr id="5" name="Footer Placeholder 4"/>
           <p:cNvSpPr>
             <a:spLocks noGrp="1"/>
           </p:cNvSpPr>
@@ -906,13 +893,7 @@
       </p:sp>
       <p:sp>
         <p:nvSpPr>
-          <p:cNvPr id="6" name="Номер слайда 5">
-            <a:extLst>
-              <a:ext uri="{FF2B5EF4-FFF2-40B4-BE49-F238E27FC236}">
-                <a16:creationId xmlns:a16="http://schemas.microsoft.com/office/drawing/2014/main" id="{04C5F44E-2EBE-42FB-A357-0B845809008B}"/>
-              </a:ext>
-            </a:extLst>
-          </p:cNvPr>
+          <p:cNvPr id="6" name="Slide Number Placeholder 5"/>
           <p:cNvSpPr>
             <a:spLocks noGrp="1"/>
           </p:cNvSpPr>
@@ -936,7 +917,7 @@
     </p:spTree>
     <p:extLst>
       <p:ext uri="{BB962C8B-B14F-4D97-AF65-F5344CB8AC3E}">
-        <p14:creationId xmlns:p14="http://schemas.microsoft.com/office/powerpoint/2010/main" val="1184530072"/>
+        <p14:creationId xmlns:p14="http://schemas.microsoft.com/office/powerpoint/2010/main" val="3518615614"/>
       </p:ext>
     </p:extLst>
   </p:cSld>
@@ -965,13 +946,7 @@
       </p:grpSpPr>
       <p:sp>
         <p:nvSpPr>
-          <p:cNvPr id="2" name="Заголовок 1">
-            <a:extLst>
-              <a:ext uri="{FF2B5EF4-FFF2-40B4-BE49-F238E27FC236}">
-                <a16:creationId xmlns:a16="http://schemas.microsoft.com/office/drawing/2014/main" id="{9E3F3FA7-7984-40DE-A904-760AF629DBD6}"/>
-              </a:ext>
-            </a:extLst>
-          </p:cNvPr>
+          <p:cNvPr id="2" name="Title 1"/>
           <p:cNvSpPr>
             <a:spLocks noGrp="1"/>
           </p:cNvSpPr>
@@ -981,15 +956,20 @@
         </p:nvSpPr>
         <p:spPr>
           <a:xfrm>
-            <a:off x="831850" y="1709738"/>
-            <a:ext cx="10515600" cy="2852737"/>
+            <a:off x="1261872" y="758952"/>
+            <a:ext cx="9418320" cy="4041648"/>
           </a:xfrm>
         </p:spPr>
         <p:txBody>
-          <a:bodyPr anchor="b"/>
+          <a:bodyPr anchor="b">
+            <a:normAutofit/>
+          </a:bodyPr>
           <a:lstStyle>
             <a:lvl1pPr>
-              <a:defRPr sz="6000"/>
+              <a:lnSpc>
+                <a:spcPct val="85000"/>
+              </a:lnSpc>
+              <a:defRPr sz="7200" b="0"/>
             </a:lvl1pPr>
           </a:lstStyle>
           <a:p>
@@ -997,19 +977,13 @@
               <a:rPr lang="ru-RU"/>
               <a:t>Образец заголовка</a:t>
             </a:r>
-            <a:endParaRPr lang="en-DE"/>
-          </a:p>
-        </p:txBody>
-      </p:sp>
-      <p:sp>
-        <p:nvSpPr>
-          <p:cNvPr id="3" name="Текст 2">
-            <a:extLst>
-              <a:ext uri="{FF2B5EF4-FFF2-40B4-BE49-F238E27FC236}">
-                <a16:creationId xmlns:a16="http://schemas.microsoft.com/office/drawing/2014/main" id="{3B0DCFCC-2A8B-43AC-9C4F-931DB854DE60}"/>
-              </a:ext>
-            </a:extLst>
-          </p:cNvPr>
+            <a:endParaRPr lang="en-US" dirty="0"/>
+          </a:p>
+        </p:txBody>
+      </p:sp>
+      <p:sp>
+        <p:nvSpPr>
+          <p:cNvPr id="3" name="Text Placeholder 2"/>
           <p:cNvSpPr>
             <a:spLocks noGrp="1"/>
           </p:cNvSpPr>
@@ -1019,26 +993,29 @@
         </p:nvSpPr>
         <p:spPr>
           <a:xfrm>
-            <a:off x="831850" y="4589463"/>
-            <a:ext cx="10515600" cy="1500187"/>
+            <a:off x="1261872" y="4800600"/>
+            <a:ext cx="9418320" cy="1691640"/>
           </a:xfrm>
         </p:spPr>
         <p:txBody>
-          <a:bodyPr/>
+          <a:bodyPr anchor="t">
+            <a:normAutofit/>
+          </a:bodyPr>
           <a:lstStyle>
             <a:lvl1pPr marL="0" indent="0">
               <a:buNone/>
-              <a:defRPr sz="2400">
+              <a:defRPr sz="2200">
                 <a:solidFill>
                   <a:schemeClr val="tx1">
-                    <a:tint val="75000"/>
+                    <a:lumMod val="65000"/>
+                    <a:lumOff val="35000"/>
                   </a:schemeClr>
                 </a:solidFill>
               </a:defRPr>
             </a:lvl1pPr>
             <a:lvl2pPr marL="457200" indent="0">
               <a:buNone/>
-              <a:defRPr sz="2000">
+              <a:defRPr sz="1800">
                 <a:solidFill>
                   <a:schemeClr val="tx1">
                     <a:tint val="75000"/>
@@ -1048,7 +1025,7 @@
             </a:lvl2pPr>
             <a:lvl3pPr marL="914400" indent="0">
               <a:buNone/>
-              <a:defRPr sz="1800">
+              <a:defRPr sz="1600">
                 <a:solidFill>
                   <a:schemeClr val="tx1">
                     <a:tint val="75000"/>
@@ -1058,7 +1035,7 @@
             </a:lvl3pPr>
             <a:lvl4pPr marL="1371600" indent="0">
               <a:buNone/>
-              <a:defRPr sz="1600">
+              <a:defRPr sz="1400">
                 <a:solidFill>
                   <a:schemeClr val="tx1">
                     <a:tint val="75000"/>
@@ -1068,7 +1045,7 @@
             </a:lvl4pPr>
             <a:lvl5pPr marL="1828800" indent="0">
               <a:buNone/>
-              <a:defRPr sz="1600">
+              <a:defRPr sz="1400">
                 <a:solidFill>
                   <a:schemeClr val="tx1">
                     <a:tint val="75000"/>
@@ -1078,7 +1055,7 @@
             </a:lvl5pPr>
             <a:lvl6pPr marL="2286000" indent="0">
               <a:buNone/>
-              <a:defRPr sz="1600">
+              <a:defRPr sz="1400">
                 <a:solidFill>
                   <a:schemeClr val="tx1">
                     <a:tint val="75000"/>
@@ -1088,7 +1065,7 @@
             </a:lvl6pPr>
             <a:lvl7pPr marL="2743200" indent="0">
               <a:buNone/>
-              <a:defRPr sz="1600">
+              <a:defRPr sz="1400">
                 <a:solidFill>
                   <a:schemeClr val="tx1">
                     <a:tint val="75000"/>
@@ -1098,7 +1075,7 @@
             </a:lvl7pPr>
             <a:lvl8pPr marL="3200400" indent="0">
               <a:buNone/>
-              <a:defRPr sz="1600">
+              <a:defRPr sz="1400">
                 <a:solidFill>
                   <a:schemeClr val="tx1">
                     <a:tint val="75000"/>
@@ -1108,7 +1085,7 @@
             </a:lvl8pPr>
             <a:lvl9pPr marL="3657600" indent="0">
               <a:buNone/>
-              <a:defRPr sz="1600">
+              <a:defRPr sz="1400">
                 <a:solidFill>
                   <a:schemeClr val="tx1">
                     <a:tint val="75000"/>
@@ -1128,13 +1105,7 @@
       </p:sp>
       <p:sp>
         <p:nvSpPr>
-          <p:cNvPr id="4" name="Дата 3">
-            <a:extLst>
-              <a:ext uri="{FF2B5EF4-FFF2-40B4-BE49-F238E27FC236}">
-                <a16:creationId xmlns:a16="http://schemas.microsoft.com/office/drawing/2014/main" id="{8D17F64E-3042-4C7A-B6BF-FBD236008805}"/>
-              </a:ext>
-            </a:extLst>
-          </p:cNvPr>
+          <p:cNvPr id="4" name="Date Placeholder 3"/>
           <p:cNvSpPr>
             <a:spLocks noGrp="1"/>
           </p:cNvSpPr>
@@ -1149,7 +1120,7 @@
           <a:p>
             <a:fld id="{23F544BD-CB56-410C-B313-DCC58E7055C0}" type="datetimeFigureOut">
               <a:rPr lang="en-DE" smtClean="0"/>
-              <a:t>15/11/2024</a:t>
+              <a:t>22/11/2024</a:t>
             </a:fld>
             <a:endParaRPr lang="en-DE"/>
           </a:p>
@@ -1157,13 +1128,7 @@
       </p:sp>
       <p:sp>
         <p:nvSpPr>
-          <p:cNvPr id="5" name="Нижний колонтитул 4">
-            <a:extLst>
-              <a:ext uri="{FF2B5EF4-FFF2-40B4-BE49-F238E27FC236}">
-                <a16:creationId xmlns:a16="http://schemas.microsoft.com/office/drawing/2014/main" id="{045FD341-7027-4FB6-A70A-80674E2545B3}"/>
-              </a:ext>
-            </a:extLst>
-          </p:cNvPr>
+          <p:cNvPr id="5" name="Footer Placeholder 4"/>
           <p:cNvSpPr>
             <a:spLocks noGrp="1"/>
           </p:cNvSpPr>
@@ -1182,13 +1147,7 @@
       </p:sp>
       <p:sp>
         <p:nvSpPr>
-          <p:cNvPr id="6" name="Номер слайда 5">
-            <a:extLst>
-              <a:ext uri="{FF2B5EF4-FFF2-40B4-BE49-F238E27FC236}">
-                <a16:creationId xmlns:a16="http://schemas.microsoft.com/office/drawing/2014/main" id="{192227FC-6138-4D6C-9A81-F64243882F96}"/>
-              </a:ext>
-            </a:extLst>
-          </p:cNvPr>
+          <p:cNvPr id="6" name="Slide Number Placeholder 5"/>
           <p:cNvSpPr>
             <a:spLocks noGrp="1"/>
           </p:cNvSpPr>
@@ -1209,10 +1168,48 @@
           </a:p>
         </p:txBody>
       </p:sp>
+      <p:sp>
+        <p:nvSpPr>
+          <p:cNvPr id="7" name="Rectangle 6"/>
+          <p:cNvSpPr/>
+          <p:nvPr/>
+        </p:nvSpPr>
+        <p:spPr>
+          <a:xfrm>
+            <a:off x="0" y="0"/>
+            <a:ext cx="457200" cy="6858000"/>
+          </a:xfrm>
+          <a:prstGeom prst="rect">
+            <a:avLst/>
+          </a:prstGeom>
+          <a:solidFill>
+            <a:schemeClr val="accent1"/>
+          </a:solidFill>
+          <a:ln>
+            <a:noFill/>
+          </a:ln>
+        </p:spPr>
+        <p:style>
+          <a:lnRef idx="2">
+            <a:schemeClr val="accent1">
+              <a:shade val="50000"/>
+            </a:schemeClr>
+          </a:lnRef>
+          <a:fillRef idx="1">
+            <a:schemeClr val="accent1"/>
+          </a:fillRef>
+          <a:effectRef idx="0">
+            <a:schemeClr val="accent1"/>
+          </a:effectRef>
+          <a:fontRef idx="minor">
+            <a:schemeClr val="lt1"/>
+          </a:fontRef>
+        </p:style>
+      </p:sp>
     </p:spTree>
     <p:extLst>
       <p:ext uri="{BB962C8B-B14F-4D97-AF65-F5344CB8AC3E}">
-        <p14:creationId xmlns:p14="http://schemas.microsoft.com/office/powerpoint/2010/main" val="4147649529"/>
+        <p14:creationId xmlns:p14="http://schemas.microsoft.com/office/powerpoint/2010/main" val="2582950645"/>
       </p:ext>
     </p:extLst>
   </p:cSld>
@@ -1241,13 +1238,7 @@
       </p:grpSpPr>
       <p:sp>
         <p:nvSpPr>
-          <p:cNvPr id="2" name="Заголовок 1">
-            <a:extLst>
-              <a:ext uri="{FF2B5EF4-FFF2-40B4-BE49-F238E27FC236}">
-                <a16:creationId xmlns:a16="http://schemas.microsoft.com/office/drawing/2014/main" id="{ECD83EE3-091C-45A2-827A-7A250FC17272}"/>
-              </a:ext>
-            </a:extLst>
-          </p:cNvPr>
+          <p:cNvPr id="2" name="Title 1"/>
           <p:cNvSpPr>
             <a:spLocks noGrp="1"/>
           </p:cNvSpPr>
@@ -1264,19 +1255,13 @@
               <a:rPr lang="ru-RU"/>
               <a:t>Образец заголовка</a:t>
             </a:r>
-            <a:endParaRPr lang="en-DE"/>
-          </a:p>
-        </p:txBody>
-      </p:sp>
-      <p:sp>
-        <p:nvSpPr>
-          <p:cNvPr id="3" name="Объект 2">
-            <a:extLst>
-              <a:ext uri="{FF2B5EF4-FFF2-40B4-BE49-F238E27FC236}">
-                <a16:creationId xmlns:a16="http://schemas.microsoft.com/office/drawing/2014/main" id="{D321B487-FAA4-4CF1-8187-FD9458CF274C}"/>
-              </a:ext>
-            </a:extLst>
-          </p:cNvPr>
+            <a:endParaRPr lang="en-US" dirty="0"/>
+          </a:p>
+        </p:txBody>
+      </p:sp>
+      <p:sp>
+        <p:nvSpPr>
+          <p:cNvPr id="3" name="Content Placeholder 2"/>
           <p:cNvSpPr>
             <a:spLocks noGrp="1"/>
           </p:cNvSpPr>
@@ -1286,13 +1271,41 @@
         </p:nvSpPr>
         <p:spPr>
           <a:xfrm>
-            <a:off x="838200" y="1825625"/>
-            <a:ext cx="5181600" cy="4351338"/>
+            <a:off x="1261872" y="1828800"/>
+            <a:ext cx="4480560" cy="4351337"/>
           </a:xfrm>
         </p:spPr>
         <p:txBody>
           <a:bodyPr/>
-          <a:lstStyle/>
+          <a:lstStyle>
+            <a:lvl1pPr>
+              <a:defRPr sz="1800"/>
+            </a:lvl1pPr>
+            <a:lvl2pPr>
+              <a:defRPr sz="1600"/>
+            </a:lvl2pPr>
+            <a:lvl3pPr>
+              <a:defRPr sz="1400"/>
+            </a:lvl3pPr>
+            <a:lvl4pPr>
+              <a:defRPr sz="1400"/>
+            </a:lvl4pPr>
+            <a:lvl5pPr>
+              <a:defRPr sz="1400"/>
+            </a:lvl5pPr>
+            <a:lvl6pPr>
+              <a:defRPr sz="1400"/>
+            </a:lvl6pPr>
+            <a:lvl7pPr>
+              <a:defRPr sz="1400"/>
+            </a:lvl7pPr>
+            <a:lvl8pPr>
+              <a:defRPr sz="1400"/>
+            </a:lvl8pPr>
+            <a:lvl9pPr>
+              <a:defRPr sz="1400"/>
+            </a:lvl9pPr>
+          </a:lstStyle>
           <a:p>
             <a:pPr lvl="0"/>
             <a:r>
@@ -1327,19 +1340,13 @@
               <a:rPr lang="ru-RU"/>
               <a:t>Пятый уровень</a:t>
             </a:r>
-            <a:endParaRPr lang="en-DE"/>
-          </a:p>
-        </p:txBody>
-      </p:sp>
-      <p:sp>
-        <p:nvSpPr>
-          <p:cNvPr id="4" name="Объект 3">
-            <a:extLst>
-              <a:ext uri="{FF2B5EF4-FFF2-40B4-BE49-F238E27FC236}">
-                <a16:creationId xmlns:a16="http://schemas.microsoft.com/office/drawing/2014/main" id="{F121DA54-66DF-49D5-9FFF-54954EE08768}"/>
-              </a:ext>
-            </a:extLst>
-          </p:cNvPr>
+            <a:endParaRPr lang="en-US" dirty="0"/>
+          </a:p>
+        </p:txBody>
+      </p:sp>
+      <p:sp>
+        <p:nvSpPr>
+          <p:cNvPr id="4" name="Content Placeholder 3"/>
           <p:cNvSpPr>
             <a:spLocks noGrp="1"/>
           </p:cNvSpPr>
@@ -1349,13 +1356,41 @@
         </p:nvSpPr>
         <p:spPr>
           <a:xfrm>
-            <a:off x="6172200" y="1825625"/>
-            <a:ext cx="5181600" cy="4351338"/>
+            <a:off x="6126480" y="1828800"/>
+            <a:ext cx="4480560" cy="4351337"/>
           </a:xfrm>
         </p:spPr>
         <p:txBody>
           <a:bodyPr/>
-          <a:lstStyle/>
+          <a:lstStyle>
+            <a:lvl1pPr>
+              <a:defRPr sz="1800"/>
+            </a:lvl1pPr>
+            <a:lvl2pPr>
+              <a:defRPr sz="1600"/>
+            </a:lvl2pPr>
+            <a:lvl3pPr>
+              <a:defRPr sz="1400"/>
+            </a:lvl3pPr>
+            <a:lvl4pPr>
+              <a:defRPr sz="1400"/>
+            </a:lvl4pPr>
+            <a:lvl5pPr>
+              <a:defRPr sz="1400"/>
+            </a:lvl5pPr>
+            <a:lvl6pPr>
+              <a:defRPr sz="1400"/>
+            </a:lvl6pPr>
+            <a:lvl7pPr>
+              <a:defRPr sz="1400"/>
+            </a:lvl7pPr>
+            <a:lvl8pPr>
+              <a:defRPr sz="1400"/>
+            </a:lvl8pPr>
+            <a:lvl9pPr>
+              <a:defRPr sz="1400"/>
+            </a:lvl9pPr>
+          </a:lstStyle>
           <a:p>
             <a:pPr lvl="0"/>
             <a:r>
@@ -1390,19 +1425,13 @@
               <a:rPr lang="ru-RU"/>
               <a:t>Пятый уровень</a:t>
             </a:r>
-            <a:endParaRPr lang="en-DE"/>
-          </a:p>
-        </p:txBody>
-      </p:sp>
-      <p:sp>
-        <p:nvSpPr>
-          <p:cNvPr id="5" name="Дата 4">
-            <a:extLst>
-              <a:ext uri="{FF2B5EF4-FFF2-40B4-BE49-F238E27FC236}">
-                <a16:creationId xmlns:a16="http://schemas.microsoft.com/office/drawing/2014/main" id="{169DF738-B50C-4D30-8028-F366C02BB053}"/>
-              </a:ext>
-            </a:extLst>
-          </p:cNvPr>
+            <a:endParaRPr lang="en-US" dirty="0"/>
+          </a:p>
+        </p:txBody>
+      </p:sp>
+      <p:sp>
+        <p:nvSpPr>
+          <p:cNvPr id="5" name="Date Placeholder 4"/>
           <p:cNvSpPr>
             <a:spLocks noGrp="1"/>
           </p:cNvSpPr>
@@ -1417,7 +1446,7 @@
           <a:p>
             <a:fld id="{23F544BD-CB56-410C-B313-DCC58E7055C0}" type="datetimeFigureOut">
               <a:rPr lang="en-DE" smtClean="0"/>
-              <a:t>15/11/2024</a:t>
+              <a:t>22/11/2024</a:t>
             </a:fld>
             <a:endParaRPr lang="en-DE"/>
           </a:p>
@@ -1425,13 +1454,7 @@
       </p:sp>
       <p:sp>
         <p:nvSpPr>
-          <p:cNvPr id="6" name="Нижний колонтитул 5">
-            <a:extLst>
-              <a:ext uri="{FF2B5EF4-FFF2-40B4-BE49-F238E27FC236}">
-                <a16:creationId xmlns:a16="http://schemas.microsoft.com/office/drawing/2014/main" id="{B5921EA7-B2D2-4A78-A61C-89CB68EE3376}"/>
-              </a:ext>
-            </a:extLst>
-          </p:cNvPr>
+          <p:cNvPr id="6" name="Footer Placeholder 5"/>
           <p:cNvSpPr>
             <a:spLocks noGrp="1"/>
           </p:cNvSpPr>
@@ -1450,13 +1473,7 @@
       </p:sp>
       <p:sp>
         <p:nvSpPr>
-          <p:cNvPr id="7" name="Номер слайда 6">
-            <a:extLst>
-              <a:ext uri="{FF2B5EF4-FFF2-40B4-BE49-F238E27FC236}">
-                <a16:creationId xmlns:a16="http://schemas.microsoft.com/office/drawing/2014/main" id="{4D1A2D9D-CE40-4648-BF19-6095F53DF273}"/>
-              </a:ext>
-            </a:extLst>
-          </p:cNvPr>
+          <p:cNvPr id="7" name="Slide Number Placeholder 6"/>
           <p:cNvSpPr>
             <a:spLocks noGrp="1"/>
           </p:cNvSpPr>
@@ -1480,7 +1497,7 @@
     </p:spTree>
     <p:extLst>
       <p:ext uri="{BB962C8B-B14F-4D97-AF65-F5344CB8AC3E}">
-        <p14:creationId xmlns:p14="http://schemas.microsoft.com/office/powerpoint/2010/main" val="2551878376"/>
+        <p14:creationId xmlns:p14="http://schemas.microsoft.com/office/powerpoint/2010/main" val="1430132704"/>
       </p:ext>
     </p:extLst>
   </p:cSld>
@@ -1509,66 +1526,58 @@
       </p:grpSpPr>
       <p:sp>
         <p:nvSpPr>
-          <p:cNvPr id="2" name="Заголовок 1">
-            <a:extLst>
-              <a:ext uri="{FF2B5EF4-FFF2-40B4-BE49-F238E27FC236}">
-                <a16:creationId xmlns:a16="http://schemas.microsoft.com/office/drawing/2014/main" id="{3F488793-FF02-48EF-89B8-490A0A4695A4}"/>
-              </a:ext>
-            </a:extLst>
-          </p:cNvPr>
+          <p:cNvPr id="10" name="Title 9"/>
           <p:cNvSpPr>
             <a:spLocks noGrp="1"/>
           </p:cNvSpPr>
           <p:nvPr>
             <p:ph type="title"/>
+          </p:nvPr>
+        </p:nvSpPr>
+        <p:spPr/>
+        <p:txBody>
+          <a:bodyPr/>
+          <a:lstStyle/>
+          <a:p>
+            <a:r>
+              <a:rPr lang="ru-RU"/>
+              <a:t>Образец заголовка</a:t>
+            </a:r>
+            <a:endParaRPr lang="en-US" dirty="0"/>
+          </a:p>
+        </p:txBody>
+      </p:sp>
+      <p:sp>
+        <p:nvSpPr>
+          <p:cNvPr id="3" name="Text Placeholder 2"/>
+          <p:cNvSpPr>
+            <a:spLocks noGrp="1"/>
+          </p:cNvSpPr>
+          <p:nvPr>
+            <p:ph type="body" idx="1"/>
           </p:nvPr>
         </p:nvSpPr>
         <p:spPr>
           <a:xfrm>
-            <a:off x="839788" y="365125"/>
-            <a:ext cx="10515600" cy="1325563"/>
+            <a:off x="1261872" y="1713655"/>
+            <a:ext cx="4480560" cy="731520"/>
           </a:xfrm>
         </p:spPr>
         <p:txBody>
-          <a:bodyPr/>
-          <a:lstStyle/>
-          <a:p>
-            <a:r>
-              <a:rPr lang="ru-RU"/>
-              <a:t>Образец заголовка</a:t>
-            </a:r>
-            <a:endParaRPr lang="en-DE"/>
-          </a:p>
-        </p:txBody>
-      </p:sp>
-      <p:sp>
-        <p:nvSpPr>
-          <p:cNvPr id="3" name="Текст 2">
-            <a:extLst>
-              <a:ext uri="{FF2B5EF4-FFF2-40B4-BE49-F238E27FC236}">
-                <a16:creationId xmlns:a16="http://schemas.microsoft.com/office/drawing/2014/main" id="{117D831E-8CCE-4A7B-B725-357BE2322A5A}"/>
-              </a:ext>
-            </a:extLst>
-          </p:cNvPr>
-          <p:cNvSpPr>
-            <a:spLocks noGrp="1"/>
-          </p:cNvSpPr>
-          <p:nvPr>
-            <p:ph type="body" idx="1"/>
-          </p:nvPr>
-        </p:nvSpPr>
-        <p:spPr>
-          <a:xfrm>
-            <a:off x="839788" y="1681163"/>
-            <a:ext cx="5157787" cy="823912"/>
-          </a:xfrm>
-        </p:spPr>
-        <p:txBody>
-          <a:bodyPr anchor="b"/>
+          <a:bodyPr anchor="b">
+            <a:normAutofit/>
+          </a:bodyPr>
           <a:lstStyle>
             <a:lvl1pPr marL="0" indent="0">
-              <a:buNone/>
-              <a:defRPr sz="2400" b="1"/>
+              <a:spcBef>
+                <a:spcPts val="0"/>
+              </a:spcBef>
+              <a:buNone/>
+              <a:defRPr sz="2000" b="0">
+                <a:solidFill>
+                  <a:schemeClr val="tx2"/>
+                </a:solidFill>
+              </a:defRPr>
             </a:lvl1pPr>
             <a:lvl2pPr marL="457200" indent="0">
               <a:buNone/>
@@ -1614,13 +1623,7 @@
       </p:sp>
       <p:sp>
         <p:nvSpPr>
-          <p:cNvPr id="4" name="Объект 3">
-            <a:extLst>
-              <a:ext uri="{FF2B5EF4-FFF2-40B4-BE49-F238E27FC236}">
-                <a16:creationId xmlns:a16="http://schemas.microsoft.com/office/drawing/2014/main" id="{652179BD-551E-4DA7-967B-9222A699BC71}"/>
-              </a:ext>
-            </a:extLst>
-          </p:cNvPr>
+          <p:cNvPr id="4" name="Content Placeholder 3"/>
           <p:cNvSpPr>
             <a:spLocks noGrp="1"/>
           </p:cNvSpPr>
@@ -1630,13 +1633,41 @@
         </p:nvSpPr>
         <p:spPr>
           <a:xfrm>
-            <a:off x="839788" y="2505075"/>
-            <a:ext cx="5157787" cy="3684588"/>
+            <a:off x="1261872" y="2507550"/>
+            <a:ext cx="4480560" cy="3664650"/>
           </a:xfrm>
         </p:spPr>
         <p:txBody>
           <a:bodyPr/>
-          <a:lstStyle/>
+          <a:lstStyle>
+            <a:lvl1pPr>
+              <a:defRPr sz="1800"/>
+            </a:lvl1pPr>
+            <a:lvl2pPr>
+              <a:defRPr sz="1600"/>
+            </a:lvl2pPr>
+            <a:lvl3pPr>
+              <a:defRPr sz="1400"/>
+            </a:lvl3pPr>
+            <a:lvl4pPr>
+              <a:defRPr sz="1400"/>
+            </a:lvl4pPr>
+            <a:lvl5pPr>
+              <a:defRPr sz="1400"/>
+            </a:lvl5pPr>
+            <a:lvl6pPr>
+              <a:defRPr sz="1400"/>
+            </a:lvl6pPr>
+            <a:lvl7pPr>
+              <a:defRPr sz="1400"/>
+            </a:lvl7pPr>
+            <a:lvl8pPr>
+              <a:defRPr sz="1400"/>
+            </a:lvl8pPr>
+            <a:lvl9pPr>
+              <a:defRPr sz="1400"/>
+            </a:lvl9pPr>
+          </a:lstStyle>
           <a:p>
             <a:pPr lvl="0"/>
             <a:r>
@@ -1671,19 +1702,13 @@
               <a:rPr lang="ru-RU"/>
               <a:t>Пятый уровень</a:t>
             </a:r>
-            <a:endParaRPr lang="en-DE"/>
-          </a:p>
-        </p:txBody>
-      </p:sp>
-      <p:sp>
-        <p:nvSpPr>
-          <p:cNvPr id="5" name="Текст 4">
-            <a:extLst>
-              <a:ext uri="{FF2B5EF4-FFF2-40B4-BE49-F238E27FC236}">
-                <a16:creationId xmlns:a16="http://schemas.microsoft.com/office/drawing/2014/main" id="{736105F0-46A0-4BED-899C-C25465E77A69}"/>
-              </a:ext>
-            </a:extLst>
-          </p:cNvPr>
+            <a:endParaRPr lang="en-US" dirty="0"/>
+          </a:p>
+        </p:txBody>
+      </p:sp>
+      <p:sp>
+        <p:nvSpPr>
+          <p:cNvPr id="5" name="Text Placeholder 4"/>
           <p:cNvSpPr>
             <a:spLocks noGrp="1"/>
           </p:cNvSpPr>
@@ -1693,16 +1718,31 @@
         </p:nvSpPr>
         <p:spPr>
           <a:xfrm>
-            <a:off x="6172200" y="1681163"/>
-            <a:ext cx="5183188" cy="823912"/>
+            <a:off x="6126480" y="1713655"/>
+            <a:ext cx="4480560" cy="731520"/>
           </a:xfrm>
         </p:spPr>
         <p:txBody>
-          <a:bodyPr anchor="b"/>
+          <a:bodyPr anchor="b">
+            <a:normAutofit/>
+          </a:bodyPr>
           <a:lstStyle>
             <a:lvl1pPr marL="0" indent="0">
-              <a:buNone/>
-              <a:defRPr sz="2400" b="1"/>
+              <a:lnSpc>
+                <a:spcPct val="95000"/>
+              </a:lnSpc>
+              <a:spcBef>
+                <a:spcPts val="0"/>
+              </a:spcBef>
+              <a:buNone/>
+              <a:defRPr lang="en-US" sz="2000" b="0" kern="1200" dirty="0">
+                <a:solidFill>
+                  <a:schemeClr val="tx2"/>
+                </a:solidFill>
+                <a:latin typeface="+mn-lt"/>
+                <a:ea typeface="+mn-ea"/>
+                <a:cs typeface="+mn-cs"/>
+              </a:defRPr>
             </a:lvl1pPr>
             <a:lvl2pPr marL="457200" indent="0">
               <a:buNone/>
@@ -1738,7 +1778,16 @@
             </a:lvl9pPr>
           </a:lstStyle>
           <a:p>
-            <a:pPr lvl="0"/>
+            <a:pPr marL="0" lvl="0" indent="0" algn="l" defTabSz="914400" rtl="0" eaLnBrk="1" latinLnBrk="0" hangingPunct="1">
+              <a:lnSpc>
+                <a:spcPct val="90000"/>
+              </a:lnSpc>
+              <a:spcBef>
+                <a:spcPts val="2000"/>
+              </a:spcBef>
+              <a:buFontTx/>
+              <a:buNone/>
+            </a:pPr>
             <a:r>
               <a:rPr lang="ru-RU"/>
               <a:t>Образец текста</a:t>
@@ -1748,13 +1797,7 @@
       </p:sp>
       <p:sp>
         <p:nvSpPr>
-          <p:cNvPr id="6" name="Объект 5">
-            <a:extLst>
-              <a:ext uri="{FF2B5EF4-FFF2-40B4-BE49-F238E27FC236}">
-                <a16:creationId xmlns:a16="http://schemas.microsoft.com/office/drawing/2014/main" id="{F3B4A83F-2467-4435-A47B-0716EF18A601}"/>
-              </a:ext>
-            </a:extLst>
-          </p:cNvPr>
+          <p:cNvPr id="6" name="Content Placeholder 5"/>
           <p:cNvSpPr>
             <a:spLocks noGrp="1"/>
           </p:cNvSpPr>
@@ -1764,13 +1807,41 @@
         </p:nvSpPr>
         <p:spPr>
           <a:xfrm>
-            <a:off x="6172200" y="2505075"/>
-            <a:ext cx="5183188" cy="3684588"/>
+            <a:off x="6126480" y="2507550"/>
+            <a:ext cx="4480560" cy="3664650"/>
           </a:xfrm>
         </p:spPr>
         <p:txBody>
           <a:bodyPr/>
-          <a:lstStyle/>
+          <a:lstStyle>
+            <a:lvl1pPr>
+              <a:defRPr sz="1800"/>
+            </a:lvl1pPr>
+            <a:lvl2pPr>
+              <a:defRPr sz="1600"/>
+            </a:lvl2pPr>
+            <a:lvl3pPr>
+              <a:defRPr sz="1400"/>
+            </a:lvl3pPr>
+            <a:lvl4pPr>
+              <a:defRPr sz="1400"/>
+            </a:lvl4pPr>
+            <a:lvl5pPr>
+              <a:defRPr sz="1400"/>
+            </a:lvl5pPr>
+            <a:lvl6pPr>
+              <a:defRPr sz="1400"/>
+            </a:lvl6pPr>
+            <a:lvl7pPr>
+              <a:defRPr sz="1400"/>
+            </a:lvl7pPr>
+            <a:lvl8pPr>
+              <a:defRPr sz="1400"/>
+            </a:lvl8pPr>
+            <a:lvl9pPr>
+              <a:defRPr sz="1400"/>
+            </a:lvl9pPr>
+          </a:lstStyle>
           <a:p>
             <a:pPr lvl="0"/>
             <a:r>
@@ -1805,19 +1876,13 @@
               <a:rPr lang="ru-RU"/>
               <a:t>Пятый уровень</a:t>
             </a:r>
-            <a:endParaRPr lang="en-DE"/>
-          </a:p>
-        </p:txBody>
-      </p:sp>
-      <p:sp>
-        <p:nvSpPr>
-          <p:cNvPr id="7" name="Дата 6">
-            <a:extLst>
-              <a:ext uri="{FF2B5EF4-FFF2-40B4-BE49-F238E27FC236}">
-                <a16:creationId xmlns:a16="http://schemas.microsoft.com/office/drawing/2014/main" id="{CD55630B-FAC4-47B3-B915-288BAE1FC10A}"/>
-              </a:ext>
-            </a:extLst>
-          </p:cNvPr>
+            <a:endParaRPr lang="en-US" dirty="0"/>
+          </a:p>
+        </p:txBody>
+      </p:sp>
+      <p:sp>
+        <p:nvSpPr>
+          <p:cNvPr id="7" name="Date Placeholder 6"/>
           <p:cNvSpPr>
             <a:spLocks noGrp="1"/>
           </p:cNvSpPr>
@@ -1832,7 +1897,7 @@
           <a:p>
             <a:fld id="{23F544BD-CB56-410C-B313-DCC58E7055C0}" type="datetimeFigureOut">
               <a:rPr lang="en-DE" smtClean="0"/>
-              <a:t>15/11/2024</a:t>
+              <a:t>22/11/2024</a:t>
             </a:fld>
             <a:endParaRPr lang="en-DE"/>
           </a:p>
@@ -1840,13 +1905,7 @@
       </p:sp>
       <p:sp>
         <p:nvSpPr>
-          <p:cNvPr id="8" name="Нижний колонтитул 7">
-            <a:extLst>
-              <a:ext uri="{FF2B5EF4-FFF2-40B4-BE49-F238E27FC236}">
-                <a16:creationId xmlns:a16="http://schemas.microsoft.com/office/drawing/2014/main" id="{5FF42DE6-510C-42E9-AFD0-F9C631BD310C}"/>
-              </a:ext>
-            </a:extLst>
-          </p:cNvPr>
+          <p:cNvPr id="8" name="Footer Placeholder 7"/>
           <p:cNvSpPr>
             <a:spLocks noGrp="1"/>
           </p:cNvSpPr>
@@ -1865,13 +1924,7 @@
       </p:sp>
       <p:sp>
         <p:nvSpPr>
-          <p:cNvPr id="9" name="Номер слайда 8">
-            <a:extLst>
-              <a:ext uri="{FF2B5EF4-FFF2-40B4-BE49-F238E27FC236}">
-                <a16:creationId xmlns:a16="http://schemas.microsoft.com/office/drawing/2014/main" id="{C6512098-B048-425C-AFD6-08DB56106318}"/>
-              </a:ext>
-            </a:extLst>
-          </p:cNvPr>
+          <p:cNvPr id="9" name="Slide Number Placeholder 8"/>
           <p:cNvSpPr>
             <a:spLocks noGrp="1"/>
           </p:cNvSpPr>
@@ -1895,7 +1948,7 @@
     </p:spTree>
     <p:extLst>
       <p:ext uri="{BB962C8B-B14F-4D97-AF65-F5344CB8AC3E}">
-        <p14:creationId xmlns:p14="http://schemas.microsoft.com/office/powerpoint/2010/main" val="215470076"/>
+        <p14:creationId xmlns:p14="http://schemas.microsoft.com/office/powerpoint/2010/main" val="2177416222"/>
       </p:ext>
     </p:extLst>
   </p:cSld>
@@ -1924,13 +1977,7 @@
       </p:grpSpPr>
       <p:sp>
         <p:nvSpPr>
-          <p:cNvPr id="2" name="Заголовок 1">
-            <a:extLst>
-              <a:ext uri="{FF2B5EF4-FFF2-40B4-BE49-F238E27FC236}">
-                <a16:creationId xmlns:a16="http://schemas.microsoft.com/office/drawing/2014/main" id="{247D3DEC-A82B-4225-9737-1C354CB2C2DE}"/>
-              </a:ext>
-            </a:extLst>
-          </p:cNvPr>
+          <p:cNvPr id="6" name="Title 5"/>
           <p:cNvSpPr>
             <a:spLocks noGrp="1"/>
           </p:cNvSpPr>
@@ -1947,19 +1994,13 @@
               <a:rPr lang="ru-RU"/>
               <a:t>Образец заголовка</a:t>
             </a:r>
-            <a:endParaRPr lang="en-DE"/>
-          </a:p>
-        </p:txBody>
-      </p:sp>
-      <p:sp>
-        <p:nvSpPr>
-          <p:cNvPr id="3" name="Дата 2">
-            <a:extLst>
-              <a:ext uri="{FF2B5EF4-FFF2-40B4-BE49-F238E27FC236}">
-                <a16:creationId xmlns:a16="http://schemas.microsoft.com/office/drawing/2014/main" id="{29137CA2-AD8A-4425-AF75-9185F1DEE409}"/>
-              </a:ext>
-            </a:extLst>
-          </p:cNvPr>
+            <a:endParaRPr lang="en-US" dirty="0"/>
+          </a:p>
+        </p:txBody>
+      </p:sp>
+      <p:sp>
+        <p:nvSpPr>
+          <p:cNvPr id="3" name="Date Placeholder 2"/>
           <p:cNvSpPr>
             <a:spLocks noGrp="1"/>
           </p:cNvSpPr>
@@ -1974,7 +2015,7 @@
           <a:p>
             <a:fld id="{23F544BD-CB56-410C-B313-DCC58E7055C0}" type="datetimeFigureOut">
               <a:rPr lang="en-DE" smtClean="0"/>
-              <a:t>15/11/2024</a:t>
+              <a:t>22/11/2024</a:t>
             </a:fld>
             <a:endParaRPr lang="en-DE"/>
           </a:p>
@@ -1982,13 +2023,7 @@
       </p:sp>
       <p:sp>
         <p:nvSpPr>
-          <p:cNvPr id="4" name="Нижний колонтитул 3">
-            <a:extLst>
-              <a:ext uri="{FF2B5EF4-FFF2-40B4-BE49-F238E27FC236}">
-                <a16:creationId xmlns:a16="http://schemas.microsoft.com/office/drawing/2014/main" id="{1D6D23DE-C1DC-4C7A-9519-ADBC56D49BA0}"/>
-              </a:ext>
-            </a:extLst>
-          </p:cNvPr>
+          <p:cNvPr id="4" name="Footer Placeholder 3"/>
           <p:cNvSpPr>
             <a:spLocks noGrp="1"/>
           </p:cNvSpPr>
@@ -2007,13 +2042,7 @@
       </p:sp>
       <p:sp>
         <p:nvSpPr>
-          <p:cNvPr id="5" name="Номер слайда 4">
-            <a:extLst>
-              <a:ext uri="{FF2B5EF4-FFF2-40B4-BE49-F238E27FC236}">
-                <a16:creationId xmlns:a16="http://schemas.microsoft.com/office/drawing/2014/main" id="{8A8151C1-8DB4-43E6-9162-E2DC232F7408}"/>
-              </a:ext>
-            </a:extLst>
-          </p:cNvPr>
+          <p:cNvPr id="5" name="Slide Number Placeholder 4"/>
           <p:cNvSpPr>
             <a:spLocks noGrp="1"/>
           </p:cNvSpPr>
@@ -2037,7 +2066,7 @@
     </p:spTree>
     <p:extLst>
       <p:ext uri="{BB962C8B-B14F-4D97-AF65-F5344CB8AC3E}">
-        <p14:creationId xmlns:p14="http://schemas.microsoft.com/office/powerpoint/2010/main" val="3109951286"/>
+        <p14:creationId xmlns:p14="http://schemas.microsoft.com/office/powerpoint/2010/main" val="3292150437"/>
       </p:ext>
     </p:extLst>
   </p:cSld>
@@ -2066,13 +2095,7 @@
       </p:grpSpPr>
       <p:sp>
         <p:nvSpPr>
-          <p:cNvPr id="2" name="Дата 1">
-            <a:extLst>
-              <a:ext uri="{FF2B5EF4-FFF2-40B4-BE49-F238E27FC236}">
-                <a16:creationId xmlns:a16="http://schemas.microsoft.com/office/drawing/2014/main" id="{65D42CAF-D99F-4EC3-B407-F258C9FE0584}"/>
-              </a:ext>
-            </a:extLst>
-          </p:cNvPr>
+          <p:cNvPr id="2" name="Date Placeholder 1"/>
           <p:cNvSpPr>
             <a:spLocks noGrp="1"/>
           </p:cNvSpPr>
@@ -2087,7 +2110,7 @@
           <a:p>
             <a:fld id="{23F544BD-CB56-410C-B313-DCC58E7055C0}" type="datetimeFigureOut">
               <a:rPr lang="en-DE" smtClean="0"/>
-              <a:t>15/11/2024</a:t>
+              <a:t>22/11/2024</a:t>
             </a:fld>
             <a:endParaRPr lang="en-DE"/>
           </a:p>
@@ -2095,13 +2118,7 @@
       </p:sp>
       <p:sp>
         <p:nvSpPr>
-          <p:cNvPr id="3" name="Нижний колонтитул 2">
-            <a:extLst>
-              <a:ext uri="{FF2B5EF4-FFF2-40B4-BE49-F238E27FC236}">
-                <a16:creationId xmlns:a16="http://schemas.microsoft.com/office/drawing/2014/main" id="{E4DECE4A-040B-4050-AB0B-B50C2B87E0D2}"/>
-              </a:ext>
-            </a:extLst>
-          </p:cNvPr>
+          <p:cNvPr id="3" name="Footer Placeholder 2"/>
           <p:cNvSpPr>
             <a:spLocks noGrp="1"/>
           </p:cNvSpPr>
@@ -2120,13 +2137,7 @@
       </p:sp>
       <p:sp>
         <p:nvSpPr>
-          <p:cNvPr id="4" name="Номер слайда 3">
-            <a:extLst>
-              <a:ext uri="{FF2B5EF4-FFF2-40B4-BE49-F238E27FC236}">
-                <a16:creationId xmlns:a16="http://schemas.microsoft.com/office/drawing/2014/main" id="{475041D7-8828-4C3B-BDF5-B01FCD16B4C9}"/>
-              </a:ext>
-            </a:extLst>
-          </p:cNvPr>
+          <p:cNvPr id="4" name="Slide Number Placeholder 3"/>
           <p:cNvSpPr>
             <a:spLocks noGrp="1"/>
           </p:cNvSpPr>
@@ -2150,7 +2161,7 @@
     </p:spTree>
     <p:extLst>
       <p:ext uri="{BB962C8B-B14F-4D97-AF65-F5344CB8AC3E}">
-        <p14:creationId xmlns:p14="http://schemas.microsoft.com/office/powerpoint/2010/main" val="673021022"/>
+        <p14:creationId xmlns:p14="http://schemas.microsoft.com/office/powerpoint/2010/main" val="3687541256"/>
       </p:ext>
     </p:extLst>
   </p:cSld>
@@ -2179,13 +2190,7 @@
       </p:grpSpPr>
       <p:sp>
         <p:nvSpPr>
-          <p:cNvPr id="2" name="Заголовок 1">
-            <a:extLst>
-              <a:ext uri="{FF2B5EF4-FFF2-40B4-BE49-F238E27FC236}">
-                <a16:creationId xmlns:a16="http://schemas.microsoft.com/office/drawing/2014/main" id="{1B7844B1-B569-4948-B73E-3E21FD93BF10}"/>
-              </a:ext>
-            </a:extLst>
-          </p:cNvPr>
+          <p:cNvPr id="2" name="Title 1"/>
           <p:cNvSpPr>
             <a:spLocks noGrp="1"/>
           </p:cNvSpPr>
@@ -2195,15 +2200,17 @@
         </p:nvSpPr>
         <p:spPr>
           <a:xfrm>
-            <a:off x="839788" y="457200"/>
-            <a:ext cx="3932237" cy="1600200"/>
+            <a:off x="841248" y="457200"/>
+            <a:ext cx="3200400" cy="1600197"/>
           </a:xfrm>
         </p:spPr>
         <p:txBody>
-          <a:bodyPr anchor="b"/>
+          <a:bodyPr anchor="b">
+            <a:normAutofit/>
+          </a:bodyPr>
           <a:lstStyle>
             <a:lvl1pPr>
-              <a:defRPr sz="3200"/>
+              <a:defRPr sz="3200" b="0" baseline="0"/>
             </a:lvl1pPr>
           </a:lstStyle>
           <a:p>
@@ -2211,19 +2218,13 @@
               <a:rPr lang="ru-RU"/>
               <a:t>Образец заголовка</a:t>
             </a:r>
-            <a:endParaRPr lang="en-DE"/>
-          </a:p>
-        </p:txBody>
-      </p:sp>
-      <p:sp>
-        <p:nvSpPr>
-          <p:cNvPr id="3" name="Объект 2">
-            <a:extLst>
-              <a:ext uri="{FF2B5EF4-FFF2-40B4-BE49-F238E27FC236}">
-                <a16:creationId xmlns:a16="http://schemas.microsoft.com/office/drawing/2014/main" id="{D253B78E-138E-48F8-B874-86A6F3728862}"/>
-              </a:ext>
-            </a:extLst>
-          </p:cNvPr>
+            <a:endParaRPr lang="en-US" dirty="0"/>
+          </a:p>
+        </p:txBody>
+      </p:sp>
+      <p:sp>
+        <p:nvSpPr>
+          <p:cNvPr id="3" name="Content Placeholder 2"/>
           <p:cNvSpPr>
             <a:spLocks noGrp="1"/>
           </p:cNvSpPr>
@@ -2233,39 +2234,39 @@
         </p:nvSpPr>
         <p:spPr>
           <a:xfrm>
-            <a:off x="5183188" y="987425"/>
-            <a:ext cx="6172200" cy="4873625"/>
+            <a:off x="4504267" y="685800"/>
+            <a:ext cx="6079066" cy="5486400"/>
           </a:xfrm>
         </p:spPr>
         <p:txBody>
           <a:bodyPr/>
           <a:lstStyle>
             <a:lvl1pPr>
-              <a:defRPr sz="3200"/>
+              <a:defRPr sz="2000"/>
             </a:lvl1pPr>
             <a:lvl2pPr>
-              <a:defRPr sz="2800"/>
+              <a:defRPr sz="1800"/>
             </a:lvl2pPr>
             <a:lvl3pPr>
-              <a:defRPr sz="2400"/>
+              <a:defRPr sz="1600"/>
             </a:lvl3pPr>
             <a:lvl4pPr>
-              <a:defRPr sz="2000"/>
+              <a:defRPr sz="1400"/>
             </a:lvl4pPr>
             <a:lvl5pPr>
-              <a:defRPr sz="2000"/>
+              <a:defRPr sz="1400"/>
             </a:lvl5pPr>
             <a:lvl6pPr>
-              <a:defRPr sz="2000"/>
+              <a:defRPr sz="1400"/>
             </a:lvl6pPr>
             <a:lvl7pPr>
-              <a:defRPr sz="2000"/>
+              <a:defRPr sz="1400"/>
             </a:lvl7pPr>
             <a:lvl8pPr>
-              <a:defRPr sz="2000"/>
+              <a:defRPr sz="1400"/>
             </a:lvl8pPr>
             <a:lvl9pPr>
-              <a:defRPr sz="2000"/>
+              <a:defRPr sz="1400"/>
             </a:lvl9pPr>
           </a:lstStyle>
           <a:p>
@@ -2302,19 +2303,13 @@
               <a:rPr lang="ru-RU"/>
               <a:t>Пятый уровень</a:t>
             </a:r>
-            <a:endParaRPr lang="en-DE"/>
-          </a:p>
-        </p:txBody>
-      </p:sp>
-      <p:sp>
-        <p:nvSpPr>
-          <p:cNvPr id="4" name="Текст 3">
-            <a:extLst>
-              <a:ext uri="{FF2B5EF4-FFF2-40B4-BE49-F238E27FC236}">
-                <a16:creationId xmlns:a16="http://schemas.microsoft.com/office/drawing/2014/main" id="{F934BCDB-44AD-49CC-A576-253D0F7DE0F5}"/>
-              </a:ext>
-            </a:extLst>
-          </p:cNvPr>
+            <a:endParaRPr lang="en-US" dirty="0"/>
+          </a:p>
+        </p:txBody>
+      </p:sp>
+      <p:sp>
+        <p:nvSpPr>
+          <p:cNvPr id="4" name="Text Placeholder 3"/>
           <p:cNvSpPr>
             <a:spLocks noGrp="1"/>
           </p:cNvSpPr>
@@ -2324,48 +2319,56 @@
         </p:nvSpPr>
         <p:spPr>
           <a:xfrm>
-            <a:off x="839788" y="2057400"/>
-            <a:ext cx="3932237" cy="3811588"/>
+            <a:off x="841248" y="2099734"/>
+            <a:ext cx="3200400" cy="3810001"/>
           </a:xfrm>
         </p:spPr>
         <p:txBody>
-          <a:bodyPr/>
+          <a:bodyPr>
+            <a:normAutofit/>
+          </a:bodyPr>
           <a:lstStyle>
             <a:lvl1pPr marL="0" indent="0">
-              <a:buNone/>
-              <a:defRPr sz="1600"/>
+              <a:lnSpc>
+                <a:spcPct val="114000"/>
+              </a:lnSpc>
+              <a:spcBef>
+                <a:spcPts val="800"/>
+              </a:spcBef>
+              <a:buNone/>
+              <a:defRPr sz="1300"/>
             </a:lvl1pPr>
             <a:lvl2pPr marL="457200" indent="0">
               <a:buNone/>
-              <a:defRPr sz="1400"/>
+              <a:defRPr sz="1200"/>
             </a:lvl2pPr>
             <a:lvl3pPr marL="914400" indent="0">
               <a:buNone/>
-              <a:defRPr sz="1200"/>
+              <a:defRPr sz="1000"/>
             </a:lvl3pPr>
             <a:lvl4pPr marL="1371600" indent="0">
               <a:buNone/>
-              <a:defRPr sz="1000"/>
+              <a:defRPr sz="900"/>
             </a:lvl4pPr>
             <a:lvl5pPr marL="1828800" indent="0">
               <a:buNone/>
-              <a:defRPr sz="1000"/>
+              <a:defRPr sz="900"/>
             </a:lvl5pPr>
             <a:lvl6pPr marL="2286000" indent="0">
               <a:buNone/>
-              <a:defRPr sz="1000"/>
+              <a:defRPr sz="900"/>
             </a:lvl6pPr>
             <a:lvl7pPr marL="2743200" indent="0">
               <a:buNone/>
-              <a:defRPr sz="1000"/>
+              <a:defRPr sz="900"/>
             </a:lvl7pPr>
             <a:lvl8pPr marL="3200400" indent="0">
               <a:buNone/>
-              <a:defRPr sz="1000"/>
+              <a:defRPr sz="900"/>
             </a:lvl8pPr>
             <a:lvl9pPr marL="3657600" indent="0">
               <a:buNone/>
-              <a:defRPr sz="1000"/>
+              <a:defRPr sz="900"/>
             </a:lvl9pPr>
           </a:lstStyle>
           <a:p>
@@ -2379,13 +2382,7 @@
       </p:sp>
       <p:sp>
         <p:nvSpPr>
-          <p:cNvPr id="5" name="Дата 4">
-            <a:extLst>
-              <a:ext uri="{FF2B5EF4-FFF2-40B4-BE49-F238E27FC236}">
-                <a16:creationId xmlns:a16="http://schemas.microsoft.com/office/drawing/2014/main" id="{69432B17-D89C-4644-9134-8B31BC111CFA}"/>
-              </a:ext>
-            </a:extLst>
-          </p:cNvPr>
+          <p:cNvPr id="5" name="Date Placeholder 4"/>
           <p:cNvSpPr>
             <a:spLocks noGrp="1"/>
           </p:cNvSpPr>
@@ -2400,7 +2397,7 @@
           <a:p>
             <a:fld id="{23F544BD-CB56-410C-B313-DCC58E7055C0}" type="datetimeFigureOut">
               <a:rPr lang="en-DE" smtClean="0"/>
-              <a:t>15/11/2024</a:t>
+              <a:t>22/11/2024</a:t>
             </a:fld>
             <a:endParaRPr lang="en-DE"/>
           </a:p>
@@ -2408,13 +2405,7 @@
       </p:sp>
       <p:sp>
         <p:nvSpPr>
-          <p:cNvPr id="6" name="Нижний колонтитул 5">
-            <a:extLst>
-              <a:ext uri="{FF2B5EF4-FFF2-40B4-BE49-F238E27FC236}">
-                <a16:creationId xmlns:a16="http://schemas.microsoft.com/office/drawing/2014/main" id="{6930D6E1-1F50-429F-8723-DCA556C44C51}"/>
-              </a:ext>
-            </a:extLst>
-          </p:cNvPr>
+          <p:cNvPr id="6" name="Footer Placeholder 5"/>
           <p:cNvSpPr>
             <a:spLocks noGrp="1"/>
           </p:cNvSpPr>
@@ -2433,13 +2424,7 @@
       </p:sp>
       <p:sp>
         <p:nvSpPr>
-          <p:cNvPr id="7" name="Номер слайда 6">
-            <a:extLst>
-              <a:ext uri="{FF2B5EF4-FFF2-40B4-BE49-F238E27FC236}">
-                <a16:creationId xmlns:a16="http://schemas.microsoft.com/office/drawing/2014/main" id="{6A12496A-3BAE-42E1-BE14-B84329F0980E}"/>
-              </a:ext>
-            </a:extLst>
-          </p:cNvPr>
+          <p:cNvPr id="7" name="Slide Number Placeholder 6"/>
           <p:cNvSpPr>
             <a:spLocks noGrp="1"/>
           </p:cNvSpPr>
@@ -2463,7 +2448,7 @@
     </p:spTree>
     <p:extLst>
       <p:ext uri="{BB962C8B-B14F-4D97-AF65-F5344CB8AC3E}">
-        <p14:creationId xmlns:p14="http://schemas.microsoft.com/office/powerpoint/2010/main" val="4096320009"/>
+        <p14:creationId xmlns:p14="http://schemas.microsoft.com/office/powerpoint/2010/main" val="2443644997"/>
       </p:ext>
     </p:extLst>
   </p:cSld>
@@ -2492,31 +2477,69 @@
       </p:grpSpPr>
       <p:sp>
         <p:nvSpPr>
-          <p:cNvPr id="2" name="Заголовок 1">
-            <a:extLst>
-              <a:ext uri="{FF2B5EF4-FFF2-40B4-BE49-F238E27FC236}">
-                <a16:creationId xmlns:a16="http://schemas.microsoft.com/office/drawing/2014/main" id="{4C29F778-7325-4C7B-A4D4-F6BDDAC69A20}"/>
-              </a:ext>
-            </a:extLst>
-          </p:cNvPr>
-          <p:cNvSpPr>
-            <a:spLocks noGrp="1"/>
-          </p:cNvSpPr>
-          <p:nvPr>
-            <p:ph type="title"/>
-          </p:nvPr>
+          <p:cNvPr id="8" name="Rectangle 7"/>
+          <p:cNvSpPr/>
+          <p:nvPr/>
         </p:nvSpPr>
         <p:spPr>
           <a:xfrm>
-            <a:off x="839788" y="457200"/>
-            <a:ext cx="3932237" cy="1600200"/>
+            <a:off x="0" y="5105400"/>
+            <a:ext cx="11292840" cy="1752600"/>
+          </a:xfrm>
+          <a:prstGeom prst="rect">
+            <a:avLst/>
+          </a:prstGeom>
+          <a:solidFill>
+            <a:srgbClr val="000000"/>
+          </a:solidFill>
+          <a:ln>
+            <a:noFill/>
+          </a:ln>
+        </p:spPr>
+        <p:style>
+          <a:lnRef idx="2">
+            <a:schemeClr val="accent1">
+              <a:shade val="50000"/>
+            </a:schemeClr>
+          </a:lnRef>
+          <a:fillRef idx="1">
+            <a:schemeClr val="accent1"/>
+          </a:fillRef>
+          <a:effectRef idx="0">
+            <a:schemeClr val="accent1"/>
+          </a:effectRef>
+          <a:fontRef idx="minor">
+            <a:schemeClr val="lt1"/>
+          </a:fontRef>
+        </p:style>
+      </p:sp>
+      <p:sp>
+        <p:nvSpPr>
+          <p:cNvPr id="2" name="Title 1"/>
+          <p:cNvSpPr>
+            <a:spLocks noGrp="1"/>
+          </p:cNvSpPr>
+          <p:nvPr>
+            <p:ph type="title"/>
+          </p:nvPr>
+        </p:nvSpPr>
+        <p:spPr>
+          <a:xfrm>
+            <a:off x="914400" y="5257800"/>
+            <a:ext cx="9982200" cy="914400"/>
           </a:xfrm>
         </p:spPr>
         <p:txBody>
-          <a:bodyPr anchor="b"/>
+          <a:bodyPr anchor="b">
+            <a:normAutofit/>
+          </a:bodyPr>
           <a:lstStyle>
             <a:lvl1pPr>
-              <a:defRPr sz="3200"/>
+              <a:defRPr sz="2800" b="0">
+                <a:solidFill>
+                  <a:schemeClr val="bg1"/>
+                </a:solidFill>
+              </a:defRPr>
             </a:lvl1pPr>
           </a:lstStyle>
           <a:p>
@@ -2524,21 +2547,15 @@
               <a:rPr lang="ru-RU"/>
               <a:t>Образец заголовка</a:t>
             </a:r>
-            <a:endParaRPr lang="en-DE"/>
-          </a:p>
-        </p:txBody>
-      </p:sp>
-      <p:sp>
-        <p:nvSpPr>
-          <p:cNvPr id="3" name="Рисунок 2">
-            <a:extLst>
-              <a:ext uri="{FF2B5EF4-FFF2-40B4-BE49-F238E27FC236}">
-                <a16:creationId xmlns:a16="http://schemas.microsoft.com/office/drawing/2014/main" id="{B85B70DC-2AD7-415C-B03D-83EDF8D985FB}"/>
-              </a:ext>
-            </a:extLst>
-          </p:cNvPr>
-          <p:cNvSpPr>
-            <a:spLocks noGrp="1"/>
+            <a:endParaRPr lang="en-US" dirty="0"/>
+          </a:p>
+        </p:txBody>
+      </p:sp>
+      <p:sp>
+        <p:nvSpPr>
+          <p:cNvPr id="3" name="Picture Placeholder 2"/>
+          <p:cNvSpPr>
+            <a:spLocks noGrp="1" noChangeAspect="1"/>
           </p:cNvSpPr>
           <p:nvPr>
             <p:ph type="pic" idx="1"/>
@@ -2546,16 +2563,23 @@
         </p:nvSpPr>
         <p:spPr>
           <a:xfrm>
-            <a:off x="5183188" y="987425"/>
-            <a:ext cx="6172200" cy="4873625"/>
+            <a:off x="0" y="0"/>
+            <a:ext cx="11292840" cy="5128923"/>
           </a:xfrm>
+          <a:solidFill>
+            <a:schemeClr val="accent1"/>
+          </a:solidFill>
         </p:spPr>
         <p:txBody>
-          <a:bodyPr/>
+          <a:bodyPr anchor="t"/>
           <a:lstStyle>
             <a:lvl1pPr marL="0" indent="0">
               <a:buNone/>
-              <a:defRPr sz="3200"/>
+              <a:defRPr sz="3200">
+                <a:solidFill>
+                  <a:schemeClr val="bg1"/>
+                </a:solidFill>
+              </a:defRPr>
             </a:lvl1pPr>
             <a:lvl2pPr marL="457200" indent="0">
               <a:buNone/>
@@ -2591,19 +2615,17 @@
             </a:lvl9pPr>
           </a:lstStyle>
           <a:p>
-            <a:endParaRPr lang="en-DE"/>
-          </a:p>
-        </p:txBody>
-      </p:sp>
-      <p:sp>
-        <p:nvSpPr>
-          <p:cNvPr id="4" name="Текст 3">
-            <a:extLst>
-              <a:ext uri="{FF2B5EF4-FFF2-40B4-BE49-F238E27FC236}">
-                <a16:creationId xmlns:a16="http://schemas.microsoft.com/office/drawing/2014/main" id="{435F62C7-3F11-4EBE-80DE-C49E19F0D7BA}"/>
-              </a:ext>
-            </a:extLst>
-          </p:cNvPr>
+            <a:r>
+              <a:rPr lang="ru-RU"/>
+              <a:t>Вставка рисунка</a:t>
+            </a:r>
+            <a:endParaRPr lang="en-US" dirty="0"/>
+          </a:p>
+        </p:txBody>
+      </p:sp>
+      <p:sp>
+        <p:nvSpPr>
+          <p:cNvPr id="4" name="Text Placeholder 3"/>
           <p:cNvSpPr>
             <a:spLocks noGrp="1"/>
           </p:cNvSpPr>
@@ -2613,48 +2635,62 @@
         </p:nvSpPr>
         <p:spPr>
           <a:xfrm>
-            <a:off x="839788" y="2057400"/>
-            <a:ext cx="3932237" cy="3811588"/>
+            <a:off x="914400" y="6108589"/>
+            <a:ext cx="9982200" cy="597011"/>
           </a:xfrm>
         </p:spPr>
         <p:txBody>
-          <a:bodyPr/>
+          <a:bodyPr>
+            <a:normAutofit/>
+          </a:bodyPr>
           <a:lstStyle>
             <a:lvl1pPr marL="0" indent="0">
-              <a:buNone/>
-              <a:defRPr sz="1600"/>
+              <a:lnSpc>
+                <a:spcPct val="100000"/>
+              </a:lnSpc>
+              <a:spcBef>
+                <a:spcPts val="800"/>
+              </a:spcBef>
+              <a:buNone/>
+              <a:defRPr sz="1300">
+                <a:solidFill>
+                  <a:schemeClr val="bg1">
+                    <a:lumMod val="85000"/>
+                  </a:schemeClr>
+                </a:solidFill>
+              </a:defRPr>
             </a:lvl1pPr>
             <a:lvl2pPr marL="457200" indent="0">
               <a:buNone/>
-              <a:defRPr sz="1400"/>
+              <a:defRPr sz="1200"/>
             </a:lvl2pPr>
             <a:lvl3pPr marL="914400" indent="0">
               <a:buNone/>
-              <a:defRPr sz="1200"/>
+              <a:defRPr sz="1000"/>
             </a:lvl3pPr>
             <a:lvl4pPr marL="1371600" indent="0">
               <a:buNone/>
-              <a:defRPr sz="1000"/>
+              <a:defRPr sz="900"/>
             </a:lvl4pPr>
             <a:lvl5pPr marL="1828800" indent="0">
               <a:buNone/>
-              <a:defRPr sz="1000"/>
+              <a:defRPr sz="900"/>
             </a:lvl5pPr>
             <a:lvl6pPr marL="2286000" indent="0">
               <a:buNone/>
-              <a:defRPr sz="1000"/>
+              <a:defRPr sz="900"/>
             </a:lvl6pPr>
             <a:lvl7pPr marL="2743200" indent="0">
               <a:buNone/>
-              <a:defRPr sz="1000"/>
+              <a:defRPr sz="900"/>
             </a:lvl7pPr>
             <a:lvl8pPr marL="3200400" indent="0">
               <a:buNone/>
-              <a:defRPr sz="1000"/>
+              <a:defRPr sz="900"/>
             </a:lvl8pPr>
             <a:lvl9pPr marL="3657600" indent="0">
               <a:buNone/>
-              <a:defRPr sz="1000"/>
+              <a:defRPr sz="900"/>
             </a:lvl9pPr>
           </a:lstStyle>
           <a:p>
@@ -2668,13 +2704,7 @@
       </p:sp>
       <p:sp>
         <p:nvSpPr>
-          <p:cNvPr id="5" name="Дата 4">
-            <a:extLst>
-              <a:ext uri="{FF2B5EF4-FFF2-40B4-BE49-F238E27FC236}">
-                <a16:creationId xmlns:a16="http://schemas.microsoft.com/office/drawing/2014/main" id="{19A7E1E3-D9ED-41A9-866E-42FB625B9B7F}"/>
-              </a:ext>
-            </a:extLst>
-          </p:cNvPr>
+          <p:cNvPr id="5" name="Date Placeholder 4"/>
           <p:cNvSpPr>
             <a:spLocks noGrp="1"/>
           </p:cNvSpPr>
@@ -2689,7 +2719,7 @@
           <a:p>
             <a:fld id="{23F544BD-CB56-410C-B313-DCC58E7055C0}" type="datetimeFigureOut">
               <a:rPr lang="en-DE" smtClean="0"/>
-              <a:t>15/11/2024</a:t>
+              <a:t>22/11/2024</a:t>
             </a:fld>
             <a:endParaRPr lang="en-DE"/>
           </a:p>
@@ -2697,13 +2727,7 @@
       </p:sp>
       <p:sp>
         <p:nvSpPr>
-          <p:cNvPr id="6" name="Нижний колонтитул 5">
-            <a:extLst>
-              <a:ext uri="{FF2B5EF4-FFF2-40B4-BE49-F238E27FC236}">
-                <a16:creationId xmlns:a16="http://schemas.microsoft.com/office/drawing/2014/main" id="{B07507EA-4EBD-4B96-B3AF-08E9314A6520}"/>
-              </a:ext>
-            </a:extLst>
-          </p:cNvPr>
+          <p:cNvPr id="6" name="Footer Placeholder 5"/>
           <p:cNvSpPr>
             <a:spLocks noGrp="1"/>
           </p:cNvSpPr>
@@ -2722,13 +2746,7 @@
       </p:sp>
       <p:sp>
         <p:nvSpPr>
-          <p:cNvPr id="7" name="Номер слайда 6">
-            <a:extLst>
-              <a:ext uri="{FF2B5EF4-FFF2-40B4-BE49-F238E27FC236}">
-                <a16:creationId xmlns:a16="http://schemas.microsoft.com/office/drawing/2014/main" id="{24ED96B6-F070-4C3D-ADC4-A95EC95CB2B0}"/>
-              </a:ext>
-            </a:extLst>
-          </p:cNvPr>
+          <p:cNvPr id="7" name="Slide Number Placeholder 6"/>
           <p:cNvSpPr>
             <a:spLocks noGrp="1"/>
           </p:cNvSpPr>
@@ -2752,7 +2770,7 @@
     </p:spTree>
     <p:extLst>
       <p:ext uri="{BB962C8B-B14F-4D97-AF65-F5344CB8AC3E}">
-        <p14:creationId xmlns:p14="http://schemas.microsoft.com/office/powerpoint/2010/main" val="2806224169"/>
+        <p14:creationId xmlns:p14="http://schemas.microsoft.com/office/powerpoint/2010/main" val="1627484458"/>
       </p:ext>
     </p:extLst>
   </p:cSld>
@@ -2786,31 +2804,65 @@
       </p:grpSpPr>
       <p:sp>
         <p:nvSpPr>
-          <p:cNvPr id="2" name="Заголовок 1">
-            <a:extLst>
-              <a:ext uri="{FF2B5EF4-FFF2-40B4-BE49-F238E27FC236}">
-                <a16:creationId xmlns:a16="http://schemas.microsoft.com/office/drawing/2014/main" id="{54C8465D-DC83-4E6F-A5E8-491D6DA23F41}"/>
-              </a:ext>
-            </a:extLst>
-          </p:cNvPr>
-          <p:cNvSpPr>
-            <a:spLocks noGrp="1"/>
-          </p:cNvSpPr>
-          <p:nvPr>
-            <p:ph type="title"/>
-          </p:nvPr>
+          <p:cNvPr id="7" name="Rectangle 6"/>
+          <p:cNvSpPr/>
+          <p:nvPr/>
         </p:nvSpPr>
         <p:spPr>
           <a:xfrm>
-            <a:off x="838200" y="365125"/>
-            <a:ext cx="10515600" cy="1325563"/>
+            <a:off x="11292840" y="0"/>
+            <a:ext cx="914400" cy="6858000"/>
+          </a:xfrm>
+          <a:prstGeom prst="rect">
+            <a:avLst/>
+          </a:prstGeom>
+          <a:solidFill>
+            <a:schemeClr val="tx2">
+              <a:lumMod val="75000"/>
+            </a:schemeClr>
+          </a:solidFill>
+          <a:ln>
+            <a:noFill/>
+          </a:ln>
+        </p:spPr>
+        <p:style>
+          <a:lnRef idx="2">
+            <a:schemeClr val="accent1">
+              <a:shade val="50000"/>
+            </a:schemeClr>
+          </a:lnRef>
+          <a:fillRef idx="1">
+            <a:schemeClr val="accent1"/>
+          </a:fillRef>
+          <a:effectRef idx="0">
+            <a:schemeClr val="accent1"/>
+          </a:effectRef>
+          <a:fontRef idx="minor">
+            <a:schemeClr val="lt1"/>
+          </a:fontRef>
+        </p:style>
+      </p:sp>
+      <p:sp>
+        <p:nvSpPr>
+          <p:cNvPr id="2" name="Title Placeholder 1"/>
+          <p:cNvSpPr>
+            <a:spLocks noGrp="1"/>
+          </p:cNvSpPr>
+          <p:nvPr>
+            <p:ph type="title"/>
+          </p:nvPr>
+        </p:nvSpPr>
+        <p:spPr>
+          <a:xfrm>
+            <a:off x="1261872" y="365760"/>
+            <a:ext cx="9692640" cy="1325562"/>
           </a:xfrm>
           <a:prstGeom prst="rect">
             <a:avLst/>
           </a:prstGeom>
         </p:spPr>
         <p:txBody>
-          <a:bodyPr vert="horz" lIns="91440" tIns="45720" rIns="91440" bIns="45720" rtlCol="0" anchor="ctr">
+          <a:bodyPr vert="horz" lIns="91440" tIns="45720" rIns="91440" bIns="45720" rtlCol="0" anchor="b">
             <a:normAutofit/>
           </a:bodyPr>
           <a:lstStyle/>
@@ -2819,19 +2871,13 @@
               <a:rPr lang="ru-RU"/>
               <a:t>Образец заголовка</a:t>
             </a:r>
-            <a:endParaRPr lang="en-DE"/>
-          </a:p>
-        </p:txBody>
-      </p:sp>
-      <p:sp>
-        <p:nvSpPr>
-          <p:cNvPr id="3" name="Текст 2">
-            <a:extLst>
-              <a:ext uri="{FF2B5EF4-FFF2-40B4-BE49-F238E27FC236}">
-                <a16:creationId xmlns:a16="http://schemas.microsoft.com/office/drawing/2014/main" id="{B7BA0671-95D0-4A34-AB24-73F4E4E374CA}"/>
-              </a:ext>
-            </a:extLst>
-          </p:cNvPr>
+            <a:endParaRPr lang="en-US" dirty="0"/>
+          </a:p>
+        </p:txBody>
+      </p:sp>
+      <p:sp>
+        <p:nvSpPr>
+          <p:cNvPr id="3" name="Text Placeholder 2"/>
           <p:cNvSpPr>
             <a:spLocks noGrp="1"/>
           </p:cNvSpPr>
@@ -2841,8 +2887,8 @@
         </p:nvSpPr>
         <p:spPr>
           <a:xfrm>
-            <a:off x="838200" y="1825625"/>
-            <a:ext cx="10515600" cy="4351338"/>
+            <a:off x="1261872" y="1828800"/>
+            <a:ext cx="8595360" cy="4351337"/>
           </a:xfrm>
           <a:prstGeom prst="rect">
             <a:avLst/>
@@ -2887,19 +2933,13 @@
               <a:rPr lang="ru-RU"/>
               <a:t>Пятый уровень</a:t>
             </a:r>
-            <a:endParaRPr lang="en-DE"/>
-          </a:p>
-        </p:txBody>
-      </p:sp>
-      <p:sp>
-        <p:nvSpPr>
-          <p:cNvPr id="4" name="Дата 3">
-            <a:extLst>
-              <a:ext uri="{FF2B5EF4-FFF2-40B4-BE49-F238E27FC236}">
-                <a16:creationId xmlns:a16="http://schemas.microsoft.com/office/drawing/2014/main" id="{28F273F0-EB25-4EC7-A342-8230FE39C36F}"/>
-              </a:ext>
-            </a:extLst>
-          </p:cNvPr>
+            <a:endParaRPr lang="en-US" dirty="0"/>
+          </a:p>
+        </p:txBody>
+      </p:sp>
+      <p:sp>
+        <p:nvSpPr>
+          <p:cNvPr id="4" name="Date Placeholder 3"/>
           <p:cNvSpPr>
             <a:spLocks noGrp="1"/>
           </p:cNvSpPr>
@@ -2908,9 +2948,9 @@
           </p:nvPr>
         </p:nvSpPr>
         <p:spPr>
-          <a:xfrm>
-            <a:off x="838200" y="6356350"/>
-            <a:ext cx="2743200" cy="365125"/>
+          <a:xfrm rot="16200000">
+            <a:off x="10797542" y="998537"/>
+            <a:ext cx="1904999" cy="365125"/>
           </a:xfrm>
           <a:prstGeom prst="rect">
             <a:avLst/>
@@ -2919,11 +2959,12 @@
         <p:txBody>
           <a:bodyPr vert="horz" lIns="91440" tIns="45720" rIns="91440" bIns="45720" rtlCol="0" anchor="ctr"/>
           <a:lstStyle>
-            <a:lvl1pPr algn="l">
-              <a:defRPr sz="1200">
+            <a:lvl1pPr algn="r">
+              <a:defRPr sz="1050" b="0">
                 <a:solidFill>
-                  <a:schemeClr val="tx1">
-                    <a:tint val="75000"/>
+                  <a:schemeClr val="tx2">
+                    <a:lumMod val="20000"/>
+                    <a:lumOff val="80000"/>
                   </a:schemeClr>
                 </a:solidFill>
               </a:defRPr>
@@ -2932,7 +2973,7 @@
           <a:p>
             <a:fld id="{23F544BD-CB56-410C-B313-DCC58E7055C0}" type="datetimeFigureOut">
               <a:rPr lang="en-DE" smtClean="0"/>
-              <a:t>15/11/2024</a:t>
+              <a:t>22/11/2024</a:t>
             </a:fld>
             <a:endParaRPr lang="en-DE"/>
           </a:p>
@@ -2940,13 +2981,7 @@
       </p:sp>
       <p:sp>
         <p:nvSpPr>
-          <p:cNvPr id="5" name="Нижний колонтитул 4">
-            <a:extLst>
-              <a:ext uri="{FF2B5EF4-FFF2-40B4-BE49-F238E27FC236}">
-                <a16:creationId xmlns:a16="http://schemas.microsoft.com/office/drawing/2014/main" id="{CD1656DE-5F2C-487D-8320-2FC614FE4D8C}"/>
-              </a:ext>
-            </a:extLst>
-          </p:cNvPr>
+          <p:cNvPr id="5" name="Footer Placeholder 4"/>
           <p:cNvSpPr>
             <a:spLocks noGrp="1"/>
           </p:cNvSpPr>
@@ -2955,9 +2990,9 @@
           </p:nvPr>
         </p:nvSpPr>
         <p:spPr>
-          <a:xfrm>
-            <a:off x="4038600" y="6356350"/>
-            <a:ext cx="4114800" cy="365125"/>
+          <a:xfrm rot="16200000">
+            <a:off x="9959341" y="4046537"/>
+            <a:ext cx="3581400" cy="365125"/>
           </a:xfrm>
           <a:prstGeom prst="rect">
             <a:avLst/>
@@ -2966,11 +3001,12 @@
         <p:txBody>
           <a:bodyPr vert="horz" lIns="91440" tIns="45720" rIns="91440" bIns="45720" rtlCol="0" anchor="ctr"/>
           <a:lstStyle>
-            <a:lvl1pPr algn="ctr">
-              <a:defRPr sz="1200">
+            <a:lvl1pPr algn="l">
+              <a:defRPr sz="1050">
                 <a:solidFill>
-                  <a:schemeClr val="tx1">
-                    <a:tint val="75000"/>
+                  <a:schemeClr val="tx2">
+                    <a:lumMod val="20000"/>
+                    <a:lumOff val="80000"/>
                   </a:schemeClr>
                 </a:solidFill>
               </a:defRPr>
@@ -2983,13 +3019,7 @@
       </p:sp>
       <p:sp>
         <p:nvSpPr>
-          <p:cNvPr id="6" name="Номер слайда 5">
-            <a:extLst>
-              <a:ext uri="{FF2B5EF4-FFF2-40B4-BE49-F238E27FC236}">
-                <a16:creationId xmlns:a16="http://schemas.microsoft.com/office/drawing/2014/main" id="{5E626450-90C5-47F9-A4F5-EAB7D261A5E2}"/>
-              </a:ext>
-            </a:extLst>
-          </p:cNvPr>
+          <p:cNvPr id="6" name="Slide Number Placeholder 5"/>
           <p:cNvSpPr>
             <a:spLocks noGrp="1"/>
           </p:cNvSpPr>
@@ -2999,21 +3029,24 @@
         </p:nvSpPr>
         <p:spPr>
           <a:xfrm>
-            <a:off x="8610600" y="6356350"/>
-            <a:ext cx="2743200" cy="365125"/>
+            <a:off x="11292840" y="6172200"/>
+            <a:ext cx="914400" cy="593725"/>
           </a:xfrm>
           <a:prstGeom prst="rect">
             <a:avLst/>
           </a:prstGeom>
         </p:spPr>
         <p:txBody>
-          <a:bodyPr vert="horz" lIns="91440" tIns="45720" rIns="91440" bIns="45720" rtlCol="0" anchor="ctr"/>
+          <a:bodyPr vert="horz" lIns="45720" tIns="45720" rIns="45720" bIns="45720" rtlCol="0" anchor="ctr">
+            <a:normAutofit/>
+          </a:bodyPr>
           <a:lstStyle>
-            <a:lvl1pPr algn="r">
-              <a:defRPr sz="1200">
+            <a:lvl1pPr algn="ctr">
+              <a:defRPr sz="3600">
                 <a:solidFill>
-                  <a:schemeClr val="tx1">
-                    <a:tint val="75000"/>
+                  <a:schemeClr val="tx2">
+                    <a:lumMod val="60000"/>
+                    <a:lumOff val="40000"/>
                   </a:schemeClr>
                 </a:solidFill>
               </a:defRPr>
@@ -3031,23 +3064,23 @@
     </p:spTree>
     <p:extLst>
       <p:ext uri="{BB962C8B-B14F-4D97-AF65-F5344CB8AC3E}">
-        <p14:creationId xmlns:p14="http://schemas.microsoft.com/office/powerpoint/2010/main" val="808135754"/>
+        <p14:creationId xmlns:p14="http://schemas.microsoft.com/office/powerpoint/2010/main" val="3584940871"/>
       </p:ext>
     </p:extLst>
   </p:cSld>
   <p:clrMap bg1="lt1" tx1="dk1" bg2="lt2" tx2="dk2" accent1="accent1" accent2="accent2" accent3="accent3" accent4="accent4" accent5="accent5" accent6="accent6" hlink="hlink" folHlink="folHlink"/>
   <p:sldLayoutIdLst>
-    <p:sldLayoutId id="2147483649" r:id="rId1"/>
-    <p:sldLayoutId id="2147483650" r:id="rId2"/>
-    <p:sldLayoutId id="2147483651" r:id="rId3"/>
-    <p:sldLayoutId id="2147483652" r:id="rId4"/>
-    <p:sldLayoutId id="2147483653" r:id="rId5"/>
-    <p:sldLayoutId id="2147483654" r:id="rId6"/>
-    <p:sldLayoutId id="2147483655" r:id="rId7"/>
-    <p:sldLayoutId id="2147483656" r:id="rId8"/>
-    <p:sldLayoutId id="2147483657" r:id="rId9"/>
-    <p:sldLayoutId id="2147483658" r:id="rId10"/>
-    <p:sldLayoutId id="2147483659" r:id="rId11"/>
+    <p:sldLayoutId id="2147483661" r:id="rId1"/>
+    <p:sldLayoutId id="2147483662" r:id="rId2"/>
+    <p:sldLayoutId id="2147483663" r:id="rId3"/>
+    <p:sldLayoutId id="2147483664" r:id="rId4"/>
+    <p:sldLayoutId id="2147483665" r:id="rId5"/>
+    <p:sldLayoutId id="2147483666" r:id="rId6"/>
+    <p:sldLayoutId id="2147483667" r:id="rId7"/>
+    <p:sldLayoutId id="2147483668" r:id="rId8"/>
+    <p:sldLayoutId id="2147483669" r:id="rId9"/>
+    <p:sldLayoutId id="2147483670" r:id="rId10"/>
+    <p:sldLayoutId id="2147483671" r:id="rId11"/>
   </p:sldLayoutIdLst>
   <p:txStyles>
     <p:titleStyle>
@@ -3059,7 +3092,7 @@
           <a:spcPct val="0"/>
         </a:spcBef>
         <a:buNone/>
-        <a:defRPr sz="4400" kern="1200">
+        <a:defRPr sz="4400" kern="1200" spc="-50" baseline="0">
           <a:solidFill>
             <a:schemeClr val="tx1"/>
           </a:solidFill>
@@ -3070,16 +3103,23 @@
       </a:lvl1pPr>
     </p:titleStyle>
     <p:bodyStyle>
-      <a:lvl1pPr marL="228600" indent="-228600" algn="l" defTabSz="914400" rtl="0" eaLnBrk="1" latinLnBrk="0" hangingPunct="1">
+      <a:lvl1pPr marL="182880" indent="-182880" algn="l" defTabSz="914400" rtl="0" eaLnBrk="1" latinLnBrk="0" hangingPunct="1">
         <a:lnSpc>
-          <a:spcPct val="90000"/>
+          <a:spcPct val="95000"/>
         </a:lnSpc>
         <a:spcBef>
-          <a:spcPts val="1000"/>
+          <a:spcPts val="1400"/>
         </a:spcBef>
-        <a:buFont typeface="Arial" panose="020B0604020202020204" pitchFamily="34" charset="0"/>
+        <a:spcAft>
+          <a:spcPts val="200"/>
+        </a:spcAft>
+        <a:buClr>
+          <a:schemeClr val="accent1"/>
+        </a:buClr>
+        <a:buSzPct val="80000"/>
+        <a:buFont typeface="Arial" pitchFamily="34" charset="0"/>
         <a:buChar char="•"/>
-        <a:defRPr sz="2800" kern="1200">
+        <a:defRPr sz="1800" kern="1200" spc="10" baseline="0">
           <a:solidFill>
             <a:schemeClr val="tx1"/>
           </a:solidFill>
@@ -3088,144 +3128,216 @@
           <a:cs typeface="+mn-cs"/>
         </a:defRPr>
       </a:lvl1pPr>
-      <a:lvl2pPr marL="685800" indent="-228600" algn="l" defTabSz="914400" rtl="0" eaLnBrk="1" latinLnBrk="0" hangingPunct="1">
+      <a:lvl2pPr marL="457200" indent="-182880" algn="l" defTabSz="914400" rtl="0" eaLnBrk="1" latinLnBrk="0" hangingPunct="1">
         <a:lnSpc>
           <a:spcPct val="90000"/>
         </a:lnSpc>
         <a:spcBef>
-          <a:spcPts val="500"/>
+          <a:spcPts val="300"/>
         </a:spcBef>
-        <a:buFont typeface="Arial" panose="020B0604020202020204" pitchFamily="34" charset="0"/>
-        <a:buChar char="•"/>
-        <a:defRPr sz="2400" kern="1200">
+        <a:spcAft>
+          <a:spcPts val="300"/>
+        </a:spcAft>
+        <a:buClr>
+          <a:schemeClr val="accent1"/>
+        </a:buClr>
+        <a:buFont typeface="Wingdings 2" pitchFamily="18" charset="2"/>
+        <a:buChar char=""/>
+        <a:defRPr sz="1600" kern="1200">
           <a:solidFill>
-            <a:schemeClr val="tx1"/>
+            <a:schemeClr val="tx1">
+              <a:lumMod val="85000"/>
+              <a:lumOff val="15000"/>
+            </a:schemeClr>
           </a:solidFill>
           <a:latin typeface="+mn-lt"/>
           <a:ea typeface="+mn-ea"/>
           <a:cs typeface="+mn-cs"/>
         </a:defRPr>
       </a:lvl2pPr>
-      <a:lvl3pPr marL="1143000" indent="-228600" algn="l" defTabSz="914400" rtl="0" eaLnBrk="1" latinLnBrk="0" hangingPunct="1">
+      <a:lvl3pPr marL="731520" indent="-182880" algn="l" defTabSz="914400" rtl="0" eaLnBrk="1" latinLnBrk="0" hangingPunct="1">
         <a:lnSpc>
           <a:spcPct val="90000"/>
         </a:lnSpc>
         <a:spcBef>
-          <a:spcPts val="500"/>
+          <a:spcPts val="300"/>
         </a:spcBef>
-        <a:buFont typeface="Arial" panose="020B0604020202020204" pitchFamily="34" charset="0"/>
-        <a:buChar char="•"/>
-        <a:defRPr sz="2000" kern="1200">
+        <a:spcAft>
+          <a:spcPts val="300"/>
+        </a:spcAft>
+        <a:buClr>
+          <a:schemeClr val="accent1"/>
+        </a:buClr>
+        <a:buFont typeface="Wingdings 2" pitchFamily="18" charset="2"/>
+        <a:buChar char=""/>
+        <a:defRPr sz="1400" kern="1200">
           <a:solidFill>
-            <a:schemeClr val="tx1"/>
+            <a:schemeClr val="tx1">
+              <a:lumMod val="85000"/>
+              <a:lumOff val="15000"/>
+            </a:schemeClr>
           </a:solidFill>
           <a:latin typeface="+mn-lt"/>
           <a:ea typeface="+mn-ea"/>
           <a:cs typeface="+mn-cs"/>
         </a:defRPr>
       </a:lvl3pPr>
-      <a:lvl4pPr marL="1600200" indent="-228600" algn="l" defTabSz="914400" rtl="0" eaLnBrk="1" latinLnBrk="0" hangingPunct="1">
+      <a:lvl4pPr marL="1005840" indent="-182880" algn="l" defTabSz="914400" rtl="0" eaLnBrk="1" latinLnBrk="0" hangingPunct="1">
         <a:lnSpc>
           <a:spcPct val="90000"/>
         </a:lnSpc>
         <a:spcBef>
-          <a:spcPts val="500"/>
+          <a:spcPts val="300"/>
         </a:spcBef>
-        <a:buFont typeface="Arial" panose="020B0604020202020204" pitchFamily="34" charset="0"/>
-        <a:buChar char="•"/>
-        <a:defRPr sz="1800" kern="1200">
+        <a:spcAft>
+          <a:spcPts val="300"/>
+        </a:spcAft>
+        <a:buClr>
+          <a:schemeClr val="accent1"/>
+        </a:buClr>
+        <a:buFont typeface="Wingdings 2" pitchFamily="18" charset="2"/>
+        <a:buChar char=""/>
+        <a:defRPr sz="1400" kern="1200">
           <a:solidFill>
-            <a:schemeClr val="tx1"/>
+            <a:schemeClr val="tx1">
+              <a:lumMod val="85000"/>
+              <a:lumOff val="15000"/>
+            </a:schemeClr>
           </a:solidFill>
           <a:latin typeface="+mn-lt"/>
           <a:ea typeface="+mn-ea"/>
           <a:cs typeface="+mn-cs"/>
         </a:defRPr>
       </a:lvl4pPr>
-      <a:lvl5pPr marL="2057400" indent="-228600" algn="l" defTabSz="914400" rtl="0" eaLnBrk="1" latinLnBrk="0" hangingPunct="1">
+      <a:lvl5pPr marL="1280160" indent="-182880" algn="l" defTabSz="914400" rtl="0" eaLnBrk="1" latinLnBrk="0" hangingPunct="1">
         <a:lnSpc>
           <a:spcPct val="90000"/>
         </a:lnSpc>
         <a:spcBef>
-          <a:spcPts val="500"/>
+          <a:spcPts val="300"/>
         </a:spcBef>
-        <a:buFont typeface="Arial" panose="020B0604020202020204" pitchFamily="34" charset="0"/>
-        <a:buChar char="•"/>
-        <a:defRPr sz="1800" kern="1200">
+        <a:spcAft>
+          <a:spcPts val="300"/>
+        </a:spcAft>
+        <a:buClr>
+          <a:schemeClr val="accent1"/>
+        </a:buClr>
+        <a:buFont typeface="Wingdings 2" pitchFamily="18" charset="2"/>
+        <a:buChar char=""/>
+        <a:defRPr sz="1400" kern="1200">
           <a:solidFill>
-            <a:schemeClr val="tx1"/>
+            <a:schemeClr val="tx1">
+              <a:lumMod val="85000"/>
+              <a:lumOff val="15000"/>
+            </a:schemeClr>
           </a:solidFill>
           <a:latin typeface="+mn-lt"/>
           <a:ea typeface="+mn-ea"/>
           <a:cs typeface="+mn-cs"/>
         </a:defRPr>
       </a:lvl5pPr>
-      <a:lvl6pPr marL="2514600" indent="-228600" algn="l" defTabSz="914400" rtl="0" eaLnBrk="1" latinLnBrk="0" hangingPunct="1">
+      <a:lvl6pPr marL="1600000" indent="-228600" algn="l" defTabSz="914400" rtl="0" eaLnBrk="1" latinLnBrk="0" hangingPunct="1">
         <a:lnSpc>
           <a:spcPct val="90000"/>
         </a:lnSpc>
         <a:spcBef>
-          <a:spcPts val="500"/>
+          <a:spcPts val="300"/>
         </a:spcBef>
-        <a:buFont typeface="Arial" panose="020B0604020202020204" pitchFamily="34" charset="0"/>
-        <a:buChar char="•"/>
-        <a:defRPr sz="1800" kern="1200">
+        <a:spcAft>
+          <a:spcPts val="300"/>
+        </a:spcAft>
+        <a:buClr>
+          <a:schemeClr val="accent1"/>
+        </a:buClr>
+        <a:buFont typeface="Wingdings 2" pitchFamily="18" charset="2"/>
+        <a:buChar char=""/>
+        <a:defRPr sz="1400" kern="1200">
           <a:solidFill>
-            <a:schemeClr val="tx1"/>
+            <a:schemeClr val="tx1">
+              <a:lumMod val="85000"/>
+              <a:lumOff val="15000"/>
+            </a:schemeClr>
           </a:solidFill>
           <a:latin typeface="+mn-lt"/>
           <a:ea typeface="+mn-ea"/>
           <a:cs typeface="+mn-cs"/>
         </a:defRPr>
       </a:lvl6pPr>
-      <a:lvl7pPr marL="2971800" indent="-228600" algn="l" defTabSz="914400" rtl="0" eaLnBrk="1" latinLnBrk="0" hangingPunct="1">
+      <a:lvl7pPr marL="1900000" indent="-228600" algn="l" defTabSz="914400" rtl="0" eaLnBrk="1" latinLnBrk="0" hangingPunct="1">
         <a:lnSpc>
           <a:spcPct val="90000"/>
         </a:lnSpc>
         <a:spcBef>
-          <a:spcPts val="500"/>
+          <a:spcPts val="300"/>
         </a:spcBef>
-        <a:buFont typeface="Arial" panose="020B0604020202020204" pitchFamily="34" charset="0"/>
-        <a:buChar char="•"/>
-        <a:defRPr sz="1800" kern="1200">
+        <a:spcAft>
+          <a:spcPts val="300"/>
+        </a:spcAft>
+        <a:buClr>
+          <a:schemeClr val="accent1"/>
+        </a:buClr>
+        <a:buFont typeface="Wingdings 2" pitchFamily="18" charset="2"/>
+        <a:buChar char=""/>
+        <a:defRPr sz="1400" kern="1200">
           <a:solidFill>
-            <a:schemeClr val="tx1"/>
+            <a:schemeClr val="tx1">
+              <a:lumMod val="85000"/>
+              <a:lumOff val="15000"/>
+            </a:schemeClr>
           </a:solidFill>
           <a:latin typeface="+mn-lt"/>
           <a:ea typeface="+mn-ea"/>
           <a:cs typeface="+mn-cs"/>
         </a:defRPr>
       </a:lvl7pPr>
-      <a:lvl8pPr marL="3429000" indent="-228600" algn="l" defTabSz="914400" rtl="0" eaLnBrk="1" latinLnBrk="0" hangingPunct="1">
+      <a:lvl8pPr marL="2200000" indent="-228600" algn="l" defTabSz="914400" rtl="0" eaLnBrk="1" latinLnBrk="0" hangingPunct="1">
         <a:lnSpc>
           <a:spcPct val="90000"/>
         </a:lnSpc>
         <a:spcBef>
-          <a:spcPts val="500"/>
+          <a:spcPts val="300"/>
         </a:spcBef>
-        <a:buFont typeface="Arial" panose="020B0604020202020204" pitchFamily="34" charset="0"/>
-        <a:buChar char="•"/>
-        <a:defRPr sz="1800" kern="1200">
+        <a:spcAft>
+          <a:spcPts val="300"/>
+        </a:spcAft>
+        <a:buClr>
+          <a:schemeClr val="accent1"/>
+        </a:buClr>
+        <a:buFont typeface="Wingdings 2" pitchFamily="18" charset="2"/>
+        <a:buChar char=""/>
+        <a:defRPr sz="1400" kern="1200">
           <a:solidFill>
-            <a:schemeClr val="tx1"/>
+            <a:schemeClr val="tx1">
+              <a:lumMod val="85000"/>
+              <a:lumOff val="15000"/>
+            </a:schemeClr>
           </a:solidFill>
           <a:latin typeface="+mn-lt"/>
           <a:ea typeface="+mn-ea"/>
           <a:cs typeface="+mn-cs"/>
         </a:defRPr>
       </a:lvl8pPr>
-      <a:lvl9pPr marL="3886200" indent="-228600" algn="l" defTabSz="914400" rtl="0" eaLnBrk="1" latinLnBrk="0" hangingPunct="1">
+      <a:lvl9pPr marL="2500000" indent="-228600" algn="l" defTabSz="914400" rtl="0" eaLnBrk="1" latinLnBrk="0" hangingPunct="1">
         <a:lnSpc>
           <a:spcPct val="90000"/>
         </a:lnSpc>
         <a:spcBef>
-          <a:spcPts val="500"/>
+          <a:spcPts val="300"/>
         </a:spcBef>
-        <a:buFont typeface="Arial" panose="020B0604020202020204" pitchFamily="34" charset="0"/>
-        <a:buChar char="•"/>
-        <a:defRPr sz="1800" kern="1200">
+        <a:spcAft>
+          <a:spcPts val="300"/>
+        </a:spcAft>
+        <a:buClr>
+          <a:schemeClr val="accent1"/>
+        </a:buClr>
+        <a:buFont typeface="Wingdings 2" pitchFamily="18" charset="2"/>
+        <a:buChar char=""/>
+        <a:defRPr sz="1400" kern="1200">
           <a:solidFill>
-            <a:schemeClr val="tx1"/>
+            <a:schemeClr val="tx1">
+              <a:lumMod val="85000"/>
+              <a:lumOff val="15000"/>
+            </a:schemeClr>
           </a:solidFill>
           <a:latin typeface="+mn-lt"/>
           <a:ea typeface="+mn-ea"/>
@@ -3235,7 +3347,7 @@
     </p:bodyStyle>
     <p:otherStyle>
       <a:defPPr>
-        <a:defRPr lang="en-DE"/>
+        <a:defRPr lang="en-US"/>
       </a:defPPr>
       <a:lvl1pPr marL="0" algn="l" defTabSz="914400" rtl="0" eaLnBrk="1" latinLnBrk="0" hangingPunct="1">
         <a:defRPr sz="1800" kern="1200">
@@ -3368,7 +3480,7 @@
         <p:spPr/>
         <p:txBody>
           <a:bodyPr>
-            <a:normAutofit fontScale="90000"/>
+            <a:normAutofit/>
           </a:bodyPr>
           <a:lstStyle/>
           <a:p>
@@ -3491,7 +3603,7 @@
               <a:t> г. </a:t>
             </a:r>
             <a:r>
-              <a:rPr lang="en-US" sz="2400" dirty="0" err="1">
+              <a:rPr lang="ru-RU" sz="2400" dirty="0">
                 <a:ln w="0"/>
                 <a:effectLst>
                   <a:outerShdw blurRad="38100" dist="19050" dir="2700000" algn="tl" rotWithShape="0">
@@ -3503,7 +3615,7 @@
                 <a:latin typeface="Times New Roman" panose="02020603050405020304" pitchFamily="18" charset="0"/>
                 <a:cs typeface="Times New Roman" panose="02020603050405020304" pitchFamily="18" charset="0"/>
               </a:rPr>
-              <a:t>Арзамас</a:t>
+              <a:t>Самара</a:t>
             </a:r>
             <a:endParaRPr lang="en-US" sz="2400" dirty="0">
               <a:ln w="0"/>
@@ -3580,14 +3692,15 @@
         </p:nvSpPr>
         <p:spPr>
           <a:xfrm>
-            <a:off x="554115" y="579961"/>
-            <a:ext cx="1603159" cy="1325563"/>
+            <a:off x="554115" y="601138"/>
+            <a:ext cx="2286739" cy="1325563"/>
           </a:xfrm>
         </p:spPr>
         <p:txBody>
           <a:bodyPr/>
           <a:lstStyle/>
           <a:p>
+            <a:pPr algn="ctr"/>
             <a:r>
               <a:rPr lang="ru-RU" dirty="0"/>
               <a:t>Цель</a:t>
@@ -3623,14 +3736,16 @@
           </a:xfrm>
         </p:spPr>
         <p:txBody>
-          <a:bodyPr/>
-          <a:lstStyle/>
-          <a:p>
-            <a:r>
-              <a:rPr lang="ru-RU" dirty="0"/>
+          <a:bodyPr>
+            <a:normAutofit/>
+          </a:bodyPr>
+          <a:lstStyle/>
+          <a:p>
+            <a:r>
+              <a:rPr lang="ru-RU" sz="2600" dirty="0"/>
               <a:t>Создание приложение, которое поможет учителям в проведении контрольных и самостоятельных работ</a:t>
             </a:r>
-            <a:endParaRPr lang="en-DE" dirty="0"/>
+            <a:endParaRPr lang="en-DE" sz="2600" dirty="0"/>
           </a:p>
         </p:txBody>
       </p:sp>
@@ -3650,8 +3765,8 @@
         </p:nvSpPr>
         <p:spPr>
           <a:xfrm>
-            <a:off x="6096000" y="601138"/>
-            <a:ext cx="2879324" cy="1325563"/>
+            <a:off x="6415597" y="1100831"/>
+            <a:ext cx="2879324" cy="804693"/>
           </a:xfrm>
           <a:prstGeom prst="rect">
             <a:avLst/>
@@ -3718,7 +3833,7 @@
         </p:spPr>
         <p:txBody>
           <a:bodyPr vert="horz" lIns="91440" tIns="45720" rIns="91440" bIns="45720" rtlCol="0">
-            <a:normAutofit lnSpcReduction="10000"/>
+            <a:normAutofit fontScale="92500" lnSpcReduction="20000"/>
           </a:bodyPr>
           <a:lstStyle>
             <a:lvl1pPr marL="228600" indent="-228600" algn="l" defTabSz="914400" rtl="0" eaLnBrk="1" latinLnBrk="0" hangingPunct="1">
@@ -3952,7 +4067,7 @@
           <p:cNvPr id="2" name="Заголовок 1">
             <a:extLst>
               <a:ext uri="{FF2B5EF4-FFF2-40B4-BE49-F238E27FC236}">
-                <a16:creationId xmlns:a16="http://schemas.microsoft.com/office/drawing/2014/main" id="{08030930-31CD-4A80-AAE9-FB0FCBBD9D86}"/>
+                <a16:creationId xmlns:a16="http://schemas.microsoft.com/office/drawing/2014/main" id="{090A5443-B9FB-499E-8E61-53366A799CBD}"/>
               </a:ext>
             </a:extLst>
           </p:cNvPr>
@@ -3963,14 +4078,19 @@
             <p:ph type="title"/>
           </p:nvPr>
         </p:nvSpPr>
-        <p:spPr/>
+        <p:spPr>
+          <a:xfrm>
+            <a:off x="338418" y="353387"/>
+            <a:ext cx="9692640" cy="1325562"/>
+          </a:xfrm>
+        </p:spPr>
         <p:txBody>
           <a:bodyPr/>
           <a:lstStyle/>
           <a:p>
             <a:r>
               <a:rPr lang="ru-RU" dirty="0"/>
-              <a:t>Анализ существующих решений</a:t>
+              <a:t>Реализация проекта</a:t>
             </a:r>
             <a:endParaRPr lang="en-DE" dirty="0"/>
           </a:p>
@@ -3981,7 +4101,7 @@
           <p:cNvPr id="3" name="Объект 2">
             <a:extLst>
               <a:ext uri="{FF2B5EF4-FFF2-40B4-BE49-F238E27FC236}">
-                <a16:creationId xmlns:a16="http://schemas.microsoft.com/office/drawing/2014/main" id="{2C9365A0-A6C3-48C8-9573-0A45CE0E3F20}"/>
+                <a16:creationId xmlns:a16="http://schemas.microsoft.com/office/drawing/2014/main" id="{4984FE03-EC63-4CAA-BB28-A0122C012DE3}"/>
               </a:ext>
             </a:extLst>
           </p:cNvPr>
@@ -3992,23 +4112,126 @@
             <p:ph idx="1"/>
           </p:nvPr>
         </p:nvSpPr>
-        <p:spPr/>
+        <p:spPr>
+          <a:xfrm>
+            <a:off x="338418" y="2073244"/>
+            <a:ext cx="8956327" cy="4351337"/>
+          </a:xfrm>
+        </p:spPr>
         <p:txBody>
           <a:bodyPr/>
           <a:lstStyle/>
           <a:p>
             <a:r>
               <a:rPr lang="ru-RU" dirty="0"/>
-              <a:t>Для создания контрольных работ для школьник мне не удалось найти никаких аналогов. По большей части это приложения, которые использует в университетах, чтобы симулировать явления по физике.</a:t>
+              <a:t>Все вычисление ответов проходят внутри приложения и просчитываются отдельно для каждого варианта.</a:t>
+            </a:r>
+            <a:r>
+              <a:rPr lang="en-US" dirty="0"/>
+              <a:t> </a:t>
+            </a:r>
+            <a:r>
+              <a:rPr lang="ru-RU" dirty="0"/>
+              <a:t>Это позволяет оптимизировать создание и дальнейшую проверку контрольных работ.</a:t>
             </a:r>
             <a:endParaRPr lang="en-DE" dirty="0"/>
           </a:p>
         </p:txBody>
       </p:sp>
+      <p:pic>
+        <p:nvPicPr>
+          <p:cNvPr id="5" name="Рисунок 4">
+            <a:extLst>
+              <a:ext uri="{FF2B5EF4-FFF2-40B4-BE49-F238E27FC236}">
+                <a16:creationId xmlns:a16="http://schemas.microsoft.com/office/drawing/2014/main" id="{1FC8B089-7728-4F34-BF57-9091D0B42C02}"/>
+              </a:ext>
+            </a:extLst>
+          </p:cNvPr>
+          <p:cNvPicPr>
+            <a:picLocks noChangeAspect="1"/>
+          </p:cNvPicPr>
+          <p:nvPr/>
+        </p:nvPicPr>
+        <p:blipFill>
+          <a:blip r:embed="rId2"/>
+          <a:stretch>
+            <a:fillRect/>
+          </a:stretch>
+        </p:blipFill>
+        <p:spPr>
+          <a:xfrm>
+            <a:off x="127987" y="3826276"/>
+            <a:ext cx="5359250" cy="1664165"/>
+          </a:xfrm>
+          <a:prstGeom prst="rect">
+            <a:avLst/>
+          </a:prstGeom>
+        </p:spPr>
+      </p:pic>
+      <p:pic>
+        <p:nvPicPr>
+          <p:cNvPr id="6" name="Рисунок 5">
+            <a:extLst>
+              <a:ext uri="{FF2B5EF4-FFF2-40B4-BE49-F238E27FC236}">
+                <a16:creationId xmlns:a16="http://schemas.microsoft.com/office/drawing/2014/main" id="{4C5C4547-E032-49E3-B0F4-2A5FA2B12A9F}"/>
+              </a:ext>
+            </a:extLst>
+          </p:cNvPr>
+          <p:cNvPicPr>
+            <a:picLocks noChangeAspect="1"/>
+          </p:cNvPicPr>
+          <p:nvPr/>
+        </p:nvPicPr>
+        <p:blipFill>
+          <a:blip r:embed="rId3"/>
+          <a:stretch>
+            <a:fillRect/>
+          </a:stretch>
+        </p:blipFill>
+        <p:spPr>
+          <a:xfrm>
+            <a:off x="6049410" y="3826276"/>
+            <a:ext cx="1771897" cy="1762371"/>
+          </a:xfrm>
+          <a:prstGeom prst="rect">
+            <a:avLst/>
+          </a:prstGeom>
+        </p:spPr>
+      </p:pic>
+      <p:pic>
+        <p:nvPicPr>
+          <p:cNvPr id="8" name="Рисунок 7">
+            <a:extLst>
+              <a:ext uri="{FF2B5EF4-FFF2-40B4-BE49-F238E27FC236}">
+                <a16:creationId xmlns:a16="http://schemas.microsoft.com/office/drawing/2014/main" id="{81E1CB0B-39CA-4F89-BABC-DC552567F46C}"/>
+              </a:ext>
+            </a:extLst>
+          </p:cNvPr>
+          <p:cNvPicPr>
+            <a:picLocks noChangeAspect="1"/>
+          </p:cNvPicPr>
+          <p:nvPr/>
+        </p:nvPicPr>
+        <p:blipFill>
+          <a:blip r:embed="rId4"/>
+          <a:stretch>
+            <a:fillRect/>
+          </a:stretch>
+        </p:blipFill>
+        <p:spPr>
+          <a:xfrm>
+            <a:off x="5866464" y="5888349"/>
+            <a:ext cx="5088048" cy="645778"/>
+          </a:xfrm>
+          <a:prstGeom prst="rect">
+            <a:avLst/>
+          </a:prstGeom>
+        </p:spPr>
+      </p:pic>
     </p:spTree>
     <p:extLst>
       <p:ext uri="{BB962C8B-B14F-4D97-AF65-F5344CB8AC3E}">
-        <p14:creationId xmlns:p14="http://schemas.microsoft.com/office/powerpoint/2010/main" val="3561097158"/>
+        <p14:creationId xmlns:p14="http://schemas.microsoft.com/office/powerpoint/2010/main" val="4219190506"/>
       </p:ext>
     </p:extLst>
   </p:cSld>
@@ -4040,124 +4263,6 @@
           <p:cNvPr id="2" name="Заголовок 1">
             <a:extLst>
               <a:ext uri="{FF2B5EF4-FFF2-40B4-BE49-F238E27FC236}">
-                <a16:creationId xmlns:a16="http://schemas.microsoft.com/office/drawing/2014/main" id="{090A5443-B9FB-499E-8E61-53366A799CBD}"/>
-              </a:ext>
-            </a:extLst>
-          </p:cNvPr>
-          <p:cNvSpPr>
-            <a:spLocks noGrp="1"/>
-          </p:cNvSpPr>
-          <p:nvPr>
-            <p:ph type="title"/>
-          </p:nvPr>
-        </p:nvSpPr>
-        <p:spPr/>
-        <p:txBody>
-          <a:bodyPr/>
-          <a:lstStyle/>
-          <a:p>
-            <a:r>
-              <a:rPr lang="ru-RU" dirty="0"/>
-              <a:t>Реализация проекта</a:t>
-            </a:r>
-            <a:endParaRPr lang="en-DE" dirty="0"/>
-          </a:p>
-        </p:txBody>
-      </p:sp>
-      <p:sp>
-        <p:nvSpPr>
-          <p:cNvPr id="3" name="Объект 2">
-            <a:extLst>
-              <a:ext uri="{FF2B5EF4-FFF2-40B4-BE49-F238E27FC236}">
-                <a16:creationId xmlns:a16="http://schemas.microsoft.com/office/drawing/2014/main" id="{4984FE03-EC63-4CAA-BB28-A0122C012DE3}"/>
-              </a:ext>
-            </a:extLst>
-          </p:cNvPr>
-          <p:cNvSpPr>
-            <a:spLocks noGrp="1"/>
-          </p:cNvSpPr>
-          <p:nvPr>
-            <p:ph idx="1"/>
-          </p:nvPr>
-        </p:nvSpPr>
-        <p:spPr/>
-        <p:txBody>
-          <a:bodyPr/>
-          <a:lstStyle/>
-          <a:p>
-            <a:r>
-              <a:rPr lang="ru-RU" dirty="0"/>
-              <a:t>Все вычисление ответов проходят внутри приложения и просчитываются отдельно для каждого варианта.</a:t>
-            </a:r>
-            <a:endParaRPr lang="en-DE" dirty="0"/>
-          </a:p>
-        </p:txBody>
-      </p:sp>
-      <p:pic>
-        <p:nvPicPr>
-          <p:cNvPr id="5" name="Рисунок 4">
-            <a:extLst>
-              <a:ext uri="{FF2B5EF4-FFF2-40B4-BE49-F238E27FC236}">
-                <a16:creationId xmlns:a16="http://schemas.microsoft.com/office/drawing/2014/main" id="{1FC8B089-7728-4F34-BF57-9091D0B42C02}"/>
-              </a:ext>
-            </a:extLst>
-          </p:cNvPr>
-          <p:cNvPicPr>
-            <a:picLocks noChangeAspect="1"/>
-          </p:cNvPicPr>
-          <p:nvPr/>
-        </p:nvPicPr>
-        <p:blipFill>
-          <a:blip r:embed="rId2"/>
-          <a:stretch>
-            <a:fillRect/>
-          </a:stretch>
-        </p:blipFill>
-        <p:spPr>
-          <a:xfrm>
-            <a:off x="1095653" y="3011603"/>
-            <a:ext cx="8829583" cy="2670105"/>
-          </a:xfrm>
-          <a:prstGeom prst="rect">
-            <a:avLst/>
-          </a:prstGeom>
-        </p:spPr>
-      </p:pic>
-    </p:spTree>
-    <p:extLst>
-      <p:ext uri="{BB962C8B-B14F-4D97-AF65-F5344CB8AC3E}">
-        <p14:creationId xmlns:p14="http://schemas.microsoft.com/office/powerpoint/2010/main" val="4219190506"/>
-      </p:ext>
-    </p:extLst>
-  </p:cSld>
-  <p:clrMapOvr>
-    <a:masterClrMapping/>
-  </p:clrMapOvr>
-</p:sld>
-</file>
-
-<file path=ppt/slides/slide5.xml><?xml version="1.0" encoding="utf-8"?>
-<p:sld xmlns:a="http://schemas.openxmlformats.org/drawingml/2006/main" xmlns:r="http://schemas.openxmlformats.org/officeDocument/2006/relationships" xmlns:p="http://schemas.openxmlformats.org/presentationml/2006/main">
-  <p:cSld>
-    <p:spTree>
-      <p:nvGrpSpPr>
-        <p:cNvPr id="1" name=""/>
-        <p:cNvGrpSpPr/>
-        <p:nvPr/>
-      </p:nvGrpSpPr>
-      <p:grpSpPr>
-        <a:xfrm>
-          <a:off x="0" y="0"/>
-          <a:ext cx="0" cy="0"/>
-          <a:chOff x="0" y="0"/>
-          <a:chExt cx="0" cy="0"/>
-        </a:xfrm>
-      </p:grpSpPr>
-      <p:sp>
-        <p:nvSpPr>
-          <p:cNvPr id="2" name="Заголовок 1">
-            <a:extLst>
-              <a:ext uri="{FF2B5EF4-FFF2-40B4-BE49-F238E27FC236}">
                 <a16:creationId xmlns:a16="http://schemas.microsoft.com/office/drawing/2014/main" id="{10F159F8-1D49-413A-8151-E67D06259CF5}"/>
               </a:ext>
             </a:extLst>
@@ -4169,22 +4274,27 @@
             <p:ph type="title"/>
           </p:nvPr>
         </p:nvSpPr>
-        <p:spPr/>
+        <p:spPr>
+          <a:xfrm>
+            <a:off x="664343" y="329546"/>
+            <a:ext cx="9692640" cy="1325562"/>
+          </a:xfrm>
+        </p:spPr>
         <p:txBody>
           <a:bodyPr/>
           <a:lstStyle/>
           <a:p>
             <a:r>
               <a:rPr lang="ru-RU" dirty="0"/>
-              <a:t>Как я реализовал создание </a:t>
+              <a:t>Реализация создания </a:t>
             </a:r>
             <a:r>
               <a:rPr lang="en-US" dirty="0"/>
-              <a:t>pdf</a:t>
+              <a:t>pdf </a:t>
             </a:r>
             <a:r>
               <a:rPr lang="ru-RU" dirty="0"/>
-              <a:t> файлов?</a:t>
+              <a:t>файла</a:t>
             </a:r>
             <a:endParaRPr lang="en-DE" dirty="0"/>
           </a:p>
@@ -4208,7 +4318,7 @@
         </p:nvSpPr>
         <p:spPr>
           <a:xfrm>
-            <a:off x="838200" y="1825625"/>
+            <a:off x="635731" y="2024802"/>
             <a:ext cx="5837808" cy="4351338"/>
           </a:xfrm>
         </p:spPr>
@@ -4231,6 +4341,10 @@
             <a:r>
               <a:rPr lang="en-US" dirty="0"/>
               <a:t>fpdf2</a:t>
+            </a:r>
+            <a:r>
+              <a:rPr lang="ru-RU" dirty="0"/>
+              <a:t>. Данная библиотека имеет понятную документацию с примерами на русском языке, что позволило с легкостью войти в суть дела.</a:t>
             </a:r>
             <a:endParaRPr lang="en-DE" dirty="0"/>
           </a:p>
@@ -4265,7 +4379,7 @@
         </p:blipFill>
         <p:spPr bwMode="auto">
           <a:xfrm>
-            <a:off x="7594292" y="1825625"/>
+            <a:off x="7431330" y="2024802"/>
             <a:ext cx="3759508" cy="3759508"/>
           </a:xfrm>
           <a:prstGeom prst="rect">
@@ -4296,6 +4410,131 @@
 </p:sld>
 </file>
 
+<file path=ppt/slides/slide5.xml><?xml version="1.0" encoding="utf-8"?>
+<p:sld xmlns:a="http://schemas.openxmlformats.org/drawingml/2006/main" xmlns:r="http://schemas.openxmlformats.org/officeDocument/2006/relationships" xmlns:p="http://schemas.openxmlformats.org/presentationml/2006/main">
+  <p:cSld>
+    <p:spTree>
+      <p:nvGrpSpPr>
+        <p:cNvPr id="1" name=""/>
+        <p:cNvGrpSpPr/>
+        <p:nvPr/>
+      </p:nvGrpSpPr>
+      <p:grpSpPr>
+        <a:xfrm>
+          <a:off x="0" y="0"/>
+          <a:ext cx="0" cy="0"/>
+          <a:chOff x="0" y="0"/>
+          <a:chExt cx="0" cy="0"/>
+        </a:xfrm>
+      </p:grpSpPr>
+      <p:sp>
+        <p:nvSpPr>
+          <p:cNvPr id="2" name="Заголовок 1">
+            <a:extLst>
+              <a:ext uri="{FF2B5EF4-FFF2-40B4-BE49-F238E27FC236}">
+                <a16:creationId xmlns:a16="http://schemas.microsoft.com/office/drawing/2014/main" id="{E217D976-D910-4A42-A73E-7BD33B365E7E}"/>
+              </a:ext>
+            </a:extLst>
+          </p:cNvPr>
+          <p:cNvSpPr>
+            <a:spLocks noGrp="1"/>
+          </p:cNvSpPr>
+          <p:nvPr>
+            <p:ph type="title"/>
+          </p:nvPr>
+        </p:nvSpPr>
+        <p:spPr/>
+        <p:txBody>
+          <a:bodyPr/>
+          <a:lstStyle/>
+          <a:p>
+            <a:r>
+              <a:rPr lang="ru-RU" dirty="0"/>
+              <a:t>Редактирование вопросов для ученика</a:t>
+            </a:r>
+            <a:endParaRPr lang="en-DE" dirty="0"/>
+          </a:p>
+        </p:txBody>
+      </p:sp>
+      <p:sp>
+        <p:nvSpPr>
+          <p:cNvPr id="6" name="TextBox 5">
+            <a:extLst>
+              <a:ext uri="{FF2B5EF4-FFF2-40B4-BE49-F238E27FC236}">
+                <a16:creationId xmlns:a16="http://schemas.microsoft.com/office/drawing/2014/main" id="{8F1C6F79-CE91-4069-ADA0-C8C583964AF2}"/>
+              </a:ext>
+            </a:extLst>
+          </p:cNvPr>
+          <p:cNvSpPr txBox="1"/>
+          <p:nvPr/>
+        </p:nvSpPr>
+        <p:spPr>
+          <a:xfrm>
+            <a:off x="4688111" y="2107148"/>
+            <a:ext cx="5352181" cy="1200329"/>
+          </a:xfrm>
+          <a:prstGeom prst="rect">
+            <a:avLst/>
+          </a:prstGeom>
+          <a:noFill/>
+        </p:spPr>
+        <p:txBody>
+          <a:bodyPr wrap="square" rtlCol="0">
+            <a:spAutoFit/>
+          </a:bodyPr>
+          <a:lstStyle/>
+          <a:p>
+            <a:r>
+              <a:rPr lang="ru-RU" dirty="0"/>
+              <a:t>Пользователь может отредактировать пул вопросов, которые хочет задать ученикам. Меняя тем самым кол-во вопросов на самом варианте, а так же на ответы к нему</a:t>
+            </a:r>
+            <a:endParaRPr lang="en-DE" dirty="0"/>
+          </a:p>
+        </p:txBody>
+      </p:sp>
+      <p:pic>
+        <p:nvPicPr>
+          <p:cNvPr id="9" name="Рисунок 8">
+            <a:extLst>
+              <a:ext uri="{FF2B5EF4-FFF2-40B4-BE49-F238E27FC236}">
+                <a16:creationId xmlns:a16="http://schemas.microsoft.com/office/drawing/2014/main" id="{278B9317-1CE5-4D77-ADB4-41B508621D5C}"/>
+              </a:ext>
+            </a:extLst>
+          </p:cNvPr>
+          <p:cNvPicPr>
+            <a:picLocks noChangeAspect="1"/>
+          </p:cNvPicPr>
+          <p:nvPr/>
+        </p:nvPicPr>
+        <p:blipFill>
+          <a:blip r:embed="rId2"/>
+          <a:stretch>
+            <a:fillRect/>
+          </a:stretch>
+        </p:blipFill>
+        <p:spPr>
+          <a:xfrm>
+            <a:off x="1261871" y="2037030"/>
+            <a:ext cx="2214659" cy="4700848"/>
+          </a:xfrm>
+          <a:prstGeom prst="rect">
+            <a:avLst/>
+          </a:prstGeom>
+        </p:spPr>
+      </p:pic>
+    </p:spTree>
+    <p:extLst>
+      <p:ext uri="{BB962C8B-B14F-4D97-AF65-F5344CB8AC3E}">
+        <p14:creationId xmlns:p14="http://schemas.microsoft.com/office/powerpoint/2010/main" val="513393115"/>
+      </p:ext>
+    </p:extLst>
+  </p:cSld>
+  <p:clrMapOvr>
+    <a:masterClrMapping/>
+  </p:clrMapOvr>
+</p:sld>
+</file>
+
 <file path=ppt/slides/slide6.xml><?xml version="1.0" encoding="utf-8"?>
 <p:sld xmlns:a="http://schemas.openxmlformats.org/drawingml/2006/main" xmlns:r="http://schemas.openxmlformats.org/officeDocument/2006/relationships" xmlns:p="http://schemas.openxmlformats.org/presentationml/2006/main">
   <p:cSld>
@@ -4318,7 +4557,7 @@
           <p:cNvPr id="2" name="Заголовок 1">
             <a:extLst>
               <a:ext uri="{FF2B5EF4-FFF2-40B4-BE49-F238E27FC236}">
-                <a16:creationId xmlns:a16="http://schemas.microsoft.com/office/drawing/2014/main" id="{E217D976-D910-4A42-A73E-7BD33B365E7E}"/>
+                <a16:creationId xmlns:a16="http://schemas.microsoft.com/office/drawing/2014/main" id="{154F0316-C45A-4FEC-96A9-735FF611CC9F}"/>
               </a:ext>
             </a:extLst>
           </p:cNvPr>
@@ -4336,7 +4575,7 @@
           <a:p>
             <a:r>
               <a:rPr lang="ru-RU" dirty="0"/>
-              <a:t>Редактирование вопросов для ученика</a:t>
+              <a:t>Добавление собственного класса</a:t>
             </a:r>
             <a:endParaRPr lang="en-DE" dirty="0"/>
           </a:p>
@@ -4344,19 +4583,17 @@
       </p:sp>
       <p:pic>
         <p:nvPicPr>
-          <p:cNvPr id="5" name="Объект 4">
+          <p:cNvPr id="14" name="Рисунок 13">
             <a:extLst>
               <a:ext uri="{FF2B5EF4-FFF2-40B4-BE49-F238E27FC236}">
-                <a16:creationId xmlns:a16="http://schemas.microsoft.com/office/drawing/2014/main" id="{084EEDAE-BA6E-4CE8-AA88-FAC8BF62E3A6}"/>
+                <a16:creationId xmlns:a16="http://schemas.microsoft.com/office/drawing/2014/main" id="{BBC006AB-7DC1-4721-A048-363AFDD30BCA}"/>
               </a:ext>
             </a:extLst>
           </p:cNvPr>
           <p:cNvPicPr>
-            <a:picLocks noGrp="1" noChangeAspect="1"/>
+            <a:picLocks noChangeAspect="1"/>
           </p:cNvPicPr>
-          <p:nvPr>
-            <p:ph idx="1"/>
-          </p:nvPr>
+          <p:nvPr/>
         </p:nvPicPr>
         <p:blipFill>
           <a:blip r:embed="rId2"/>
@@ -4366,17 +4603,20 @@
         </p:blipFill>
         <p:spPr>
           <a:xfrm>
-            <a:off x="995364" y="1578249"/>
-            <a:ext cx="2619741" cy="2591162"/>
+            <a:off x="601338" y="2268423"/>
+            <a:ext cx="3762900" cy="3105583"/>
           </a:xfrm>
+          <a:prstGeom prst="rect">
+            <a:avLst/>
+          </a:prstGeom>
         </p:spPr>
       </p:pic>
       <p:sp>
         <p:nvSpPr>
-          <p:cNvPr id="6" name="TextBox 5">
+          <p:cNvPr id="15" name="TextBox 14">
             <a:extLst>
               <a:ext uri="{FF2B5EF4-FFF2-40B4-BE49-F238E27FC236}">
-                <a16:creationId xmlns:a16="http://schemas.microsoft.com/office/drawing/2014/main" id="{8F1C6F79-CE91-4069-ADA0-C8C583964AF2}"/>
+                <a16:creationId xmlns:a16="http://schemas.microsoft.com/office/drawing/2014/main" id="{9E66862E-1A30-4D6B-9AFA-7FC8F00031D6}"/>
               </a:ext>
             </a:extLst>
           </p:cNvPr>
@@ -4385,8 +4625,8 @@
         </p:nvSpPr>
         <p:spPr>
           <a:xfrm>
-            <a:off x="5566299" y="1690688"/>
-            <a:ext cx="4208016" cy="646331"/>
+            <a:off x="5128952" y="2268423"/>
+            <a:ext cx="5397623" cy="2031325"/>
           </a:xfrm>
           <a:prstGeom prst="rect">
             <a:avLst/>
@@ -4401,7 +4641,23 @@
           <a:p>
             <a:r>
               <a:rPr lang="ru-RU" dirty="0"/>
-              <a:t>Выбор вопросов, которые будут задаваться ученику этого варианта.</a:t>
+              <a:t>Чтобы создать класс, пользователю необходимо для начала создать </a:t>
+            </a:r>
+            <a:r>
+              <a:rPr lang="en-US" dirty="0"/>
+              <a:t>txt</a:t>
+            </a:r>
+            <a:r>
+              <a:rPr lang="ru-RU" dirty="0"/>
+              <a:t> файл, в котором на каждой отдельной строке будет именная информация ученика, которому должен будет быть составлен вариант. После написать название класса в спец. поле и выбрать</a:t>
+            </a:r>
+            <a:r>
+              <a:rPr lang="en-US" dirty="0"/>
+              <a:t> txt </a:t>
+            </a:r>
+            <a:r>
+              <a:rPr lang="ru-RU" dirty="0"/>
+              <a:t>файл.</a:t>
             </a:r>
             <a:endParaRPr lang="en-DE" dirty="0"/>
           </a:p>
@@ -4409,10 +4665,10 @@
       </p:sp>
       <p:sp>
         <p:nvSpPr>
-          <p:cNvPr id="7" name="TextBox 6">
+          <p:cNvPr id="16" name="TextBox 15">
             <a:extLst>
               <a:ext uri="{FF2B5EF4-FFF2-40B4-BE49-F238E27FC236}">
-                <a16:creationId xmlns:a16="http://schemas.microsoft.com/office/drawing/2014/main" id="{4C17CE63-4CAC-4493-909F-CC29162334BD}"/>
+                <a16:creationId xmlns:a16="http://schemas.microsoft.com/office/drawing/2014/main" id="{AFC90806-1E99-4A22-8C0C-8DC6711858CE}"/>
               </a:ext>
             </a:extLst>
           </p:cNvPr>
@@ -4421,8 +4677,8 @@
         </p:nvSpPr>
         <p:spPr>
           <a:xfrm>
-            <a:off x="5566299" y="2606884"/>
-            <a:ext cx="3142695" cy="646331"/>
+            <a:off x="5128952" y="4607511"/>
+            <a:ext cx="5306505" cy="923330"/>
           </a:xfrm>
           <a:prstGeom prst="rect">
             <a:avLst/>
@@ -4437,7 +4693,7 @@
           <a:p>
             <a:r>
               <a:rPr lang="ru-RU" dirty="0"/>
-              <a:t>Редактирование вопросов для ученика</a:t>
+              <a:t>Для удаление ненужного класса необходимо ввести его имя и в спец. Поле и нажать кнопку.</a:t>
             </a:r>
             <a:endParaRPr lang="en-DE" dirty="0"/>
           </a:p>
@@ -4446,7 +4702,7 @@
     </p:spTree>
     <p:extLst>
       <p:ext uri="{BB962C8B-B14F-4D97-AF65-F5344CB8AC3E}">
-        <p14:creationId xmlns:p14="http://schemas.microsoft.com/office/powerpoint/2010/main" val="513393115"/>
+        <p14:creationId xmlns:p14="http://schemas.microsoft.com/office/powerpoint/2010/main" val="3649374422"/>
       </p:ext>
     </p:extLst>
   </p:cSld>
@@ -4478,7 +4734,7 @@
           <p:cNvPr id="2" name="Заголовок 1">
             <a:extLst>
               <a:ext uri="{FF2B5EF4-FFF2-40B4-BE49-F238E27FC236}">
-                <a16:creationId xmlns:a16="http://schemas.microsoft.com/office/drawing/2014/main" id="{154F0316-C45A-4FEC-96A9-735FF611CC9F}"/>
+                <a16:creationId xmlns:a16="http://schemas.microsoft.com/office/drawing/2014/main" id="{2D5AA77B-BADB-4045-80F6-059D6D456B4B}"/>
               </a:ext>
             </a:extLst>
           </p:cNvPr>
@@ -4496,7 +4752,7 @@
           <a:p>
             <a:r>
               <a:rPr lang="ru-RU" dirty="0"/>
-              <a:t>Добавление собственного класса</a:t>
+              <a:t>Создание варианта</a:t>
             </a:r>
             <a:endParaRPr lang="en-DE" dirty="0"/>
           </a:p>
@@ -4507,7 +4763,7 @@
           <p:cNvPr id="5" name="Объект 4">
             <a:extLst>
               <a:ext uri="{FF2B5EF4-FFF2-40B4-BE49-F238E27FC236}">
-                <a16:creationId xmlns:a16="http://schemas.microsoft.com/office/drawing/2014/main" id="{ACC2082B-F017-400E-8843-69099C87E23D}"/>
+                <a16:creationId xmlns:a16="http://schemas.microsoft.com/office/drawing/2014/main" id="{C399B286-C02A-4637-9346-1BE03F9A5826}"/>
               </a:ext>
             </a:extLst>
           </p:cNvPr>
@@ -4526,17 +4782,17 @@
         </p:blipFill>
         <p:spPr>
           <a:xfrm>
-            <a:off x="838200" y="2086427"/>
-            <a:ext cx="3848637" cy="2267266"/>
+            <a:off x="543768" y="2439991"/>
+            <a:ext cx="4686954" cy="628738"/>
           </a:xfrm>
         </p:spPr>
       </p:pic>
       <p:sp>
         <p:nvSpPr>
-          <p:cNvPr id="7" name="TextBox 6">
+          <p:cNvPr id="6" name="TextBox 5">
             <a:extLst>
               <a:ext uri="{FF2B5EF4-FFF2-40B4-BE49-F238E27FC236}">
-                <a16:creationId xmlns:a16="http://schemas.microsoft.com/office/drawing/2014/main" id="{75F6DD8C-2AB1-4E56-A631-EDAA1059BE4B}"/>
+                <a16:creationId xmlns:a16="http://schemas.microsoft.com/office/drawing/2014/main" id="{CB2CF59F-4DEA-479E-959D-FC72E56651B1}"/>
               </a:ext>
             </a:extLst>
           </p:cNvPr>
@@ -4545,8 +4801,8 @@
         </p:nvSpPr>
         <p:spPr>
           <a:xfrm>
-            <a:off x="6096000" y="2246049"/>
-            <a:ext cx="4864963" cy="646331"/>
+            <a:off x="5868140" y="2068497"/>
+            <a:ext cx="3986074" cy="1200329"/>
           </a:xfrm>
           <a:prstGeom prst="rect">
             <a:avLst/>
@@ -4561,7 +4817,11 @@
           <a:p>
             <a:r>
               <a:rPr lang="ru-RU" dirty="0"/>
-              <a:t>Создать текстовый файлик с именами и фамилиями учеников в столбик</a:t>
+              <a:t>Пользователь может создать варианты с названиями из цифр. Кол-во таких вариантов может быть в промежутке </a:t>
+            </a:r>
+            <a:r>
+              <a:rPr lang="en-US" dirty="0"/>
+              <a:t>(0; 99]</a:t>
             </a:r>
             <a:endParaRPr lang="en-DE" dirty="0"/>
           </a:p>
@@ -4569,10 +4829,10 @@
       </p:sp>
       <p:sp>
         <p:nvSpPr>
-          <p:cNvPr id="8" name="TextBox 7">
+          <p:cNvPr id="7" name="TextBox 6">
             <a:extLst>
               <a:ext uri="{FF2B5EF4-FFF2-40B4-BE49-F238E27FC236}">
-                <a16:creationId xmlns:a16="http://schemas.microsoft.com/office/drawing/2014/main" id="{9FD36CA3-2A55-4165-B081-FAA99FB456FF}"/>
+                <a16:creationId xmlns:a16="http://schemas.microsoft.com/office/drawing/2014/main" id="{C9865EFB-B44A-4DAF-8D44-DE9E079C24EF}"/>
               </a:ext>
             </a:extLst>
           </p:cNvPr>
@@ -4581,8 +4841,8 @@
         </p:nvSpPr>
         <p:spPr>
           <a:xfrm>
-            <a:off x="6098960" y="3244334"/>
-            <a:ext cx="4660776" cy="369332"/>
+            <a:off x="5868140" y="3817399"/>
+            <a:ext cx="3758214" cy="1477328"/>
           </a:xfrm>
           <a:prstGeom prst="rect">
             <a:avLst/>
@@ -4597,52 +4857,46 @@
           <a:p>
             <a:r>
               <a:rPr lang="ru-RU" dirty="0"/>
-              <a:t>Назвать класс</a:t>
+              <a:t>Если пользователь выберет создание вариантов для каждого ученика, то кол-во таких вариантов будет равно кол-ву учеников в классе.</a:t>
             </a:r>
             <a:endParaRPr lang="en-DE" dirty="0"/>
           </a:p>
         </p:txBody>
       </p:sp>
-      <p:sp>
-        <p:nvSpPr>
-          <p:cNvPr id="9" name="TextBox 8">
+      <p:pic>
+        <p:nvPicPr>
+          <p:cNvPr id="9" name="Рисунок 8">
             <a:extLst>
               <a:ext uri="{FF2B5EF4-FFF2-40B4-BE49-F238E27FC236}">
-                <a16:creationId xmlns:a16="http://schemas.microsoft.com/office/drawing/2014/main" id="{70D94842-607C-4840-AF4F-FBD90AC1ACBA}"/>
+                <a16:creationId xmlns:a16="http://schemas.microsoft.com/office/drawing/2014/main" id="{FB4886A6-DCF0-49D5-B584-1DB01CF3E79E}"/>
               </a:ext>
             </a:extLst>
           </p:cNvPr>
-          <p:cNvSpPr txBox="1"/>
+          <p:cNvPicPr>
+            <a:picLocks noChangeAspect="1"/>
+          </p:cNvPicPr>
           <p:nvPr/>
-        </p:nvSpPr>
+        </p:nvPicPr>
+        <p:blipFill>
+          <a:blip r:embed="rId3"/>
+          <a:stretch>
+            <a:fillRect/>
+          </a:stretch>
+        </p:blipFill>
         <p:spPr>
           <a:xfrm>
-            <a:off x="6096000" y="4169027"/>
-            <a:ext cx="4237608" cy="369332"/>
+            <a:off x="543768" y="4360773"/>
+            <a:ext cx="4572638" cy="390580"/>
           </a:xfrm>
           <a:prstGeom prst="rect">
             <a:avLst/>
           </a:prstGeom>
-          <a:noFill/>
         </p:spPr>
-        <p:txBody>
-          <a:bodyPr wrap="square" rtlCol="0">
-            <a:spAutoFit/>
-          </a:bodyPr>
-          <a:lstStyle/>
-          <a:p>
-            <a:r>
-              <a:rPr lang="ru-RU" dirty="0"/>
-              <a:t>Добавить класс в базу данных</a:t>
-            </a:r>
-            <a:endParaRPr lang="en-DE" dirty="0"/>
-          </a:p>
-        </p:txBody>
-      </p:sp>
+      </p:pic>
     </p:spTree>
     <p:extLst>
       <p:ext uri="{BB962C8B-B14F-4D97-AF65-F5344CB8AC3E}">
-        <p14:creationId xmlns:p14="http://schemas.microsoft.com/office/powerpoint/2010/main" val="3649374422"/>
+        <p14:creationId xmlns:p14="http://schemas.microsoft.com/office/powerpoint/2010/main" val="2868499419"/>
       </p:ext>
     </p:extLst>
   </p:cSld>
@@ -4653,6 +4907,144 @@
 </file>
 
 <file path=ppt/slides/slide8.xml><?xml version="1.0" encoding="utf-8"?>
+<p:sld xmlns:a="http://schemas.openxmlformats.org/drawingml/2006/main" xmlns:r="http://schemas.openxmlformats.org/officeDocument/2006/relationships" xmlns:p="http://schemas.openxmlformats.org/presentationml/2006/main">
+  <p:cSld>
+    <p:spTree>
+      <p:nvGrpSpPr>
+        <p:cNvPr id="1" name=""/>
+        <p:cNvGrpSpPr/>
+        <p:nvPr/>
+      </p:nvGrpSpPr>
+      <p:grpSpPr>
+        <a:xfrm>
+          <a:off x="0" y="0"/>
+          <a:ext cx="0" cy="0"/>
+          <a:chOff x="0" y="0"/>
+          <a:chExt cx="0" cy="0"/>
+        </a:xfrm>
+      </p:grpSpPr>
+      <p:sp>
+        <p:nvSpPr>
+          <p:cNvPr id="2" name="Заголовок 1">
+            <a:extLst>
+              <a:ext uri="{FF2B5EF4-FFF2-40B4-BE49-F238E27FC236}">
+                <a16:creationId xmlns:a16="http://schemas.microsoft.com/office/drawing/2014/main" id="{6FC51019-08E1-4CE0-8F0D-E55A9CF9E68A}"/>
+              </a:ext>
+            </a:extLst>
+          </p:cNvPr>
+          <p:cNvSpPr>
+            <a:spLocks noGrp="1"/>
+          </p:cNvSpPr>
+          <p:nvPr>
+            <p:ph type="title"/>
+          </p:nvPr>
+        </p:nvSpPr>
+        <p:spPr/>
+        <p:txBody>
+          <a:bodyPr/>
+          <a:lstStyle/>
+          <a:p>
+            <a:r>
+              <a:rPr lang="ru-RU" dirty="0"/>
+              <a:t>Итог</a:t>
+            </a:r>
+            <a:endParaRPr lang="en-DE" dirty="0"/>
+          </a:p>
+        </p:txBody>
+      </p:sp>
+      <p:sp>
+        <p:nvSpPr>
+          <p:cNvPr id="3" name="Объект 2">
+            <a:extLst>
+              <a:ext uri="{FF2B5EF4-FFF2-40B4-BE49-F238E27FC236}">
+                <a16:creationId xmlns:a16="http://schemas.microsoft.com/office/drawing/2014/main" id="{307835BB-8DBC-4BD1-8A41-466F22271403}"/>
+              </a:ext>
+            </a:extLst>
+          </p:cNvPr>
+          <p:cNvSpPr>
+            <a:spLocks noGrp="1"/>
+          </p:cNvSpPr>
+          <p:nvPr>
+            <p:ph idx="1"/>
+          </p:nvPr>
+        </p:nvSpPr>
+        <p:spPr>
+          <a:xfrm>
+            <a:off x="6095999" y="1819922"/>
+            <a:ext cx="4202097" cy="4767309"/>
+          </a:xfrm>
+        </p:spPr>
+        <p:txBody>
+          <a:bodyPr/>
+          <a:lstStyle/>
+          <a:p>
+            <a:r>
+              <a:rPr lang="ru-RU" dirty="0"/>
+              <a:t>После нажатия кнопки </a:t>
+            </a:r>
+            <a:r>
+              <a:rPr lang="en-US" dirty="0"/>
+              <a:t>,,</a:t>
+            </a:r>
+            <a:r>
+              <a:rPr lang="ru-RU" dirty="0"/>
+              <a:t>Создать</a:t>
+            </a:r>
+            <a:r>
+              <a:rPr lang="en-US" dirty="0"/>
+              <a:t>’’</a:t>
+            </a:r>
+            <a:r>
+              <a:rPr lang="ru-RU" dirty="0"/>
+              <a:t> в папке программы создается файл. Который можно в дальнейшем распечатать и раздать ученикам.</a:t>
+            </a:r>
+          </a:p>
+        </p:txBody>
+      </p:sp>
+      <p:pic>
+        <p:nvPicPr>
+          <p:cNvPr id="7" name="Рисунок 6">
+            <a:extLst>
+              <a:ext uri="{FF2B5EF4-FFF2-40B4-BE49-F238E27FC236}">
+                <a16:creationId xmlns:a16="http://schemas.microsoft.com/office/drawing/2014/main" id="{06B1CB52-AA56-4526-B67F-4162BECFEE99}"/>
+              </a:ext>
+            </a:extLst>
+          </p:cNvPr>
+          <p:cNvPicPr>
+            <a:picLocks noChangeAspect="1"/>
+          </p:cNvPicPr>
+          <p:nvPr/>
+        </p:nvPicPr>
+        <p:blipFill>
+          <a:blip r:embed="rId2"/>
+          <a:stretch>
+            <a:fillRect/>
+          </a:stretch>
+        </p:blipFill>
+        <p:spPr>
+          <a:xfrm>
+            <a:off x="1004420" y="1691322"/>
+            <a:ext cx="4107942" cy="4682845"/>
+          </a:xfrm>
+          <a:prstGeom prst="rect">
+            <a:avLst/>
+          </a:prstGeom>
+        </p:spPr>
+      </p:pic>
+    </p:spTree>
+    <p:extLst>
+      <p:ext uri="{BB962C8B-B14F-4D97-AF65-F5344CB8AC3E}">
+        <p14:creationId xmlns:p14="http://schemas.microsoft.com/office/powerpoint/2010/main" val="477063277"/>
+      </p:ext>
+    </p:extLst>
+  </p:cSld>
+  <p:clrMapOvr>
+    <a:masterClrMapping/>
+  </p:clrMapOvr>
+</p:sld>
+</file>
+
+<file path=ppt/slides/slide9.xml><?xml version="1.0" encoding="utf-8"?>
 <p:sld xmlns:a="http://schemas.openxmlformats.org/drawingml/2006/main" xmlns:r="http://schemas.openxmlformats.org/officeDocument/2006/relationships" xmlns:p="http://schemas.openxmlformats.org/presentationml/2006/main">
   <p:cSld>
     <p:spTree>
@@ -4780,110 +5172,58 @@
 </file>
 
 <file path=ppt/theme/theme1.xml><?xml version="1.0" encoding="utf-8"?>
-<a:theme xmlns:a="http://schemas.openxmlformats.org/drawingml/2006/main" name="Тема Office">
+<a:theme xmlns:a="http://schemas.openxmlformats.org/drawingml/2006/main" name="Вид">
   <a:themeElements>
-    <a:clrScheme name="Стандартная">
+    <a:clrScheme name="Вид">
       <a:dk1>
-        <a:sysClr val="windowText" lastClr="000000"/>
+        <a:srgbClr val="000000"/>
       </a:dk1>
       <a:lt1>
-        <a:sysClr val="window" lastClr="FFFFFF"/>
+        <a:srgbClr val="FFFFFF"/>
       </a:lt1>
       <a:dk2>
-        <a:srgbClr val="44546A"/>
+        <a:srgbClr val="46464A"/>
       </a:dk2>
       <a:lt2>
-        <a:srgbClr val="E7E6E6"/>
+        <a:srgbClr val="D6D3CC"/>
       </a:lt2>
       <a:accent1>
-        <a:srgbClr val="4472C4"/>
+        <a:srgbClr val="6F6F74"/>
       </a:accent1>
       <a:accent2>
-        <a:srgbClr val="ED7D31"/>
+        <a:srgbClr val="92A9B9"/>
       </a:accent2>
       <a:accent3>
-        <a:srgbClr val="A5A5A5"/>
+        <a:srgbClr val="A7B789"/>
       </a:accent3>
       <a:accent4>
-        <a:srgbClr val="FFC000"/>
+        <a:srgbClr val="B9A489"/>
       </a:accent4>
       <a:accent5>
-        <a:srgbClr val="5B9BD5"/>
+        <a:srgbClr val="8D6374"/>
       </a:accent5>
       <a:accent6>
-        <a:srgbClr val="70AD47"/>
+        <a:srgbClr val="9B7362"/>
       </a:accent6>
       <a:hlink>
-        <a:srgbClr val="0563C1"/>
+        <a:srgbClr val="67AABF"/>
       </a:hlink>
       <a:folHlink>
-        <a:srgbClr val="954F72"/>
+        <a:srgbClr val="ABAFA5"/>
       </a:folHlink>
     </a:clrScheme>
-    <a:fontScheme name="Стандартная">
+    <a:fontScheme name="Вид">
       <a:majorFont>
-        <a:latin typeface="Calibri Light" panose="020F0302020204030204"/>
+        <a:latin typeface="Century Schoolbook" panose="02040604050505020304"/>
         <a:ea typeface=""/>
         <a:cs typeface=""/>
-        <a:font script="Jpan" typeface="游ゴシック Light"/>
+        <a:font script="Jpan" typeface="ＭＳ ゴシック"/>
         <a:font script="Hang" typeface="맑은 고딕"/>
-        <a:font script="Hans" typeface="等线 Light"/>
+        <a:font script="Hans" typeface="宋体"/>
         <a:font script="Hant" typeface="新細明體"/>
-        <a:font script="Arab" typeface="Times New Roman"/>
-        <a:font script="Hebr" typeface="Times New Roman"/>
-        <a:font script="Thai" typeface="Angsana New"/>
-        <a:font script="Ethi" typeface="Nyala"/>
-        <a:font script="Beng" typeface="Vrinda"/>
-        <a:font script="Gujr" typeface="Shruti"/>
-        <a:font script="Khmr" typeface="MoolBoran"/>
-        <a:font script="Knda" typeface="Tunga"/>
-        <a:font script="Guru" typeface="Raavi"/>
-        <a:font script="Cans" typeface="Euphemia"/>
-        <a:font script="Cher" typeface="Plantagenet Cherokee"/>
-        <a:font script="Yiii" typeface="Microsoft Yi Baiti"/>
-        <a:font script="Tibt" typeface="Microsoft Himalaya"/>
-        <a:font script="Thaa" typeface="MV Boli"/>
-        <a:font script="Deva" typeface="Mangal"/>
-        <a:font script="Telu" typeface="Gautami"/>
-        <a:font script="Taml" typeface="Latha"/>
-        <a:font script="Syrc" typeface="Estrangelo Edessa"/>
-        <a:font script="Orya" typeface="Kalinga"/>
-        <a:font script="Mlym" typeface="Kartika"/>
-        <a:font script="Laoo" typeface="DokChampa"/>
-        <a:font script="Sinh" typeface="Iskoola Pota"/>
-        <a:font script="Mong" typeface="Mongolian Baiti"/>
-        <a:font script="Viet" typeface="Times New Roman"/>
-        <a:font script="Uigh" typeface="Microsoft Uighur"/>
-        <a:font script="Geor" typeface="Sylfaen"/>
-        <a:font script="Armn" typeface="Arial"/>
-        <a:font script="Bugi" typeface="Leelawadee UI"/>
-        <a:font script="Bopo" typeface="Microsoft JhengHei"/>
-        <a:font script="Java" typeface="Javanese Text"/>
-        <a:font script="Lisu" typeface="Segoe UI"/>
-        <a:font script="Mymr" typeface="Myanmar Text"/>
-        <a:font script="Nkoo" typeface="Ebrima"/>
-        <a:font script="Olck" typeface="Nirmala UI"/>
-        <a:font script="Osma" typeface="Ebrima"/>
-        <a:font script="Phag" typeface="Phagspa"/>
-        <a:font script="Syrn" typeface="Estrangelo Edessa"/>
-        <a:font script="Syrj" typeface="Estrangelo Edessa"/>
-        <a:font script="Syre" typeface="Estrangelo Edessa"/>
-        <a:font script="Sora" typeface="Nirmala UI"/>
-        <a:font script="Tale" typeface="Microsoft Tai Le"/>
-        <a:font script="Talu" typeface="Microsoft New Tai Lue"/>
-        <a:font script="Tfng" typeface="Ebrima"/>
-      </a:majorFont>
-      <a:minorFont>
-        <a:latin typeface="Calibri" panose="020F0502020204030204"/>
-        <a:ea typeface=""/>
-        <a:cs typeface=""/>
-        <a:font script="Jpan" typeface="游ゴシック"/>
-        <a:font script="Hang" typeface="맑은 고딕"/>
-        <a:font script="Hans" typeface="等线"/>
-        <a:font script="Hant" typeface="新細明體"/>
-        <a:font script="Arab" typeface="Arial"/>
-        <a:font script="Hebr" typeface="Arial"/>
-        <a:font script="Thai" typeface="Cordia New"/>
+        <a:font script="Arab" typeface="Tahoma"/>
+        <a:font script="Hebr" typeface="Gisha"/>
+        <a:font script="Thai" typeface="DilleniaUPC"/>
         <a:font script="Ethi" typeface="Nyala"/>
         <a:font script="Beng" typeface="Vrinda"/>
         <a:font script="Gujr" typeface="Shruti"/>
@@ -4904,107 +5244,86 @@
         <a:font script="Laoo" typeface="DokChampa"/>
         <a:font script="Sinh" typeface="Iskoola Pota"/>
         <a:font script="Mong" typeface="Mongolian Baiti"/>
-        <a:font script="Viet" typeface="Arial"/>
+        <a:font script="Viet" typeface="Tahoma"/>
         <a:font script="Uigh" typeface="Microsoft Uighur"/>
         <a:font script="Geor" typeface="Sylfaen"/>
-        <a:font script="Armn" typeface="Arial"/>
-        <a:font script="Bugi" typeface="Leelawadee UI"/>
-        <a:font script="Bopo" typeface="Microsoft JhengHei"/>
-        <a:font script="Java" typeface="Javanese Text"/>
-        <a:font script="Lisu" typeface="Segoe UI"/>
-        <a:font script="Mymr" typeface="Myanmar Text"/>
-        <a:font script="Nkoo" typeface="Ebrima"/>
-        <a:font script="Olck" typeface="Nirmala UI"/>
-        <a:font script="Osma" typeface="Ebrima"/>
-        <a:font script="Phag" typeface="Phagspa"/>
-        <a:font script="Syrn" typeface="Estrangelo Edessa"/>
-        <a:font script="Syrj" typeface="Estrangelo Edessa"/>
-        <a:font script="Syre" typeface="Estrangelo Edessa"/>
-        <a:font script="Sora" typeface="Nirmala UI"/>
-        <a:font script="Tale" typeface="Microsoft Tai Le"/>
-        <a:font script="Talu" typeface="Microsoft New Tai Lue"/>
-        <a:font script="Tfng" typeface="Ebrima"/>
+      </a:majorFont>
+      <a:minorFont>
+        <a:latin typeface="Century Schoolbook" panose="02040604050505020304"/>
+        <a:ea typeface=""/>
+        <a:cs typeface=""/>
+        <a:font script="Jpan" typeface="ＭＳ ゴシック"/>
+        <a:font script="Hang" typeface="맑은 고딕"/>
+        <a:font script="Hans" typeface="宋体"/>
+        <a:font script="Hant" typeface="新細明體"/>
+        <a:font script="Arab" typeface="Tahoma"/>
+        <a:font script="Hebr" typeface="Gisha"/>
+        <a:font script="Thai" typeface="DilleniaUPC"/>
+        <a:font script="Ethi" typeface="Nyala"/>
+        <a:font script="Beng" typeface="Vrinda"/>
+        <a:font script="Gujr" typeface="Shruti"/>
+        <a:font script="Khmr" typeface="DaunPenh"/>
+        <a:font script="Knda" typeface="Tunga"/>
+        <a:font script="Guru" typeface="Raavi"/>
+        <a:font script="Cans" typeface="Euphemia"/>
+        <a:font script="Cher" typeface="Plantagenet Cherokee"/>
+        <a:font script="Yiii" typeface="Microsoft Yi Baiti"/>
+        <a:font script="Tibt" typeface="Microsoft Himalaya"/>
+        <a:font script="Thaa" typeface="MV Boli"/>
+        <a:font script="Deva" typeface="Mangal"/>
+        <a:font script="Telu" typeface="Gautami"/>
+        <a:font script="Taml" typeface="Latha"/>
+        <a:font script="Syrc" typeface="Estrangelo Edessa"/>
+        <a:font script="Orya" typeface="Kalinga"/>
+        <a:font script="Mlym" typeface="Kartika"/>
+        <a:font script="Laoo" typeface="DokChampa"/>
+        <a:font script="Sinh" typeface="Iskoola Pota"/>
+        <a:font script="Mong" typeface="Mongolian Baiti"/>
+        <a:font script="Viet" typeface="Verdana"/>
+        <a:font script="Uigh" typeface="Microsoft Uighur"/>
+        <a:font script="Geor" typeface="Sylfaen"/>
       </a:minorFont>
     </a:fontScheme>
-    <a:fmtScheme name="Стандартная">
+    <a:fmtScheme name="Вид">
       <a:fillStyleLst>
         <a:solidFill>
           <a:schemeClr val="phClr"/>
         </a:solidFill>
-        <a:gradFill rotWithShape="1">
-          <a:gsLst>
-            <a:gs pos="0">
-              <a:schemeClr val="phClr">
-                <a:lumMod val="110000"/>
-                <a:satMod val="105000"/>
-                <a:tint val="67000"/>
-              </a:schemeClr>
-            </a:gs>
-            <a:gs pos="50000">
-              <a:schemeClr val="phClr">
-                <a:lumMod val="105000"/>
-                <a:satMod val="103000"/>
-                <a:tint val="73000"/>
-              </a:schemeClr>
-            </a:gs>
-            <a:gs pos="100000">
-              <a:schemeClr val="phClr">
-                <a:lumMod val="105000"/>
-                <a:satMod val="109000"/>
-                <a:tint val="81000"/>
-              </a:schemeClr>
-            </a:gs>
-          </a:gsLst>
-          <a:lin ang="5400000" scaled="0"/>
-        </a:gradFill>
-        <a:gradFill rotWithShape="1">
-          <a:gsLst>
-            <a:gs pos="0">
-              <a:schemeClr val="phClr">
-                <a:satMod val="103000"/>
-                <a:lumMod val="102000"/>
-                <a:tint val="94000"/>
-              </a:schemeClr>
-            </a:gs>
-            <a:gs pos="50000">
-              <a:schemeClr val="phClr">
-                <a:satMod val="110000"/>
-                <a:lumMod val="100000"/>
-                <a:shade val="100000"/>
-              </a:schemeClr>
-            </a:gs>
-            <a:gs pos="100000">
-              <a:schemeClr val="phClr">
-                <a:lumMod val="99000"/>
-                <a:satMod val="120000"/>
-                <a:shade val="78000"/>
-              </a:schemeClr>
-            </a:gs>
-          </a:gsLst>
-          <a:lin ang="5400000" scaled="0"/>
-        </a:gradFill>
+        <a:solidFill>
+          <a:schemeClr val="phClr">
+            <a:tint val="60000"/>
+            <a:satMod val="120000"/>
+          </a:schemeClr>
+        </a:solidFill>
+        <a:solidFill>
+          <a:schemeClr val="phClr">
+            <a:shade val="75000"/>
+            <a:satMod val="160000"/>
+          </a:schemeClr>
+        </a:solidFill>
       </a:fillStyleLst>
       <a:lnStyleLst>
-        <a:ln w="6350" cap="flat" cmpd="sng" algn="ctr">
+        <a:ln w="9525" cap="flat" cmpd="sng" algn="ctr">
           <a:solidFill>
             <a:schemeClr val="phClr"/>
           </a:solidFill>
           <a:prstDash val="solid"/>
-          <a:miter lim="800000"/>
         </a:ln>
-        <a:ln w="12700" cap="flat" cmpd="sng" algn="ctr">
+        <a:ln w="13970" cap="flat" cmpd="sng" algn="ctr">
           <a:solidFill>
             <a:schemeClr val="phClr"/>
           </a:solidFill>
           <a:prstDash val="solid"/>
-          <a:miter lim="800000"/>
         </a:ln>
-        <a:ln w="19050" cap="flat" cmpd="sng" algn="ctr">
+        <a:ln w="17145" cap="flat" cmpd="sng" algn="ctr">
           <a:solidFill>
-            <a:schemeClr val="phClr"/>
+            <a:schemeClr val="phClr">
+              <a:shade val="95000"/>
+              <a:alpha val="95000"/>
+              <a:satMod val="150000"/>
+            </a:schemeClr>
           </a:solidFill>
           <a:prstDash val="solid"/>
-          <a:miter lim="800000"/>
         </a:ln>
       </a:lnStyleLst>
       <a:effectStyleLst>
@@ -5012,16 +5331,52 @@
           <a:effectLst/>
         </a:effectStyle>
         <a:effectStyle>
-          <a:effectLst/>
+          <a:effectLst>
+            <a:outerShdw blurRad="50800" dist="15240" dir="5400000" algn="tl" rotWithShape="0">
+              <a:srgbClr val="000000">
+                <a:alpha val="75000"/>
+              </a:srgbClr>
+            </a:outerShdw>
+          </a:effectLst>
+          <a:scene3d>
+            <a:camera prst="orthographicFront">
+              <a:rot lat="0" lon="0" rev="0"/>
+            </a:camera>
+            <a:lightRig rig="brightRoom" dir="tl"/>
+          </a:scene3d>
+          <a:sp3d contourW="9525" prstMaterial="flat">
+            <a:bevelT w="0" h="0" prst="coolSlant"/>
+            <a:contourClr>
+              <a:schemeClr val="phClr">
+                <a:shade val="35000"/>
+                <a:satMod val="130000"/>
+              </a:schemeClr>
+            </a:contourClr>
+          </a:sp3d>
         </a:effectStyle>
         <a:effectStyle>
           <a:effectLst>
-            <a:outerShdw blurRad="57150" dist="19050" dir="5400000" algn="ctr" rotWithShape="0">
+            <a:outerShdw blurRad="76200" dist="25400" dir="5400000" algn="tl" rotWithShape="0">
               <a:srgbClr val="000000">
-                <a:alpha val="63000"/>
+                <a:alpha val="55000"/>
               </a:srgbClr>
             </a:outerShdw>
           </a:effectLst>
+          <a:scene3d>
+            <a:camera prst="orthographicFront">
+              <a:rot lat="0" lon="0" rev="0"/>
+            </a:camera>
+            <a:lightRig rig="brightRoom" dir="tl"/>
+          </a:scene3d>
+          <a:sp3d contourW="19050" prstMaterial="flat">
+            <a:bevelT w="0" h="0" prst="coolSlant"/>
+            <a:contourClr>
+              <a:schemeClr val="phClr">
+                <a:shade val="25000"/>
+                <a:satMod val="140000"/>
+              </a:schemeClr>
+            </a:contourClr>
+          </a:sp3d>
         </a:effectStyle>
       </a:effectStyleLst>
       <a:bgFillStyleLst>
@@ -5038,28 +5393,23 @@
           <a:gsLst>
             <a:gs pos="0">
               <a:schemeClr val="phClr">
-                <a:tint val="93000"/>
-                <a:satMod val="150000"/>
+                <a:tint val="94000"/>
                 <a:shade val="98000"/>
+                <a:satMod val="130000"/>
                 <a:lumMod val="102000"/>
-              </a:schemeClr>
-            </a:gs>
-            <a:gs pos="50000">
-              <a:schemeClr val="phClr">
-                <a:tint val="98000"/>
-                <a:satMod val="130000"/>
-                <a:shade val="90000"/>
-                <a:lumMod val="103000"/>
               </a:schemeClr>
             </a:gs>
             <a:gs pos="100000">
               <a:schemeClr val="phClr">
-                <a:shade val="63000"/>
-                <a:satMod val="120000"/>
+                <a:tint val="98000"/>
+                <a:shade val="78000"/>
+                <a:satMod val="140000"/>
               </a:schemeClr>
             </a:gs>
           </a:gsLst>
-          <a:lin ang="5400000" scaled="0"/>
+          <a:path path="circle">
+            <a:fillToRect l="100000" t="100000" r="100000" b="100000"/>
+          </a:path>
         </a:gradFill>
       </a:bgFillStyleLst>
     </a:fmtScheme>
@@ -5068,7 +5418,7 @@
   <a:extraClrSchemeLst/>
   <a:extLst>
     <a:ext uri="{05A4C25C-085E-4340-85A3-A5531E510DB2}">
-      <thm15:themeFamily xmlns:thm15="http://schemas.microsoft.com/office/thememl/2012/main" name="Office Theme" id="{62F939B6-93AF-4DB8-9C6B-D6C7DFDC589F}" vid="{4A3C46E8-61CC-4603-A589-7422A47A8E4A}"/>
+      <thm15:themeFamily xmlns:thm15="http://schemas.microsoft.com/office/thememl/2012/main" name="View" id="{BA0EB5A6-F2D4-4F82-977B-64ADEE4A2A69}" vid="{3969A8A2-35DB-4E3B-8885-16FD20568674}"/>
     </a:ext>
   </a:extLst>
 </a:theme>

--- a/python_project.pptx
+++ b/python_project.pptx
@@ -7,13 +7,14 @@
   <p:sldIdLst>
     <p:sldId id="256" r:id="rId2"/>
     <p:sldId id="257" r:id="rId3"/>
-    <p:sldId id="259" r:id="rId4"/>
-    <p:sldId id="260" r:id="rId5"/>
-    <p:sldId id="261" r:id="rId6"/>
-    <p:sldId id="262" r:id="rId7"/>
-    <p:sldId id="264" r:id="rId8"/>
-    <p:sldId id="265" r:id="rId9"/>
-    <p:sldId id="263" r:id="rId10"/>
+    <p:sldId id="266" r:id="rId4"/>
+    <p:sldId id="259" r:id="rId5"/>
+    <p:sldId id="260" r:id="rId6"/>
+    <p:sldId id="261" r:id="rId7"/>
+    <p:sldId id="262" r:id="rId8"/>
+    <p:sldId id="264" r:id="rId9"/>
+    <p:sldId id="265" r:id="rId10"/>
+    <p:sldId id="263" r:id="rId11"/>
   </p:sldIdLst>
   <p:sldSz cx="12192000" cy="6858000"/>
   <p:notesSz cx="6858000" cy="9144000"/>
@@ -3657,6 +3658,133 @@
 </p:sld>
 </file>
 
+<file path=ppt/slides/slide10.xml><?xml version="1.0" encoding="utf-8"?>
+<p:sld xmlns:a="http://schemas.openxmlformats.org/drawingml/2006/main" xmlns:r="http://schemas.openxmlformats.org/officeDocument/2006/relationships" xmlns:p="http://schemas.openxmlformats.org/presentationml/2006/main">
+  <p:cSld>
+    <p:spTree>
+      <p:nvGrpSpPr>
+        <p:cNvPr id="1" name=""/>
+        <p:cNvGrpSpPr/>
+        <p:nvPr/>
+      </p:nvGrpSpPr>
+      <p:grpSpPr>
+        <a:xfrm>
+          <a:off x="0" y="0"/>
+          <a:ext cx="0" cy="0"/>
+          <a:chOff x="0" y="0"/>
+          <a:chExt cx="0" cy="0"/>
+        </a:xfrm>
+      </p:grpSpPr>
+      <p:sp>
+        <p:nvSpPr>
+          <p:cNvPr id="2" name="Заголовок 1">
+            <a:extLst>
+              <a:ext uri="{FF2B5EF4-FFF2-40B4-BE49-F238E27FC236}">
+                <a16:creationId xmlns:a16="http://schemas.microsoft.com/office/drawing/2014/main" id="{26DE73A9-B819-4C48-A4AE-FAFF1B87C2A4}"/>
+              </a:ext>
+            </a:extLst>
+          </p:cNvPr>
+          <p:cNvSpPr>
+            <a:spLocks noGrp="1"/>
+          </p:cNvSpPr>
+          <p:nvPr>
+            <p:ph type="title"/>
+          </p:nvPr>
+        </p:nvSpPr>
+        <p:spPr/>
+        <p:txBody>
+          <a:bodyPr/>
+          <a:lstStyle/>
+          <a:p>
+            <a:endParaRPr lang="en-DE"/>
+          </a:p>
+        </p:txBody>
+      </p:sp>
+      <p:sp>
+        <p:nvSpPr>
+          <p:cNvPr id="3" name="Объект 2">
+            <a:extLst>
+              <a:ext uri="{FF2B5EF4-FFF2-40B4-BE49-F238E27FC236}">
+                <a16:creationId xmlns:a16="http://schemas.microsoft.com/office/drawing/2014/main" id="{BCD8D1F7-A6C4-4427-8743-490131A08E3B}"/>
+              </a:ext>
+            </a:extLst>
+          </p:cNvPr>
+          <p:cNvSpPr>
+            <a:spLocks noGrp="1"/>
+          </p:cNvSpPr>
+          <p:nvPr>
+            <p:ph idx="1"/>
+          </p:nvPr>
+        </p:nvSpPr>
+        <p:spPr/>
+        <p:txBody>
+          <a:bodyPr/>
+          <a:lstStyle/>
+          <a:p>
+            <a:endParaRPr lang="en-DE"/>
+          </a:p>
+        </p:txBody>
+      </p:sp>
+      <p:pic>
+        <p:nvPicPr>
+          <p:cNvPr id="1026" name="Picture 2" descr="spasibo-za-prosmotr-17">
+            <a:extLst>
+              <a:ext uri="{FF2B5EF4-FFF2-40B4-BE49-F238E27FC236}">
+                <a16:creationId xmlns:a16="http://schemas.microsoft.com/office/drawing/2014/main" id="{B0109017-D3D7-4557-9D4F-A9644E80F83D}"/>
+              </a:ext>
+            </a:extLst>
+          </p:cNvPr>
+          <p:cNvPicPr>
+            <a:picLocks noChangeAspect="1" noChangeArrowheads="1" noCrop="1"/>
+          </p:cNvPicPr>
+          <p:nvPr/>
+        </p:nvPicPr>
+        <p:blipFill>
+          <a:blip r:embed="rId2">
+            <a:extLst>
+              <a:ext uri="{28A0092B-C50C-407E-A947-70E740481C1C}">
+                <a14:useLocalDpi xmlns:a14="http://schemas.microsoft.com/office/drawing/2010/main" val="0"/>
+              </a:ext>
+            </a:extLst>
+          </a:blip>
+          <a:srcRect/>
+          <a:stretch>
+            <a:fillRect/>
+          </a:stretch>
+        </p:blipFill>
+        <p:spPr bwMode="auto">
+          <a:xfrm>
+            <a:off x="0" y="-795661"/>
+            <a:ext cx="12192000" cy="9144000"/>
+          </a:xfrm>
+          <a:prstGeom prst="rect">
+            <a:avLst/>
+          </a:prstGeom>
+          <a:noFill/>
+          <a:extLst>
+            <a:ext uri="{909E8E84-426E-40DD-AFC4-6F175D3DCCD1}">
+              <a14:hiddenFill xmlns:a14="http://schemas.microsoft.com/office/drawing/2010/main">
+                <a:solidFill>
+                  <a:srgbClr val="FFFFFF"/>
+                </a:solidFill>
+              </a14:hiddenFill>
+            </a:ext>
+          </a:extLst>
+        </p:spPr>
+      </p:pic>
+    </p:spTree>
+    <p:extLst>
+      <p:ext uri="{BB962C8B-B14F-4D97-AF65-F5344CB8AC3E}">
+        <p14:creationId xmlns:p14="http://schemas.microsoft.com/office/powerpoint/2010/main" val="553150363"/>
+      </p:ext>
+    </p:extLst>
+  </p:cSld>
+  <p:clrMapOvr>
+    <a:masterClrMapping/>
+  </p:clrMapOvr>
+</p:sld>
+</file>
+
 <file path=ppt/slides/slide2.xml><?xml version="1.0" encoding="utf-8"?>
 <p:sld xmlns:a="http://schemas.openxmlformats.org/drawingml/2006/main" xmlns:r="http://schemas.openxmlformats.org/officeDocument/2006/relationships" xmlns:p="http://schemas.openxmlformats.org/presentationml/2006/main">
   <p:cSld>
@@ -4067,6 +4195,132 @@
           <p:cNvPr id="2" name="Заголовок 1">
             <a:extLst>
               <a:ext uri="{FF2B5EF4-FFF2-40B4-BE49-F238E27FC236}">
+                <a16:creationId xmlns:a16="http://schemas.microsoft.com/office/drawing/2014/main" id="{EEF9E4F2-4166-4336-8C2A-0FDAFF8215EC}"/>
+              </a:ext>
+            </a:extLst>
+          </p:cNvPr>
+          <p:cNvSpPr>
+            <a:spLocks noGrp="1"/>
+          </p:cNvSpPr>
+          <p:nvPr>
+            <p:ph type="title"/>
+          </p:nvPr>
+        </p:nvSpPr>
+        <p:spPr/>
+        <p:txBody>
+          <a:bodyPr/>
+          <a:lstStyle/>
+          <a:p>
+            <a:r>
+              <a:rPr lang="ru-RU" dirty="0"/>
+              <a:t>Создание пользовательского интерфейса</a:t>
+            </a:r>
+            <a:endParaRPr lang="en-DE" dirty="0"/>
+          </a:p>
+        </p:txBody>
+      </p:sp>
+      <p:pic>
+        <p:nvPicPr>
+          <p:cNvPr id="5" name="Объект 4">
+            <a:extLst>
+              <a:ext uri="{FF2B5EF4-FFF2-40B4-BE49-F238E27FC236}">
+                <a16:creationId xmlns:a16="http://schemas.microsoft.com/office/drawing/2014/main" id="{ACF5AD73-6228-4754-9133-B338E65A07C6}"/>
+              </a:ext>
+            </a:extLst>
+          </p:cNvPr>
+          <p:cNvPicPr>
+            <a:picLocks noGrp="1" noChangeAspect="1"/>
+          </p:cNvPicPr>
+          <p:nvPr>
+            <p:ph idx="1"/>
+          </p:nvPr>
+        </p:nvPicPr>
+        <p:blipFill>
+          <a:blip r:embed="rId2"/>
+          <a:stretch>
+            <a:fillRect/>
+          </a:stretch>
+        </p:blipFill>
+        <p:spPr>
+          <a:xfrm>
+            <a:off x="199866" y="1908699"/>
+            <a:ext cx="8038062" cy="4351338"/>
+          </a:xfrm>
+        </p:spPr>
+      </p:pic>
+      <p:sp>
+        <p:nvSpPr>
+          <p:cNvPr id="6" name="TextBox 5">
+            <a:extLst>
+              <a:ext uri="{FF2B5EF4-FFF2-40B4-BE49-F238E27FC236}">
+                <a16:creationId xmlns:a16="http://schemas.microsoft.com/office/drawing/2014/main" id="{E32CDF08-F09F-4660-B7CB-4A521BBBFB42}"/>
+              </a:ext>
+            </a:extLst>
+          </p:cNvPr>
+          <p:cNvSpPr txBox="1"/>
+          <p:nvPr/>
+        </p:nvSpPr>
+        <p:spPr>
+          <a:xfrm>
+            <a:off x="8939813" y="3761202"/>
+            <a:ext cx="1632959" cy="646331"/>
+          </a:xfrm>
+          <a:prstGeom prst="rect">
+            <a:avLst/>
+          </a:prstGeom>
+          <a:noFill/>
+        </p:spPr>
+        <p:txBody>
+          <a:bodyPr wrap="square" rtlCol="0">
+            <a:spAutoFit/>
+          </a:bodyPr>
+          <a:lstStyle/>
+          <a:p>
+            <a:r>
+              <a:rPr lang="en-US" dirty="0"/>
+              <a:t>Qt Designer</a:t>
+            </a:r>
+          </a:p>
+          <a:p>
+            <a:endParaRPr lang="en-DE" dirty="0"/>
+          </a:p>
+        </p:txBody>
+      </p:sp>
+    </p:spTree>
+    <p:extLst>
+      <p:ext uri="{BB962C8B-B14F-4D97-AF65-F5344CB8AC3E}">
+        <p14:creationId xmlns:p14="http://schemas.microsoft.com/office/powerpoint/2010/main" val="1283897603"/>
+      </p:ext>
+    </p:extLst>
+  </p:cSld>
+  <p:clrMapOvr>
+    <a:masterClrMapping/>
+  </p:clrMapOvr>
+</p:sld>
+</file>
+
+<file path=ppt/slides/slide4.xml><?xml version="1.0" encoding="utf-8"?>
+<p:sld xmlns:a="http://schemas.openxmlformats.org/drawingml/2006/main" xmlns:r="http://schemas.openxmlformats.org/officeDocument/2006/relationships" xmlns:p="http://schemas.openxmlformats.org/presentationml/2006/main">
+  <p:cSld>
+    <p:spTree>
+      <p:nvGrpSpPr>
+        <p:cNvPr id="1" name=""/>
+        <p:cNvGrpSpPr/>
+        <p:nvPr/>
+      </p:nvGrpSpPr>
+      <p:grpSpPr>
+        <a:xfrm>
+          <a:off x="0" y="0"/>
+          <a:ext cx="0" cy="0"/>
+          <a:chOff x="0" y="0"/>
+          <a:chExt cx="0" cy="0"/>
+        </a:xfrm>
+      </p:grpSpPr>
+      <p:sp>
+        <p:nvSpPr>
+          <p:cNvPr id="2" name="Заголовок 1">
+            <a:extLst>
+              <a:ext uri="{FF2B5EF4-FFF2-40B4-BE49-F238E27FC236}">
                 <a16:creationId xmlns:a16="http://schemas.microsoft.com/office/drawing/2014/main" id="{090A5443-B9FB-499E-8E61-53366A799CBD}"/>
               </a:ext>
             </a:extLst>
@@ -4241,7 +4495,7 @@
 </p:sld>
 </file>
 
-<file path=ppt/slides/slide4.xml><?xml version="1.0" encoding="utf-8"?>
+<file path=ppt/slides/slide5.xml><?xml version="1.0" encoding="utf-8"?>
 <p:sld xmlns:a="http://schemas.openxmlformats.org/drawingml/2006/main" xmlns:r="http://schemas.openxmlformats.org/officeDocument/2006/relationships" xmlns:p="http://schemas.openxmlformats.org/presentationml/2006/main">
   <p:cSld>
     <p:spTree>
@@ -4410,7 +4664,7 @@
 </p:sld>
 </file>
 
-<file path=ppt/slides/slide5.xml><?xml version="1.0" encoding="utf-8"?>
+<file path=ppt/slides/slide6.xml><?xml version="1.0" encoding="utf-8"?>
 <p:sld xmlns:a="http://schemas.openxmlformats.org/drawingml/2006/main" xmlns:r="http://schemas.openxmlformats.org/officeDocument/2006/relationships" xmlns:p="http://schemas.openxmlformats.org/presentationml/2006/main">
   <p:cSld>
     <p:spTree>
@@ -4535,7 +4789,7 @@
 </p:sld>
 </file>
 
-<file path=ppt/slides/slide6.xml><?xml version="1.0" encoding="utf-8"?>
+<file path=ppt/slides/slide7.xml><?xml version="1.0" encoding="utf-8"?>
 <p:sld xmlns:a="http://schemas.openxmlformats.org/drawingml/2006/main" xmlns:r="http://schemas.openxmlformats.org/officeDocument/2006/relationships" xmlns:p="http://schemas.openxmlformats.org/presentationml/2006/main">
   <p:cSld>
     <p:spTree>
@@ -4581,12 +4835,100 @@
           </a:p>
         </p:txBody>
       </p:sp>
+      <p:sp>
+        <p:nvSpPr>
+          <p:cNvPr id="15" name="TextBox 14">
+            <a:extLst>
+              <a:ext uri="{FF2B5EF4-FFF2-40B4-BE49-F238E27FC236}">
+                <a16:creationId xmlns:a16="http://schemas.microsoft.com/office/drawing/2014/main" id="{9E66862E-1A30-4D6B-9AFA-7FC8F00031D6}"/>
+              </a:ext>
+            </a:extLst>
+          </p:cNvPr>
+          <p:cNvSpPr txBox="1"/>
+          <p:nvPr/>
+        </p:nvSpPr>
+        <p:spPr>
+          <a:xfrm>
+            <a:off x="5128952" y="2268423"/>
+            <a:ext cx="5397623" cy="2031325"/>
+          </a:xfrm>
+          <a:prstGeom prst="rect">
+            <a:avLst/>
+          </a:prstGeom>
+          <a:noFill/>
+        </p:spPr>
+        <p:txBody>
+          <a:bodyPr wrap="square" rtlCol="0">
+            <a:spAutoFit/>
+          </a:bodyPr>
+          <a:lstStyle/>
+          <a:p>
+            <a:r>
+              <a:rPr lang="ru-RU" dirty="0"/>
+              <a:t>Чтобы создать класс, пользователю необходимо для начала создать </a:t>
+            </a:r>
+            <a:r>
+              <a:rPr lang="en-US" dirty="0"/>
+              <a:t>txt</a:t>
+            </a:r>
+            <a:r>
+              <a:rPr lang="ru-RU" dirty="0"/>
+              <a:t> файл, в котором на каждой отдельной строке будет именная информация ученика, которому должен будет быть составлен вариант. После написать название класса в спец. поле и выбрать</a:t>
+            </a:r>
+            <a:r>
+              <a:rPr lang="en-US" dirty="0"/>
+              <a:t> txt </a:t>
+            </a:r>
+            <a:r>
+              <a:rPr lang="ru-RU" dirty="0"/>
+              <a:t>файл.</a:t>
+            </a:r>
+            <a:endParaRPr lang="en-DE" dirty="0"/>
+          </a:p>
+        </p:txBody>
+      </p:sp>
+      <p:sp>
+        <p:nvSpPr>
+          <p:cNvPr id="16" name="TextBox 15">
+            <a:extLst>
+              <a:ext uri="{FF2B5EF4-FFF2-40B4-BE49-F238E27FC236}">
+                <a16:creationId xmlns:a16="http://schemas.microsoft.com/office/drawing/2014/main" id="{AFC90806-1E99-4A22-8C0C-8DC6711858CE}"/>
+              </a:ext>
+            </a:extLst>
+          </p:cNvPr>
+          <p:cNvSpPr txBox="1"/>
+          <p:nvPr/>
+        </p:nvSpPr>
+        <p:spPr>
+          <a:xfrm>
+            <a:off x="5128952" y="5223078"/>
+            <a:ext cx="5306505" cy="923330"/>
+          </a:xfrm>
+          <a:prstGeom prst="rect">
+            <a:avLst/>
+          </a:prstGeom>
+          <a:noFill/>
+        </p:spPr>
+        <p:txBody>
+          <a:bodyPr wrap="square" rtlCol="0">
+            <a:spAutoFit/>
+          </a:bodyPr>
+          <a:lstStyle/>
+          <a:p>
+            <a:r>
+              <a:rPr lang="ru-RU" dirty="0"/>
+              <a:t>Для удаление ненужного класса необходимо ввести его имя и в спец. Поле и нажать кнопку.</a:t>
+            </a:r>
+            <a:endParaRPr lang="en-DE" dirty="0"/>
+          </a:p>
+        </p:txBody>
+      </p:sp>
       <p:pic>
         <p:nvPicPr>
-          <p:cNvPr id="14" name="Рисунок 13">
+          <p:cNvPr id="4" name="Рисунок 3">
             <a:extLst>
               <a:ext uri="{FF2B5EF4-FFF2-40B4-BE49-F238E27FC236}">
-                <a16:creationId xmlns:a16="http://schemas.microsoft.com/office/drawing/2014/main" id="{BBC006AB-7DC1-4721-A048-363AFDD30BCA}"/>
+                <a16:creationId xmlns:a16="http://schemas.microsoft.com/office/drawing/2014/main" id="{C32CA4B2-DBF4-4FAD-B0CD-A295FEA0AEF5}"/>
               </a:ext>
             </a:extLst>
           </p:cNvPr>
@@ -4603,8 +4945,8 @@
         </p:blipFill>
         <p:spPr>
           <a:xfrm>
-            <a:off x="601338" y="2268423"/>
-            <a:ext cx="3762900" cy="3105583"/>
+            <a:off x="223713" y="2268423"/>
+            <a:ext cx="3772426" cy="3124636"/>
           </a:xfrm>
           <a:prstGeom prst="rect">
             <a:avLst/>
@@ -4613,10 +4955,10 @@
       </p:pic>
       <p:sp>
         <p:nvSpPr>
-          <p:cNvPr id="15" name="TextBox 14">
+          <p:cNvPr id="5" name="TextBox 4">
             <a:extLst>
               <a:ext uri="{FF2B5EF4-FFF2-40B4-BE49-F238E27FC236}">
-                <a16:creationId xmlns:a16="http://schemas.microsoft.com/office/drawing/2014/main" id="{9E66862E-1A30-4D6B-9AFA-7FC8F00031D6}"/>
+                <a16:creationId xmlns:a16="http://schemas.microsoft.com/office/drawing/2014/main" id="{45E5B3E9-062C-4525-98EB-E1D7818837F6}"/>
               </a:ext>
             </a:extLst>
           </p:cNvPr>
@@ -4625,8 +4967,8 @@
         </p:nvSpPr>
         <p:spPr>
           <a:xfrm>
-            <a:off x="5128952" y="2268423"/>
-            <a:ext cx="5397623" cy="2031325"/>
+            <a:off x="5128952" y="4299748"/>
+            <a:ext cx="5613029" cy="923330"/>
           </a:xfrm>
           <a:prstGeom prst="rect">
             <a:avLst/>
@@ -4641,59 +4983,7 @@
           <a:p>
             <a:r>
               <a:rPr lang="ru-RU" dirty="0"/>
-              <a:t>Чтобы создать класс, пользователю необходимо для начала создать </a:t>
-            </a:r>
-            <a:r>
-              <a:rPr lang="en-US" dirty="0"/>
-              <a:t>txt</a:t>
-            </a:r>
-            <a:r>
-              <a:rPr lang="ru-RU" dirty="0"/>
-              <a:t> файл, в котором на каждой отдельной строке будет именная информация ученика, которому должен будет быть составлен вариант. После написать название класса в спец. поле и выбрать</a:t>
-            </a:r>
-            <a:r>
-              <a:rPr lang="en-US" dirty="0"/>
-              <a:t> txt </a:t>
-            </a:r>
-            <a:r>
-              <a:rPr lang="ru-RU" dirty="0"/>
-              <a:t>файл.</a:t>
-            </a:r>
-            <a:endParaRPr lang="en-DE" dirty="0"/>
-          </a:p>
-        </p:txBody>
-      </p:sp>
-      <p:sp>
-        <p:nvSpPr>
-          <p:cNvPr id="16" name="TextBox 15">
-            <a:extLst>
-              <a:ext uri="{FF2B5EF4-FFF2-40B4-BE49-F238E27FC236}">
-                <a16:creationId xmlns:a16="http://schemas.microsoft.com/office/drawing/2014/main" id="{AFC90806-1E99-4A22-8C0C-8DC6711858CE}"/>
-              </a:ext>
-            </a:extLst>
-          </p:cNvPr>
-          <p:cNvSpPr txBox="1"/>
-          <p:nvPr/>
-        </p:nvSpPr>
-        <p:spPr>
-          <a:xfrm>
-            <a:off x="5128952" y="4607511"/>
-            <a:ext cx="5306505" cy="923330"/>
-          </a:xfrm>
-          <a:prstGeom prst="rect">
-            <a:avLst/>
-          </a:prstGeom>
-          <a:noFill/>
-        </p:spPr>
-        <p:txBody>
-          <a:bodyPr wrap="square" rtlCol="0">
-            <a:spAutoFit/>
-          </a:bodyPr>
-          <a:lstStyle/>
-          <a:p>
-            <a:r>
-              <a:rPr lang="ru-RU" dirty="0"/>
-              <a:t>Для удаление ненужного класса необходимо ввести его имя и в спец. Поле и нажать кнопку.</a:t>
+              <a:t>Так же пользователь может просмотреть и отредактировать уже добавленные классы указав их название в нужном поле</a:t>
             </a:r>
             <a:endParaRPr lang="en-DE" dirty="0"/>
           </a:p>
@@ -4712,7 +5002,7 @@
 </p:sld>
 </file>
 
-<file path=ppt/slides/slide7.xml><?xml version="1.0" encoding="utf-8"?>
+<file path=ppt/slides/slide8.xml><?xml version="1.0" encoding="utf-8"?>
 <p:sld xmlns:a="http://schemas.openxmlformats.org/drawingml/2006/main" xmlns:r="http://schemas.openxmlformats.org/officeDocument/2006/relationships" xmlns:p="http://schemas.openxmlformats.org/presentationml/2006/main">
   <p:cSld>
     <p:spTree>
@@ -4906,7 +5196,7 @@
 </p:sld>
 </file>
 
-<file path=ppt/slides/slide8.xml><?xml version="1.0" encoding="utf-8"?>
+<file path=ppt/slides/slide9.xml><?xml version="1.0" encoding="utf-8"?>
 <p:sld xmlns:a="http://schemas.openxmlformats.org/drawingml/2006/main" xmlns:r="http://schemas.openxmlformats.org/officeDocument/2006/relationships" xmlns:p="http://schemas.openxmlformats.org/presentationml/2006/main">
   <p:cSld>
     <p:spTree>
@@ -5035,133 +5325,6 @@
     <p:extLst>
       <p:ext uri="{BB962C8B-B14F-4D97-AF65-F5344CB8AC3E}">
         <p14:creationId xmlns:p14="http://schemas.microsoft.com/office/powerpoint/2010/main" val="477063277"/>
-      </p:ext>
-    </p:extLst>
-  </p:cSld>
-  <p:clrMapOvr>
-    <a:masterClrMapping/>
-  </p:clrMapOvr>
-</p:sld>
-</file>
-
-<file path=ppt/slides/slide9.xml><?xml version="1.0" encoding="utf-8"?>
-<p:sld xmlns:a="http://schemas.openxmlformats.org/drawingml/2006/main" xmlns:r="http://schemas.openxmlformats.org/officeDocument/2006/relationships" xmlns:p="http://schemas.openxmlformats.org/presentationml/2006/main">
-  <p:cSld>
-    <p:spTree>
-      <p:nvGrpSpPr>
-        <p:cNvPr id="1" name=""/>
-        <p:cNvGrpSpPr/>
-        <p:nvPr/>
-      </p:nvGrpSpPr>
-      <p:grpSpPr>
-        <a:xfrm>
-          <a:off x="0" y="0"/>
-          <a:ext cx="0" cy="0"/>
-          <a:chOff x="0" y="0"/>
-          <a:chExt cx="0" cy="0"/>
-        </a:xfrm>
-      </p:grpSpPr>
-      <p:sp>
-        <p:nvSpPr>
-          <p:cNvPr id="2" name="Заголовок 1">
-            <a:extLst>
-              <a:ext uri="{FF2B5EF4-FFF2-40B4-BE49-F238E27FC236}">
-                <a16:creationId xmlns:a16="http://schemas.microsoft.com/office/drawing/2014/main" id="{26DE73A9-B819-4C48-A4AE-FAFF1B87C2A4}"/>
-              </a:ext>
-            </a:extLst>
-          </p:cNvPr>
-          <p:cNvSpPr>
-            <a:spLocks noGrp="1"/>
-          </p:cNvSpPr>
-          <p:nvPr>
-            <p:ph type="title"/>
-          </p:nvPr>
-        </p:nvSpPr>
-        <p:spPr/>
-        <p:txBody>
-          <a:bodyPr/>
-          <a:lstStyle/>
-          <a:p>
-            <a:endParaRPr lang="en-DE"/>
-          </a:p>
-        </p:txBody>
-      </p:sp>
-      <p:sp>
-        <p:nvSpPr>
-          <p:cNvPr id="3" name="Объект 2">
-            <a:extLst>
-              <a:ext uri="{FF2B5EF4-FFF2-40B4-BE49-F238E27FC236}">
-                <a16:creationId xmlns:a16="http://schemas.microsoft.com/office/drawing/2014/main" id="{BCD8D1F7-A6C4-4427-8743-490131A08E3B}"/>
-              </a:ext>
-            </a:extLst>
-          </p:cNvPr>
-          <p:cNvSpPr>
-            <a:spLocks noGrp="1"/>
-          </p:cNvSpPr>
-          <p:nvPr>
-            <p:ph idx="1"/>
-          </p:nvPr>
-        </p:nvSpPr>
-        <p:spPr/>
-        <p:txBody>
-          <a:bodyPr/>
-          <a:lstStyle/>
-          <a:p>
-            <a:endParaRPr lang="en-DE"/>
-          </a:p>
-        </p:txBody>
-      </p:sp>
-      <p:pic>
-        <p:nvPicPr>
-          <p:cNvPr id="1026" name="Picture 2" descr="spasibo-za-prosmotr-17">
-            <a:extLst>
-              <a:ext uri="{FF2B5EF4-FFF2-40B4-BE49-F238E27FC236}">
-                <a16:creationId xmlns:a16="http://schemas.microsoft.com/office/drawing/2014/main" id="{B0109017-D3D7-4557-9D4F-A9644E80F83D}"/>
-              </a:ext>
-            </a:extLst>
-          </p:cNvPr>
-          <p:cNvPicPr>
-            <a:picLocks noChangeAspect="1" noChangeArrowheads="1" noCrop="1"/>
-          </p:cNvPicPr>
-          <p:nvPr/>
-        </p:nvPicPr>
-        <p:blipFill>
-          <a:blip r:embed="rId2">
-            <a:extLst>
-              <a:ext uri="{28A0092B-C50C-407E-A947-70E740481C1C}">
-                <a14:useLocalDpi xmlns:a14="http://schemas.microsoft.com/office/drawing/2010/main" val="0"/>
-              </a:ext>
-            </a:extLst>
-          </a:blip>
-          <a:srcRect/>
-          <a:stretch>
-            <a:fillRect/>
-          </a:stretch>
-        </p:blipFill>
-        <p:spPr bwMode="auto">
-          <a:xfrm>
-            <a:off x="0" y="-795661"/>
-            <a:ext cx="12192000" cy="9144000"/>
-          </a:xfrm>
-          <a:prstGeom prst="rect">
-            <a:avLst/>
-          </a:prstGeom>
-          <a:noFill/>
-          <a:extLst>
-            <a:ext uri="{909E8E84-426E-40DD-AFC4-6F175D3DCCD1}">
-              <a14:hiddenFill xmlns:a14="http://schemas.microsoft.com/office/drawing/2010/main">
-                <a:solidFill>
-                  <a:srgbClr val="FFFFFF"/>
-                </a:solidFill>
-              </a14:hiddenFill>
-            </a:ext>
-          </a:extLst>
-        </p:spPr>
-      </p:pic>
-    </p:spTree>
-    <p:extLst>
-      <p:ext uri="{BB962C8B-B14F-4D97-AF65-F5344CB8AC3E}">
-        <p14:creationId xmlns:p14="http://schemas.microsoft.com/office/powerpoint/2010/main" val="553150363"/>
       </p:ext>
     </p:extLst>
   </p:cSld>
